--- a/crawling-g2g/docs/현거래 Data 수집.pptx
+++ b/crawling-g2g/docs/현거래 Data 수집.pptx
@@ -6,26 +6,24 @@
   </p:sldMasterIdLst>
   <p:sldIdLst>
     <p:sldId id="256" r:id="rId2"/>
-    <p:sldId id="267" r:id="rId3"/>
-    <p:sldId id="276" r:id="rId4"/>
-    <p:sldId id="268" r:id="rId5"/>
-    <p:sldId id="262" r:id="rId6"/>
-    <p:sldId id="257" r:id="rId7"/>
-    <p:sldId id="266" r:id="rId8"/>
-    <p:sldId id="259" r:id="rId9"/>
-    <p:sldId id="260" r:id="rId10"/>
-    <p:sldId id="261" r:id="rId11"/>
-    <p:sldId id="263" r:id="rId12"/>
-    <p:sldId id="265" r:id="rId13"/>
-    <p:sldId id="275" r:id="rId14"/>
-    <p:sldId id="264" r:id="rId15"/>
-    <p:sldId id="270" r:id="rId16"/>
-    <p:sldId id="271" r:id="rId17"/>
-    <p:sldId id="272" r:id="rId18"/>
-    <p:sldId id="273" r:id="rId19"/>
-    <p:sldId id="277" r:id="rId20"/>
-    <p:sldId id="274" r:id="rId21"/>
-    <p:sldId id="269" r:id="rId22"/>
+    <p:sldId id="276" r:id="rId3"/>
+    <p:sldId id="268" r:id="rId4"/>
+    <p:sldId id="262" r:id="rId5"/>
+    <p:sldId id="257" r:id="rId6"/>
+    <p:sldId id="266" r:id="rId7"/>
+    <p:sldId id="259" r:id="rId8"/>
+    <p:sldId id="260" r:id="rId9"/>
+    <p:sldId id="261" r:id="rId10"/>
+    <p:sldId id="263" r:id="rId11"/>
+    <p:sldId id="265" r:id="rId12"/>
+    <p:sldId id="275" r:id="rId13"/>
+    <p:sldId id="264" r:id="rId14"/>
+    <p:sldId id="270" r:id="rId15"/>
+    <p:sldId id="271" r:id="rId16"/>
+    <p:sldId id="272" r:id="rId17"/>
+    <p:sldId id="273" r:id="rId18"/>
+    <p:sldId id="274" r:id="rId19"/>
+    <p:sldId id="269" r:id="rId20"/>
   </p:sldIdLst>
   <p:sldSz cx="12192000" cy="6858000"/>
   <p:notesSz cx="6858000" cy="9144000"/>
@@ -274,7 +272,7 @@
           <a:p>
             <a:fld id="{C9902EFD-4C21-45BA-9789-9A9152B23F31}" type="datetimeFigureOut">
               <a:rPr lang="ko-KR" altLang="en-US" smtClean="0"/>
-              <a:t>2022-02-04</a:t>
+              <a:t>2022-02-06</a:t>
             </a:fld>
             <a:endParaRPr lang="ko-KR" altLang="en-US"/>
           </a:p>
@@ -444,7 +442,7 @@
           <a:p>
             <a:fld id="{C9902EFD-4C21-45BA-9789-9A9152B23F31}" type="datetimeFigureOut">
               <a:rPr lang="ko-KR" altLang="en-US" smtClean="0"/>
-              <a:t>2022-02-04</a:t>
+              <a:t>2022-02-06</a:t>
             </a:fld>
             <a:endParaRPr lang="ko-KR" altLang="en-US"/>
           </a:p>
@@ -624,7 +622,7 @@
           <a:p>
             <a:fld id="{C9902EFD-4C21-45BA-9789-9A9152B23F31}" type="datetimeFigureOut">
               <a:rPr lang="ko-KR" altLang="en-US" smtClean="0"/>
-              <a:t>2022-02-04</a:t>
+              <a:t>2022-02-06</a:t>
             </a:fld>
             <a:endParaRPr lang="ko-KR" altLang="en-US"/>
           </a:p>
@@ -794,7 +792,7 @@
           <a:p>
             <a:fld id="{C9902EFD-4C21-45BA-9789-9A9152B23F31}" type="datetimeFigureOut">
               <a:rPr lang="ko-KR" altLang="en-US" smtClean="0"/>
-              <a:t>2022-02-04</a:t>
+              <a:t>2022-02-06</a:t>
             </a:fld>
             <a:endParaRPr lang="ko-KR" altLang="en-US"/>
           </a:p>
@@ -1040,7 +1038,7 @@
           <a:p>
             <a:fld id="{C9902EFD-4C21-45BA-9789-9A9152B23F31}" type="datetimeFigureOut">
               <a:rPr lang="ko-KR" altLang="en-US" smtClean="0"/>
-              <a:t>2022-02-04</a:t>
+              <a:t>2022-02-06</a:t>
             </a:fld>
             <a:endParaRPr lang="ko-KR" altLang="en-US"/>
           </a:p>
@@ -1272,7 +1270,7 @@
           <a:p>
             <a:fld id="{C9902EFD-4C21-45BA-9789-9A9152B23F31}" type="datetimeFigureOut">
               <a:rPr lang="ko-KR" altLang="en-US" smtClean="0"/>
-              <a:t>2022-02-04</a:t>
+              <a:t>2022-02-06</a:t>
             </a:fld>
             <a:endParaRPr lang="ko-KR" altLang="en-US"/>
           </a:p>
@@ -1639,7 +1637,7 @@
           <a:p>
             <a:fld id="{C9902EFD-4C21-45BA-9789-9A9152B23F31}" type="datetimeFigureOut">
               <a:rPr lang="ko-KR" altLang="en-US" smtClean="0"/>
-              <a:t>2022-02-04</a:t>
+              <a:t>2022-02-06</a:t>
             </a:fld>
             <a:endParaRPr lang="ko-KR" altLang="en-US"/>
           </a:p>
@@ -1757,7 +1755,7 @@
           <a:p>
             <a:fld id="{C9902EFD-4C21-45BA-9789-9A9152B23F31}" type="datetimeFigureOut">
               <a:rPr lang="ko-KR" altLang="en-US" smtClean="0"/>
-              <a:t>2022-02-04</a:t>
+              <a:t>2022-02-06</a:t>
             </a:fld>
             <a:endParaRPr lang="ko-KR" altLang="en-US"/>
           </a:p>
@@ -1852,7 +1850,7 @@
           <a:p>
             <a:fld id="{C9902EFD-4C21-45BA-9789-9A9152B23F31}" type="datetimeFigureOut">
               <a:rPr lang="ko-KR" altLang="en-US" smtClean="0"/>
-              <a:t>2022-02-04</a:t>
+              <a:t>2022-02-06</a:t>
             </a:fld>
             <a:endParaRPr lang="ko-KR" altLang="en-US"/>
           </a:p>
@@ -2129,7 +2127,7 @@
           <a:p>
             <a:fld id="{C9902EFD-4C21-45BA-9789-9A9152B23F31}" type="datetimeFigureOut">
               <a:rPr lang="ko-KR" altLang="en-US" smtClean="0"/>
-              <a:t>2022-02-04</a:t>
+              <a:t>2022-02-06</a:t>
             </a:fld>
             <a:endParaRPr lang="ko-KR" altLang="en-US"/>
           </a:p>
@@ -2382,7 +2380,7 @@
           <a:p>
             <a:fld id="{C9902EFD-4C21-45BA-9789-9A9152B23F31}" type="datetimeFigureOut">
               <a:rPr lang="ko-KR" altLang="en-US" smtClean="0"/>
-              <a:t>2022-02-04</a:t>
+              <a:t>2022-02-06</a:t>
             </a:fld>
             <a:endParaRPr lang="ko-KR" altLang="en-US"/>
           </a:p>
@@ -2595,7 +2593,7 @@
           <a:p>
             <a:fld id="{C9902EFD-4C21-45BA-9789-9A9152B23F31}" type="datetimeFigureOut">
               <a:rPr lang="ko-KR" altLang="en-US" smtClean="0"/>
-              <a:t>2022-02-04</a:t>
+              <a:t>2022-02-06</a:t>
             </a:fld>
             <a:endParaRPr lang="ko-KR" altLang="en-US"/>
           </a:p>
@@ -3127,14 +3125,7 @@
                 <a:latin typeface="G마켓 산스 TTF Medium" panose="02000000000000000000" pitchFamily="2" charset="-127"/>
                 <a:ea typeface="G마켓 산스 TTF Medium" panose="02000000000000000000" pitchFamily="2" charset="-127"/>
               </a:rPr>
-              <a:t> </a:t>
-            </a:r>
-            <a:r>
-              <a:rPr lang="ko-KR" altLang="en-US" sz="5400" dirty="0" smtClean="0">
-                <a:latin typeface="G마켓 산스 TTF Medium" panose="02000000000000000000" pitchFamily="2" charset="-127"/>
-                <a:ea typeface="G마켓 산스 TTF Medium" panose="02000000000000000000" pitchFamily="2" charset="-127"/>
-              </a:rPr>
-              <a:t>매물 데이터</a:t>
+              <a:t> 매물 데이터</a:t>
             </a:r>
             <a:r>
               <a:rPr lang="en-US" altLang="ko-KR" sz="5400" dirty="0" smtClean="0">
@@ -3288,73 +3279,6 @@
           <a:chExt cx="0" cy="0"/>
         </a:xfrm>
       </p:grpSpPr>
-      <p:pic>
-        <p:nvPicPr>
-          <p:cNvPr id="10" name="그림 9"/>
-          <p:cNvPicPr>
-            <a:picLocks noChangeAspect="1"/>
-          </p:cNvPicPr>
-          <p:nvPr/>
-        </p:nvPicPr>
-        <p:blipFill>
-          <a:blip r:embed="rId2">
-            <a:extLst>
-              <a:ext uri="{28A0092B-C50C-407E-A947-70E740481C1C}">
-                <a14:useLocalDpi xmlns:a14="http://schemas.microsoft.com/office/drawing/2010/main" val="0"/>
-              </a:ext>
-            </a:extLst>
-          </a:blip>
-          <a:stretch>
-            <a:fillRect/>
-          </a:stretch>
-        </p:blipFill>
-        <p:spPr>
-          <a:xfrm>
-            <a:off x="-304800" y="-377638"/>
-            <a:ext cx="12863356" cy="7235638"/>
-          </a:xfrm>
-          <a:prstGeom prst="rect">
-            <a:avLst/>
-          </a:prstGeom>
-        </p:spPr>
-      </p:pic>
-    </p:spTree>
-    <p:extLst>
-      <p:ext uri="{BB962C8B-B14F-4D97-AF65-F5344CB8AC3E}">
-        <p14:creationId xmlns:p14="http://schemas.microsoft.com/office/powerpoint/2010/main" val="3146128846"/>
-      </p:ext>
-    </p:extLst>
-  </p:cSld>
-  <p:clrMapOvr>
-    <a:masterClrMapping/>
-  </p:clrMapOvr>
-  <p:timing>
-    <p:tnLst>
-      <p:par>
-        <p:cTn id="1" dur="indefinite" restart="never" nodeType="tmRoot"/>
-      </p:par>
-    </p:tnLst>
-  </p:timing>
-</p:sld>
-</file>
-
-<file path=ppt/slides/slide11.xml><?xml version="1.0" encoding="utf-8"?>
-<p:sld xmlns:a="http://schemas.openxmlformats.org/drawingml/2006/main" xmlns:r="http://schemas.openxmlformats.org/officeDocument/2006/relationships" xmlns:p="http://schemas.openxmlformats.org/presentationml/2006/main">
-  <p:cSld>
-    <p:spTree>
-      <p:nvGrpSpPr>
-        <p:cNvPr id="1" name=""/>
-        <p:cNvGrpSpPr/>
-        <p:nvPr/>
-      </p:nvGrpSpPr>
-      <p:grpSpPr>
-        <a:xfrm>
-          <a:off x="0" y="0"/>
-          <a:ext cx="0" cy="0"/>
-          <a:chOff x="0" y="0"/>
-          <a:chExt cx="0" cy="0"/>
-        </a:xfrm>
-      </p:grpSpPr>
       <p:sp>
         <p:nvSpPr>
           <p:cNvPr id="2" name="제목 1"/>
@@ -3583,7 +3507,7 @@
 </p:sld>
 </file>
 
-<file path=ppt/slides/slide12.xml><?xml version="1.0" encoding="utf-8"?>
+<file path=ppt/slides/slide11.xml><?xml version="1.0" encoding="utf-8"?>
 <p:sld xmlns:a="http://schemas.openxmlformats.org/drawingml/2006/main" xmlns:r="http://schemas.openxmlformats.org/officeDocument/2006/relationships" xmlns:p="http://schemas.openxmlformats.org/presentationml/2006/main">
   <p:cSld>
     <p:spTree>
@@ -3715,7 +3639,7 @@
 </p:sld>
 </file>
 
-<file path=ppt/slides/slide13.xml><?xml version="1.0" encoding="utf-8"?>
+<file path=ppt/slides/slide12.xml><?xml version="1.0" encoding="utf-8"?>
 <p:sld xmlns:a="http://schemas.openxmlformats.org/drawingml/2006/main" xmlns:r="http://schemas.openxmlformats.org/officeDocument/2006/relationships" xmlns:p="http://schemas.openxmlformats.org/presentationml/2006/main">
   <p:cSld>
     <p:spTree>
@@ -3916,7 +3840,7 @@
 </p:sld>
 </file>
 
-<file path=ppt/slides/slide14.xml><?xml version="1.0" encoding="utf-8"?>
+<file path=ppt/slides/slide13.xml><?xml version="1.0" encoding="utf-8"?>
 <p:sld xmlns:a="http://schemas.openxmlformats.org/drawingml/2006/main" xmlns:r="http://schemas.openxmlformats.org/officeDocument/2006/relationships" xmlns:p="http://schemas.openxmlformats.org/presentationml/2006/main">
   <p:cSld>
     <p:spTree>
@@ -4598,7 +4522,7 @@
 </p:sld>
 </file>
 
-<file path=ppt/slides/slide15.xml><?xml version="1.0" encoding="utf-8"?>
+<file path=ppt/slides/slide14.xml><?xml version="1.0" encoding="utf-8"?>
 <p:sld xmlns:a="http://schemas.openxmlformats.org/drawingml/2006/main" xmlns:r="http://schemas.openxmlformats.org/officeDocument/2006/relationships" xmlns:p="http://schemas.openxmlformats.org/presentationml/2006/main">
   <p:cSld>
     <p:spTree>
@@ -4986,6 +4910,131 @@
 </p:sld>
 </file>
 
+<file path=ppt/slides/slide15.xml><?xml version="1.0" encoding="utf-8"?>
+<p:sld xmlns:a="http://schemas.openxmlformats.org/drawingml/2006/main" xmlns:r="http://schemas.openxmlformats.org/officeDocument/2006/relationships" xmlns:p="http://schemas.openxmlformats.org/presentationml/2006/main">
+  <p:cSld>
+    <p:spTree>
+      <p:nvGrpSpPr>
+        <p:cNvPr id="1" name=""/>
+        <p:cNvGrpSpPr/>
+        <p:nvPr/>
+      </p:nvGrpSpPr>
+      <p:grpSpPr>
+        <a:xfrm>
+          <a:off x="0" y="0"/>
+          <a:ext cx="0" cy="0"/>
+          <a:chOff x="0" y="0"/>
+          <a:chExt cx="0" cy="0"/>
+        </a:xfrm>
+      </p:grpSpPr>
+      <p:sp>
+        <p:nvSpPr>
+          <p:cNvPr id="9" name="직사각형 8"/>
+          <p:cNvSpPr/>
+          <p:nvPr/>
+        </p:nvSpPr>
+        <p:spPr>
+          <a:xfrm>
+            <a:off x="0" y="1845275"/>
+            <a:ext cx="12191999" cy="2026508"/>
+          </a:xfrm>
+          <a:prstGeom prst="rect">
+            <a:avLst/>
+          </a:prstGeom>
+          <a:solidFill>
+            <a:schemeClr val="accent4"/>
+          </a:solidFill>
+          <a:ln>
+            <a:noFill/>
+          </a:ln>
+        </p:spPr>
+        <p:style>
+          <a:lnRef idx="2">
+            <a:schemeClr val="accent1">
+              <a:shade val="50000"/>
+            </a:schemeClr>
+          </a:lnRef>
+          <a:fillRef idx="1">
+            <a:schemeClr val="accent1"/>
+          </a:fillRef>
+          <a:effectRef idx="0">
+            <a:schemeClr val="accent1"/>
+          </a:effectRef>
+          <a:fontRef idx="minor">
+            <a:schemeClr val="lt1"/>
+          </a:fontRef>
+        </p:style>
+        <p:txBody>
+          <a:bodyPr rtlCol="0" anchor="ctr"/>
+          <a:lstStyle/>
+          <a:p>
+            <a:pPr algn="ctr"/>
+            <a:endParaRPr lang="ko-KR" altLang="en-US"/>
+          </a:p>
+        </p:txBody>
+      </p:sp>
+      <p:sp>
+        <p:nvSpPr>
+          <p:cNvPr id="2" name="제목 1"/>
+          <p:cNvSpPr>
+            <a:spLocks noGrp="1"/>
+          </p:cNvSpPr>
+          <p:nvPr>
+            <p:ph type="ctrTitle"/>
+          </p:nvPr>
+        </p:nvSpPr>
+        <p:spPr>
+          <a:xfrm>
+            <a:off x="986118" y="2008094"/>
+            <a:ext cx="9144000" cy="1420906"/>
+          </a:xfrm>
+        </p:spPr>
+        <p:txBody>
+          <a:bodyPr/>
+          <a:lstStyle/>
+          <a:p>
+            <a:pPr algn="l"/>
+            <a:r>
+              <a:rPr lang="en-US" altLang="ko-KR" sz="5400" dirty="0" smtClean="0">
+                <a:latin typeface="G마켓 산스 TTF Medium" panose="02000000000000000000" pitchFamily="2" charset="-127"/>
+                <a:ea typeface="G마켓 산스 TTF Medium" panose="02000000000000000000" pitchFamily="2" charset="-127"/>
+              </a:rPr>
+              <a:t>3. </a:t>
+            </a:r>
+            <a:r>
+              <a:rPr lang="ko-KR" altLang="en-US" sz="5400" dirty="0" smtClean="0">
+                <a:latin typeface="G마켓 산스 TTF Medium" panose="02000000000000000000" pitchFamily="2" charset="-127"/>
+                <a:ea typeface="G마켓 산스 TTF Medium" panose="02000000000000000000" pitchFamily="2" charset="-127"/>
+              </a:rPr>
+              <a:t>자동화</a:t>
+            </a:r>
+            <a:endParaRPr lang="ko-KR" altLang="en-US" dirty="0">
+              <a:latin typeface="G마켓 산스 TTF Bold" panose="02000000000000000000" pitchFamily="2" charset="-127"/>
+              <a:ea typeface="G마켓 산스 TTF Bold" panose="02000000000000000000" pitchFamily="2" charset="-127"/>
+            </a:endParaRPr>
+          </a:p>
+        </p:txBody>
+      </p:sp>
+    </p:spTree>
+    <p:extLst>
+      <p:ext uri="{BB962C8B-B14F-4D97-AF65-F5344CB8AC3E}">
+        <p14:creationId xmlns:p14="http://schemas.microsoft.com/office/powerpoint/2010/main" val="4028720811"/>
+      </p:ext>
+    </p:extLst>
+  </p:cSld>
+  <p:clrMapOvr>
+    <a:masterClrMapping/>
+  </p:clrMapOvr>
+  <p:timing>
+    <p:tnLst>
+      <p:par>
+        <p:cTn id="1" dur="indefinite" restart="never" nodeType="tmRoot"/>
+      </p:par>
+    </p:tnLst>
+  </p:timing>
+</p:sld>
+</file>
+
 <file path=ppt/slides/slide16.xml><?xml version="1.0" encoding="utf-8"?>
 <p:sld xmlns:a="http://schemas.openxmlformats.org/drawingml/2006/main" xmlns:r="http://schemas.openxmlformats.org/officeDocument/2006/relationships" xmlns:p="http://schemas.openxmlformats.org/presentationml/2006/main">
   <p:cSld>
@@ -5005,20 +5054,57 @@
       </p:grpSpPr>
       <p:sp>
         <p:nvSpPr>
-          <p:cNvPr id="9" name="직사각형 8"/>
+          <p:cNvPr id="2" name="제목 1"/>
+          <p:cNvSpPr>
+            <a:spLocks noGrp="1"/>
+          </p:cNvSpPr>
+          <p:nvPr>
+            <p:ph type="ctrTitle"/>
+          </p:nvPr>
+        </p:nvSpPr>
+        <p:spPr>
+          <a:xfrm>
+            <a:off x="626076" y="362466"/>
+            <a:ext cx="11565924" cy="543696"/>
+          </a:xfrm>
+        </p:spPr>
+        <p:txBody>
+          <a:bodyPr>
+            <a:noAutofit/>
+          </a:bodyPr>
+          <a:lstStyle/>
+          <a:p>
+            <a:pPr algn="l"/>
+            <a:r>
+              <a:rPr lang="en-US" altLang="ko-KR" sz="3200" dirty="0" err="1" smtClean="0">
+                <a:latin typeface="G마켓 산스 TTF Medium" panose="02000000000000000000" pitchFamily="2" charset="-127"/>
+                <a:ea typeface="G마켓 산스 TTF Medium" panose="02000000000000000000" pitchFamily="2" charset="-127"/>
+              </a:rPr>
+              <a:t>PyInstaller</a:t>
+            </a:r>
+            <a:endParaRPr lang="ko-KR" altLang="en-US" sz="3200" dirty="0">
+              <a:latin typeface="G마켓 산스 TTF Medium" panose="02000000000000000000" pitchFamily="2" charset="-127"/>
+              <a:ea typeface="G마켓 산스 TTF Medium" panose="02000000000000000000" pitchFamily="2" charset="-127"/>
+            </a:endParaRPr>
+          </a:p>
+        </p:txBody>
+      </p:sp>
+      <p:sp>
+        <p:nvSpPr>
+          <p:cNvPr id="4" name="직사각형 3"/>
           <p:cNvSpPr/>
           <p:nvPr/>
         </p:nvSpPr>
         <p:spPr>
           <a:xfrm>
-            <a:off x="0" y="1845275"/>
-            <a:ext cx="12191999" cy="2026508"/>
+            <a:off x="543697" y="362466"/>
+            <a:ext cx="74141" cy="428366"/>
           </a:xfrm>
           <a:prstGeom prst="rect">
             <a:avLst/>
           </a:prstGeom>
           <a:solidFill>
-            <a:schemeClr val="accent4"/>
+            <a:srgbClr val="EA9C00"/>
           </a:solidFill>
           <a:ln>
             <a:noFill/>
@@ -5045,56 +5131,74 @@
           <a:lstStyle/>
           <a:p>
             <a:pPr algn="ctr"/>
-            <a:endParaRPr lang="ko-KR" altLang="en-US"/>
-          </a:p>
-        </p:txBody>
-      </p:sp>
-      <p:sp>
-        <p:nvSpPr>
-          <p:cNvPr id="2" name="제목 1"/>
-          <p:cNvSpPr>
-            <a:spLocks noGrp="1"/>
-          </p:cNvSpPr>
-          <p:nvPr>
-            <p:ph type="ctrTitle"/>
-          </p:nvPr>
-        </p:nvSpPr>
-        <p:spPr>
-          <a:xfrm>
-            <a:off x="986118" y="2008094"/>
-            <a:ext cx="9144000" cy="1420906"/>
-          </a:xfrm>
-        </p:spPr>
-        <p:txBody>
-          <a:bodyPr/>
-          <a:lstStyle/>
-          <a:p>
-            <a:pPr algn="l"/>
-            <a:r>
-              <a:rPr lang="en-US" altLang="ko-KR" sz="5400" dirty="0" smtClean="0">
-                <a:latin typeface="G마켓 산스 TTF Medium" panose="02000000000000000000" pitchFamily="2" charset="-127"/>
-                <a:ea typeface="G마켓 산스 TTF Medium" panose="02000000000000000000" pitchFamily="2" charset="-127"/>
-              </a:rPr>
-              <a:t>3. </a:t>
-            </a:r>
-            <a:r>
-              <a:rPr lang="ko-KR" altLang="en-US" sz="5400" dirty="0" smtClean="0">
-                <a:latin typeface="G마켓 산스 TTF Medium" panose="02000000000000000000" pitchFamily="2" charset="-127"/>
-                <a:ea typeface="G마켓 산스 TTF Medium" panose="02000000000000000000" pitchFamily="2" charset="-127"/>
-              </a:rPr>
-              <a:t>자동화</a:t>
-            </a:r>
-            <a:endParaRPr lang="ko-KR" altLang="en-US" dirty="0">
-              <a:latin typeface="G마켓 산스 TTF Bold" panose="02000000000000000000" pitchFamily="2" charset="-127"/>
-              <a:ea typeface="G마켓 산스 TTF Bold" panose="02000000000000000000" pitchFamily="2" charset="-127"/>
+            <a:endParaRPr lang="ko-KR" altLang="en-US">
+              <a:solidFill>
+                <a:schemeClr val="accent4">
+                  <a:lumMod val="75000"/>
+                </a:schemeClr>
+              </a:solidFill>
             </a:endParaRPr>
           </a:p>
         </p:txBody>
       </p:sp>
+      <p:cxnSp>
+        <p:nvCxnSpPr>
+          <p:cNvPr id="9" name="직선 연결선 8"/>
+          <p:cNvCxnSpPr/>
+          <p:nvPr/>
+        </p:nvCxnSpPr>
+        <p:spPr>
+          <a:xfrm>
+            <a:off x="626076" y="906162"/>
+            <a:ext cx="11565924" cy="0"/>
+          </a:xfrm>
+          <a:prstGeom prst="line">
+            <a:avLst/>
+          </a:prstGeom>
+        </p:spPr>
+        <p:style>
+          <a:lnRef idx="1">
+            <a:schemeClr val="accent4"/>
+          </a:lnRef>
+          <a:fillRef idx="0">
+            <a:schemeClr val="accent4"/>
+          </a:fillRef>
+          <a:effectRef idx="0">
+            <a:schemeClr val="accent4"/>
+          </a:effectRef>
+          <a:fontRef idx="minor">
+            <a:schemeClr val="tx1"/>
+          </a:fontRef>
+        </p:style>
+      </p:cxnSp>
+      <p:pic>
+        <p:nvPicPr>
+          <p:cNvPr id="5" name="그림 4"/>
+          <p:cNvPicPr>
+            <a:picLocks noChangeAspect="1"/>
+          </p:cNvPicPr>
+          <p:nvPr/>
+        </p:nvPicPr>
+        <p:blipFill>
+          <a:blip r:embed="rId2"/>
+          <a:stretch>
+            <a:fillRect/>
+          </a:stretch>
+        </p:blipFill>
+        <p:spPr>
+          <a:xfrm>
+            <a:off x="626076" y="1239877"/>
+            <a:ext cx="6354062" cy="4772691"/>
+          </a:xfrm>
+          <a:prstGeom prst="rect">
+            <a:avLst/>
+          </a:prstGeom>
+        </p:spPr>
+      </p:pic>
     </p:spTree>
     <p:extLst>
       <p:ext uri="{BB962C8B-B14F-4D97-AF65-F5344CB8AC3E}">
-        <p14:creationId xmlns:p14="http://schemas.microsoft.com/office/powerpoint/2010/main" val="4028720811"/>
+        <p14:creationId xmlns:p14="http://schemas.microsoft.com/office/powerpoint/2010/main" val="3174728580"/>
       </p:ext>
     </p:extLst>
   </p:cSld>
@@ -5152,11 +5256,18 @@
           <a:p>
             <a:pPr algn="l"/>
             <a:r>
+              <a:rPr lang="en-US" altLang="ko-KR" sz="3200" dirty="0" err="1">
+                <a:latin typeface="G마켓 산스 TTF Medium" panose="02000000000000000000" pitchFamily="2" charset="-127"/>
+                <a:ea typeface="G마켓 산스 TTF Medium" panose="02000000000000000000" pitchFamily="2" charset="-127"/>
+              </a:rPr>
+              <a:t>c</a:t>
+            </a:r>
+            <a:r>
               <a:rPr lang="en-US" altLang="ko-KR" sz="3200" dirty="0" err="1" smtClean="0">
                 <a:latin typeface="G마켓 산스 TTF Medium" panose="02000000000000000000" pitchFamily="2" charset="-127"/>
                 <a:ea typeface="G마켓 산스 TTF Medium" panose="02000000000000000000" pitchFamily="2" charset="-127"/>
               </a:rPr>
-              <a:t>PyInstaller</a:t>
+              <a:t>ron.tab</a:t>
             </a:r>
             <a:endParaRPr lang="ko-KR" altLang="en-US" sz="3200" dirty="0">
               <a:latin typeface="G마켓 산스 TTF Medium" panose="02000000000000000000" pitchFamily="2" charset="-127"/>
@@ -5249,7 +5360,7 @@
       </p:cxnSp>
       <p:pic>
         <p:nvPicPr>
-          <p:cNvPr id="5" name="그림 4"/>
+          <p:cNvPr id="3" name="그림 2"/>
           <p:cNvPicPr>
             <a:picLocks noChangeAspect="1"/>
           </p:cNvPicPr>
@@ -5263,8 +5374,8 @@
         </p:blipFill>
         <p:spPr>
           <a:xfrm>
-            <a:off x="626076" y="1239877"/>
-            <a:ext cx="6354062" cy="4772691"/>
+            <a:off x="617838" y="1449858"/>
+            <a:ext cx="7792537" cy="3591426"/>
           </a:xfrm>
           <a:prstGeom prst="rect">
             <a:avLst/>
@@ -5274,7 +5385,7 @@
     </p:spTree>
     <p:extLst>
       <p:ext uri="{BB962C8B-B14F-4D97-AF65-F5344CB8AC3E}">
-        <p14:creationId xmlns:p14="http://schemas.microsoft.com/office/powerpoint/2010/main" val="3174728580"/>
+        <p14:creationId xmlns:p14="http://schemas.microsoft.com/office/powerpoint/2010/main" val="2347454870"/>
       </p:ext>
     </p:extLst>
   </p:cSld>
@@ -5310,6 +5421,52 @@
       </p:grpSpPr>
       <p:sp>
         <p:nvSpPr>
+          <p:cNvPr id="9" name="직사각형 8"/>
+          <p:cNvSpPr/>
+          <p:nvPr/>
+        </p:nvSpPr>
+        <p:spPr>
+          <a:xfrm>
+            <a:off x="0" y="1845275"/>
+            <a:ext cx="12191999" cy="2026508"/>
+          </a:xfrm>
+          <a:prstGeom prst="rect">
+            <a:avLst/>
+          </a:prstGeom>
+          <a:solidFill>
+            <a:schemeClr val="accent4"/>
+          </a:solidFill>
+          <a:ln>
+            <a:noFill/>
+          </a:ln>
+        </p:spPr>
+        <p:style>
+          <a:lnRef idx="2">
+            <a:schemeClr val="accent1">
+              <a:shade val="50000"/>
+            </a:schemeClr>
+          </a:lnRef>
+          <a:fillRef idx="1">
+            <a:schemeClr val="accent1"/>
+          </a:fillRef>
+          <a:effectRef idx="0">
+            <a:schemeClr val="accent1"/>
+          </a:effectRef>
+          <a:fontRef idx="minor">
+            <a:schemeClr val="lt1"/>
+          </a:fontRef>
+        </p:style>
+        <p:txBody>
+          <a:bodyPr rtlCol="0" anchor="ctr"/>
+          <a:lstStyle/>
+          <a:p>
+            <a:pPr algn="ctr"/>
+            <a:endParaRPr lang="ko-KR" altLang="en-US"/>
+          </a:p>
+        </p:txBody>
+      </p:sp>
+      <p:sp>
+        <p:nvSpPr>
           <p:cNvPr id="2" name="제목 1"/>
           <p:cNvSpPr>
             <a:spLocks noGrp="1"/>
@@ -5320,148 +5477,33 @@
         </p:nvSpPr>
         <p:spPr>
           <a:xfrm>
-            <a:off x="626076" y="362466"/>
-            <a:ext cx="11565924" cy="543696"/>
-          </a:xfrm>
-        </p:spPr>
-        <p:txBody>
-          <a:bodyPr>
-            <a:noAutofit/>
-          </a:bodyPr>
+            <a:off x="986118" y="2008094"/>
+            <a:ext cx="9144000" cy="1420906"/>
+          </a:xfrm>
+        </p:spPr>
+        <p:txBody>
+          <a:bodyPr/>
           <a:lstStyle/>
           <a:p>
             <a:pPr algn="l"/>
             <a:r>
-              <a:rPr lang="en-US" altLang="ko-KR" sz="3200" dirty="0" err="1">
+              <a:rPr lang="en-US" altLang="ko-KR" sz="5400" dirty="0" smtClean="0">
                 <a:latin typeface="G마켓 산스 TTF Medium" panose="02000000000000000000" pitchFamily="2" charset="-127"/>
                 <a:ea typeface="G마켓 산스 TTF Medium" panose="02000000000000000000" pitchFamily="2" charset="-127"/>
               </a:rPr>
-              <a:t>c</a:t>
-            </a:r>
-            <a:r>
-              <a:rPr lang="en-US" altLang="ko-KR" sz="3200" dirty="0" err="1" smtClean="0">
-                <a:latin typeface="G마켓 산스 TTF Medium" panose="02000000000000000000" pitchFamily="2" charset="-127"/>
-                <a:ea typeface="G마켓 산스 TTF Medium" panose="02000000000000000000" pitchFamily="2" charset="-127"/>
-              </a:rPr>
-              <a:t>ron.tab</a:t>
-            </a:r>
-            <a:endParaRPr lang="ko-KR" altLang="en-US" sz="3200" dirty="0">
-              <a:latin typeface="G마켓 산스 TTF Medium" panose="02000000000000000000" pitchFamily="2" charset="-127"/>
-              <a:ea typeface="G마켓 산스 TTF Medium" panose="02000000000000000000" pitchFamily="2" charset="-127"/>
+              <a:t>n.</a:t>
+            </a:r>
+            <a:endParaRPr lang="ko-KR" altLang="en-US" dirty="0">
+              <a:latin typeface="G마켓 산스 TTF Bold" panose="02000000000000000000" pitchFamily="2" charset="-127"/>
+              <a:ea typeface="G마켓 산스 TTF Bold" panose="02000000000000000000" pitchFamily="2" charset="-127"/>
             </a:endParaRPr>
           </a:p>
         </p:txBody>
       </p:sp>
-      <p:sp>
-        <p:nvSpPr>
-          <p:cNvPr id="4" name="직사각형 3"/>
-          <p:cNvSpPr/>
-          <p:nvPr/>
-        </p:nvSpPr>
-        <p:spPr>
-          <a:xfrm>
-            <a:off x="543697" y="362466"/>
-            <a:ext cx="74141" cy="428366"/>
-          </a:xfrm>
-          <a:prstGeom prst="rect">
-            <a:avLst/>
-          </a:prstGeom>
-          <a:solidFill>
-            <a:srgbClr val="EA9C00"/>
-          </a:solidFill>
-          <a:ln>
-            <a:noFill/>
-          </a:ln>
-        </p:spPr>
-        <p:style>
-          <a:lnRef idx="2">
-            <a:schemeClr val="accent1">
-              <a:shade val="50000"/>
-            </a:schemeClr>
-          </a:lnRef>
-          <a:fillRef idx="1">
-            <a:schemeClr val="accent1"/>
-          </a:fillRef>
-          <a:effectRef idx="0">
-            <a:schemeClr val="accent1"/>
-          </a:effectRef>
-          <a:fontRef idx="minor">
-            <a:schemeClr val="lt1"/>
-          </a:fontRef>
-        </p:style>
-        <p:txBody>
-          <a:bodyPr rtlCol="0" anchor="ctr"/>
-          <a:lstStyle/>
-          <a:p>
-            <a:pPr algn="ctr"/>
-            <a:endParaRPr lang="ko-KR" altLang="en-US">
-              <a:solidFill>
-                <a:schemeClr val="accent4">
-                  <a:lumMod val="75000"/>
-                </a:schemeClr>
-              </a:solidFill>
-            </a:endParaRPr>
-          </a:p>
-        </p:txBody>
-      </p:sp>
-      <p:cxnSp>
-        <p:nvCxnSpPr>
-          <p:cNvPr id="9" name="직선 연결선 8"/>
-          <p:cNvCxnSpPr/>
-          <p:nvPr/>
-        </p:nvCxnSpPr>
-        <p:spPr>
-          <a:xfrm>
-            <a:off x="626076" y="906162"/>
-            <a:ext cx="11565924" cy="0"/>
-          </a:xfrm>
-          <a:prstGeom prst="line">
-            <a:avLst/>
-          </a:prstGeom>
-        </p:spPr>
-        <p:style>
-          <a:lnRef idx="1">
-            <a:schemeClr val="accent4"/>
-          </a:lnRef>
-          <a:fillRef idx="0">
-            <a:schemeClr val="accent4"/>
-          </a:fillRef>
-          <a:effectRef idx="0">
-            <a:schemeClr val="accent4"/>
-          </a:effectRef>
-          <a:fontRef idx="minor">
-            <a:schemeClr val="tx1"/>
-          </a:fontRef>
-        </p:style>
-      </p:cxnSp>
-      <p:pic>
-        <p:nvPicPr>
-          <p:cNvPr id="3" name="그림 2"/>
-          <p:cNvPicPr>
-            <a:picLocks noChangeAspect="1"/>
-          </p:cNvPicPr>
-          <p:nvPr/>
-        </p:nvPicPr>
-        <p:blipFill>
-          <a:blip r:embed="rId2"/>
-          <a:stretch>
-            <a:fillRect/>
-          </a:stretch>
-        </p:blipFill>
-        <p:spPr>
-          <a:xfrm>
-            <a:off x="617838" y="1449858"/>
-            <a:ext cx="7792537" cy="3591426"/>
-          </a:xfrm>
-          <a:prstGeom prst="rect">
-            <a:avLst/>
-          </a:prstGeom>
-        </p:spPr>
-      </p:pic>
     </p:spTree>
     <p:extLst>
       <p:ext uri="{BB962C8B-B14F-4D97-AF65-F5344CB8AC3E}">
-        <p14:creationId xmlns:p14="http://schemas.microsoft.com/office/powerpoint/2010/main" val="2347454870"/>
+        <p14:creationId xmlns:p14="http://schemas.microsoft.com/office/powerpoint/2010/main" val="1633320726"/>
       </p:ext>
     </p:extLst>
   </p:cSld>
@@ -5497,7 +5539,7 @@
       </p:grpSpPr>
       <p:sp>
         <p:nvSpPr>
-          <p:cNvPr id="3" name="제목 2"/>
+          <p:cNvPr id="2" name="제목 1"/>
           <p:cNvSpPr>
             <a:spLocks noGrp="1"/>
           </p:cNvSpPr>
@@ -5505,120 +5547,189 @@
             <p:ph type="ctrTitle"/>
           </p:nvPr>
         </p:nvSpPr>
-        <p:spPr/>
+        <p:spPr>
+          <a:xfrm>
+            <a:off x="626076" y="362466"/>
+            <a:ext cx="11565924" cy="543696"/>
+          </a:xfrm>
+        </p:spPr>
         <p:txBody>
           <a:bodyPr>
-            <a:normAutofit fontScale="90000"/>
+            <a:noAutofit/>
           </a:bodyPr>
           <a:lstStyle/>
           <a:p>
-            <a:r>
-              <a:rPr lang="ko-KR" altLang="en-US" dirty="0" smtClean="0">
+            <a:pPr algn="l"/>
+            <a:r>
+              <a:rPr lang="ko-KR" altLang="en-US" sz="3200" dirty="0" smtClean="0">
                 <a:latin typeface="G마켓 산스 TTF Medium" panose="02000000000000000000" pitchFamily="2" charset="-127"/>
                 <a:ea typeface="G마켓 산스 TTF Medium" panose="02000000000000000000" pitchFamily="2" charset="-127"/>
               </a:rPr>
-              <a:t>향후 </a:t>
-            </a:r>
-            <a:r>
-              <a:rPr lang="en-US" altLang="ko-KR" dirty="0" smtClean="0">
-                <a:latin typeface="G마켓 산스 TTF Medium" panose="02000000000000000000" pitchFamily="2" charset="-127"/>
-                <a:ea typeface="G마켓 산스 TTF Medium" panose="02000000000000000000" pitchFamily="2" charset="-127"/>
-              </a:rPr>
-              <a:t>ML&amp;DL </a:t>
-            </a:r>
-            <a:r>
-              <a:rPr lang="ko-KR" altLang="en-US" dirty="0" smtClean="0">
-                <a:latin typeface="G마켓 산스 TTF Medium" panose="02000000000000000000" pitchFamily="2" charset="-127"/>
-                <a:ea typeface="G마켓 산스 TTF Medium" panose="02000000000000000000" pitchFamily="2" charset="-127"/>
-              </a:rPr>
-              <a:t>계획</a:t>
-            </a:r>
-            <a:r>
-              <a:rPr lang="en-US" altLang="ko-KR" dirty="0" smtClean="0">
-                <a:latin typeface="G마켓 산스 TTF Medium" panose="02000000000000000000" pitchFamily="2" charset="-127"/>
-                <a:ea typeface="G마켓 산스 TTF Medium" panose="02000000000000000000" pitchFamily="2" charset="-127"/>
-              </a:rPr>
-              <a:t/>
-            </a:r>
-            <a:br>
-              <a:rPr lang="en-US" altLang="ko-KR" dirty="0" smtClean="0">
-                <a:latin typeface="G마켓 산스 TTF Medium" panose="02000000000000000000" pitchFamily="2" charset="-127"/>
-                <a:ea typeface="G마켓 산스 TTF Medium" panose="02000000000000000000" pitchFamily="2" charset="-127"/>
-              </a:rPr>
-            </a:br>
-            <a:r>
-              <a:rPr lang="en-US" altLang="ko-KR" dirty="0" smtClean="0">
-                <a:latin typeface="G마켓 산스 TTF Medium" panose="02000000000000000000" pitchFamily="2" charset="-127"/>
-                <a:ea typeface="G마켓 산스 TTF Medium" panose="02000000000000000000" pitchFamily="2" charset="-127"/>
-              </a:rPr>
-              <a:t>-&gt; </a:t>
-            </a:r>
-            <a:r>
-              <a:rPr lang="ko-KR" altLang="en-US" dirty="0" smtClean="0">
-                <a:latin typeface="G마켓 산스 TTF Medium" panose="02000000000000000000" pitchFamily="2" charset="-127"/>
-                <a:ea typeface="G마켓 산스 TTF Medium" panose="02000000000000000000" pitchFamily="2" charset="-127"/>
-              </a:rPr>
-              <a:t>매출 기여 예상</a:t>
-            </a:r>
-            <a:r>
-              <a:rPr lang="en-US" altLang="ko-KR" smtClean="0">
-                <a:latin typeface="G마켓 산스 TTF Medium" panose="02000000000000000000" pitchFamily="2" charset="-127"/>
-                <a:ea typeface="G마켓 산스 TTF Medium" panose="02000000000000000000" pitchFamily="2" charset="-127"/>
-              </a:rPr>
-              <a:t/>
-            </a:r>
-            <a:br>
-              <a:rPr lang="en-US" altLang="ko-KR" smtClean="0">
-                <a:latin typeface="G마켓 산스 TTF Medium" panose="02000000000000000000" pitchFamily="2" charset="-127"/>
-                <a:ea typeface="G마켓 산스 TTF Medium" panose="02000000000000000000" pitchFamily="2" charset="-127"/>
-              </a:rPr>
-            </a:br>
-            <a:r>
-              <a:rPr lang="en-US" altLang="ko-KR" smtClean="0">
-                <a:latin typeface="G마켓 산스 TTF Medium" panose="02000000000000000000" pitchFamily="2" charset="-127"/>
-                <a:ea typeface="G마켓 산스 TTF Medium" panose="02000000000000000000" pitchFamily="2" charset="-127"/>
-              </a:rPr>
-              <a:t>// </a:t>
-            </a:r>
-            <a:r>
-              <a:rPr lang="ko-KR" altLang="en-US" dirty="0" err="1" smtClean="0">
-                <a:latin typeface="G마켓 산스 TTF Medium" panose="02000000000000000000" pitchFamily="2" charset="-127"/>
-                <a:ea typeface="G마켓 산스 TTF Medium" panose="02000000000000000000" pitchFamily="2" charset="-127"/>
-              </a:rPr>
-              <a:t>크롤링</a:t>
-            </a:r>
-            <a:r>
-              <a:rPr lang="ko-KR" altLang="en-US" dirty="0" smtClean="0">
-                <a:latin typeface="G마켓 산스 TTF Medium" panose="02000000000000000000" pitchFamily="2" charset="-127"/>
-                <a:ea typeface="G마켓 산스 TTF Medium" panose="02000000000000000000" pitchFamily="2" charset="-127"/>
-              </a:rPr>
-              <a:t> </a:t>
-            </a:r>
-            <a:r>
-              <a:rPr lang="en-US" altLang="ko-KR" dirty="0" smtClean="0">
-                <a:latin typeface="G마켓 산스 TTF Medium" panose="02000000000000000000" pitchFamily="2" charset="-127"/>
-                <a:ea typeface="G마켓 산스 TTF Medium" panose="02000000000000000000" pitchFamily="2" charset="-127"/>
-              </a:rPr>
-              <a:t>-&gt; </a:t>
-            </a:r>
-            <a:r>
-              <a:rPr lang="ko-KR" altLang="en-US" dirty="0" smtClean="0">
-                <a:latin typeface="G마켓 산스 TTF Medium" panose="02000000000000000000" pitchFamily="2" charset="-127"/>
-                <a:ea typeface="G마켓 산스 TTF Medium" panose="02000000000000000000" pitchFamily="2" charset="-127"/>
-              </a:rPr>
-              <a:t>모니터링 툴</a:t>
-            </a:r>
-            <a:endParaRPr lang="ko-KR" altLang="en-US" dirty="0">
+              <a:t>외부링크</a:t>
+            </a:r>
+            <a:endParaRPr lang="ko-KR" altLang="en-US" sz="3200" dirty="0">
               <a:latin typeface="G마켓 산스 TTF Medium" panose="02000000000000000000" pitchFamily="2" charset="-127"/>
               <a:ea typeface="G마켓 산스 TTF Medium" panose="02000000000000000000" pitchFamily="2" charset="-127"/>
             </a:endParaRPr>
           </a:p>
         </p:txBody>
       </p:sp>
+      <p:sp>
+        <p:nvSpPr>
+          <p:cNvPr id="4" name="직사각형 3"/>
+          <p:cNvSpPr/>
+          <p:nvPr/>
+        </p:nvSpPr>
+        <p:spPr>
+          <a:xfrm>
+            <a:off x="543697" y="362466"/>
+            <a:ext cx="74141" cy="428366"/>
+          </a:xfrm>
+          <a:prstGeom prst="rect">
+            <a:avLst/>
+          </a:prstGeom>
+          <a:solidFill>
+            <a:srgbClr val="EA9C00"/>
+          </a:solidFill>
+          <a:ln>
+            <a:noFill/>
+          </a:ln>
+        </p:spPr>
+        <p:style>
+          <a:lnRef idx="2">
+            <a:schemeClr val="accent1">
+              <a:shade val="50000"/>
+            </a:schemeClr>
+          </a:lnRef>
+          <a:fillRef idx="1">
+            <a:schemeClr val="accent1"/>
+          </a:fillRef>
+          <a:effectRef idx="0">
+            <a:schemeClr val="accent1"/>
+          </a:effectRef>
+          <a:fontRef idx="minor">
+            <a:schemeClr val="lt1"/>
+          </a:fontRef>
+        </p:style>
+        <p:txBody>
+          <a:bodyPr rtlCol="0" anchor="ctr"/>
+          <a:lstStyle/>
+          <a:p>
+            <a:pPr algn="ctr"/>
+            <a:endParaRPr lang="ko-KR" altLang="en-US">
+              <a:solidFill>
+                <a:schemeClr val="accent4">
+                  <a:lumMod val="75000"/>
+                </a:schemeClr>
+              </a:solidFill>
+            </a:endParaRPr>
+          </a:p>
+        </p:txBody>
+      </p:sp>
+      <p:cxnSp>
+        <p:nvCxnSpPr>
+          <p:cNvPr id="9" name="직선 연결선 8"/>
+          <p:cNvCxnSpPr/>
+          <p:nvPr/>
+        </p:nvCxnSpPr>
+        <p:spPr>
+          <a:xfrm>
+            <a:off x="626076" y="906162"/>
+            <a:ext cx="11565924" cy="0"/>
+          </a:xfrm>
+          <a:prstGeom prst="line">
+            <a:avLst/>
+          </a:prstGeom>
+        </p:spPr>
+        <p:style>
+          <a:lnRef idx="1">
+            <a:schemeClr val="accent4"/>
+          </a:lnRef>
+          <a:fillRef idx="0">
+            <a:schemeClr val="accent4"/>
+          </a:fillRef>
+          <a:effectRef idx="0">
+            <a:schemeClr val="accent4"/>
+          </a:effectRef>
+          <a:fontRef idx="minor">
+            <a:schemeClr val="tx1"/>
+          </a:fontRef>
+        </p:style>
+      </p:cxnSp>
+      <p:sp>
+        <p:nvSpPr>
+          <p:cNvPr id="3" name="직사각형 2"/>
+          <p:cNvSpPr/>
+          <p:nvPr/>
+        </p:nvSpPr>
+        <p:spPr>
+          <a:xfrm>
+            <a:off x="626076" y="1149862"/>
+            <a:ext cx="5677809" cy="1754326"/>
+          </a:xfrm>
+          <a:prstGeom prst="rect">
+            <a:avLst/>
+          </a:prstGeom>
+        </p:spPr>
+        <p:txBody>
+          <a:bodyPr wrap="square">
+            <a:spAutoFit/>
+          </a:bodyPr>
+          <a:lstStyle/>
+          <a:p>
+            <a:r>
+              <a:rPr lang="en-US" altLang="ko-KR" dirty="0" smtClean="0">
+                <a:hlinkClick r:id="rId2"/>
+              </a:rPr>
+              <a:t>https://www.g2g.com/</a:t>
+            </a:r>
+            <a:endParaRPr lang="en-US" altLang="ko-KR" dirty="0" smtClean="0"/>
+          </a:p>
+          <a:p>
+            <a:r>
+              <a:rPr lang="ko-KR" altLang="en-US" dirty="0" smtClean="0">
+                <a:hlinkClick r:id="rId3"/>
+              </a:rPr>
+              <a:t>https://pathofexile.fandom.com/wiki/League</a:t>
+            </a:r>
+            <a:endParaRPr lang="en-US" altLang="ko-KR" dirty="0" smtClean="0"/>
+          </a:p>
+          <a:p>
+            <a:r>
+              <a:rPr lang="en-US" altLang="ko-KR" dirty="0" smtClean="0">
+                <a:hlinkClick r:id="rId4"/>
+              </a:rPr>
+              <a:t>https://selenium-python.readthedocs.io/</a:t>
+            </a:r>
+            <a:endParaRPr lang="en-US" altLang="ko-KR" dirty="0" smtClean="0"/>
+          </a:p>
+          <a:p>
+            <a:r>
+              <a:rPr lang="en-US" altLang="ko-KR" dirty="0" smtClean="0">
+                <a:hlinkClick r:id="rId5"/>
+              </a:rPr>
+              <a:t>https://pyinstaller.readthedocs.io/en/stable/</a:t>
+            </a:r>
+            <a:endParaRPr lang="en-US" altLang="ko-KR" dirty="0" smtClean="0"/>
+          </a:p>
+          <a:p>
+            <a:r>
+              <a:rPr lang="en-US" altLang="ko-KR" dirty="0" smtClean="0">
+                <a:hlinkClick r:id="rId6"/>
+              </a:rPr>
+              <a:t>http://www.nncron.ru/</a:t>
+            </a:r>
+            <a:endParaRPr lang="en-US" altLang="ko-KR" dirty="0" smtClean="0"/>
+          </a:p>
+          <a:p>
+            <a:endParaRPr lang="en-US" altLang="ko-KR" dirty="0" smtClean="0"/>
+          </a:p>
+        </p:txBody>
+      </p:sp>
     </p:spTree>
     <p:extLst>
       <p:ext uri="{BB962C8B-B14F-4D97-AF65-F5344CB8AC3E}">
-        <p14:creationId xmlns:p14="http://schemas.microsoft.com/office/powerpoint/2010/main" val="507104715"/>
+        <p14:creationId xmlns:p14="http://schemas.microsoft.com/office/powerpoint/2010/main" val="3564110523"/>
       </p:ext>
     </p:extLst>
   </p:cSld>
@@ -5654,120 +5765,6 @@
       </p:grpSpPr>
       <p:sp>
         <p:nvSpPr>
-          <p:cNvPr id="3" name="제목 2"/>
-          <p:cNvSpPr>
-            <a:spLocks noGrp="1"/>
-          </p:cNvSpPr>
-          <p:nvPr>
-            <p:ph type="ctrTitle"/>
-          </p:nvPr>
-        </p:nvSpPr>
-        <p:spPr/>
-        <p:txBody>
-          <a:bodyPr/>
-          <a:lstStyle/>
-          <a:p>
-            <a:r>
-              <a:rPr lang="en-US" altLang="ko-KR" dirty="0" smtClean="0">
-                <a:latin typeface="G마켓 산스 TTF Medium" panose="02000000000000000000" pitchFamily="2" charset="-127"/>
-                <a:ea typeface="G마켓 산스 TTF Medium" panose="02000000000000000000" pitchFamily="2" charset="-127"/>
-              </a:rPr>
-              <a:t>DATA </a:t>
-            </a:r>
-            <a:r>
-              <a:rPr lang="ko-KR" altLang="en-US" dirty="0" smtClean="0">
-                <a:latin typeface="G마켓 산스 TTF Medium" panose="02000000000000000000" pitchFamily="2" charset="-127"/>
-                <a:ea typeface="G마켓 산스 TTF Medium" panose="02000000000000000000" pitchFamily="2" charset="-127"/>
-              </a:rPr>
-              <a:t>수집 목적</a:t>
-            </a:r>
-            <a:r>
-              <a:rPr lang="en-US" altLang="ko-KR" dirty="0" smtClean="0">
-                <a:latin typeface="G마켓 산스 TTF Medium" panose="02000000000000000000" pitchFamily="2" charset="-127"/>
-                <a:ea typeface="G마켓 산스 TTF Medium" panose="02000000000000000000" pitchFamily="2" charset="-127"/>
-              </a:rPr>
-              <a:t/>
-            </a:r>
-            <a:br>
-              <a:rPr lang="en-US" altLang="ko-KR" dirty="0" smtClean="0">
-                <a:latin typeface="G마켓 산스 TTF Medium" panose="02000000000000000000" pitchFamily="2" charset="-127"/>
-                <a:ea typeface="G마켓 산스 TTF Medium" panose="02000000000000000000" pitchFamily="2" charset="-127"/>
-              </a:rPr>
-            </a:br>
-            <a:r>
-              <a:rPr lang="en-US" altLang="ko-KR" dirty="0" smtClean="0">
-                <a:latin typeface="G마켓 산스 TTF Medium" panose="02000000000000000000" pitchFamily="2" charset="-127"/>
-                <a:ea typeface="G마켓 산스 TTF Medium" panose="02000000000000000000" pitchFamily="2" charset="-127"/>
-              </a:rPr>
-              <a:t>-&gt; </a:t>
-            </a:r>
-            <a:r>
-              <a:rPr lang="ko-KR" altLang="en-US" dirty="0" smtClean="0">
-                <a:latin typeface="G마켓 산스 TTF Medium" panose="02000000000000000000" pitchFamily="2" charset="-127"/>
-                <a:ea typeface="G마켓 산스 TTF Medium" panose="02000000000000000000" pitchFamily="2" charset="-127"/>
-              </a:rPr>
-              <a:t>회사</a:t>
-            </a:r>
-            <a:r>
-              <a:rPr lang="en-US" altLang="ko-KR" dirty="0" smtClean="0">
-                <a:latin typeface="G마켓 산스 TTF Medium" panose="02000000000000000000" pitchFamily="2" charset="-127"/>
-                <a:ea typeface="G마켓 산스 TTF Medium" panose="02000000000000000000" pitchFamily="2" charset="-127"/>
-              </a:rPr>
-              <a:t> </a:t>
-            </a:r>
-            <a:r>
-              <a:rPr lang="ko-KR" altLang="en-US" dirty="0" smtClean="0">
-                <a:latin typeface="G마켓 산스 TTF Medium" panose="02000000000000000000" pitchFamily="2" charset="-127"/>
-                <a:ea typeface="G마켓 산스 TTF Medium" panose="02000000000000000000" pitchFamily="2" charset="-127"/>
-              </a:rPr>
-              <a:t>기여</a:t>
-            </a:r>
-            <a:endParaRPr lang="ko-KR" altLang="en-US" dirty="0">
-              <a:latin typeface="G마켓 산스 TTF Medium" panose="02000000000000000000" pitchFamily="2" charset="-127"/>
-              <a:ea typeface="G마켓 산스 TTF Medium" panose="02000000000000000000" pitchFamily="2" charset="-127"/>
-            </a:endParaRPr>
-          </a:p>
-        </p:txBody>
-      </p:sp>
-    </p:spTree>
-    <p:extLst>
-      <p:ext uri="{BB962C8B-B14F-4D97-AF65-F5344CB8AC3E}">
-        <p14:creationId xmlns:p14="http://schemas.microsoft.com/office/powerpoint/2010/main" val="534700333"/>
-      </p:ext>
-    </p:extLst>
-  </p:cSld>
-  <p:clrMapOvr>
-    <a:masterClrMapping/>
-  </p:clrMapOvr>
-  <p:timing>
-    <p:tnLst>
-      <p:par>
-        <p:cTn id="1" dur="indefinite" restart="never" nodeType="tmRoot"/>
-      </p:par>
-    </p:tnLst>
-  </p:timing>
-</p:sld>
-</file>
-
-<file path=ppt/slides/slide20.xml><?xml version="1.0" encoding="utf-8"?>
-<p:sld xmlns:a="http://schemas.openxmlformats.org/drawingml/2006/main" xmlns:r="http://schemas.openxmlformats.org/officeDocument/2006/relationships" xmlns:p="http://schemas.openxmlformats.org/presentationml/2006/main">
-  <p:cSld>
-    <p:spTree>
-      <p:nvGrpSpPr>
-        <p:cNvPr id="1" name=""/>
-        <p:cNvGrpSpPr/>
-        <p:nvPr/>
-      </p:nvGrpSpPr>
-      <p:grpSpPr>
-        <a:xfrm>
-          <a:off x="0" y="0"/>
-          <a:ext cx="0" cy="0"/>
-          <a:chOff x="0" y="0"/>
-          <a:chExt cx="0" cy="0"/>
-        </a:xfrm>
-      </p:grpSpPr>
-      <p:sp>
-        <p:nvSpPr>
           <p:cNvPr id="9" name="직사각형 8"/>
           <p:cNvSpPr/>
           <p:nvPr/>
@@ -5834,11 +5831,18 @@
           <a:p>
             <a:pPr algn="l"/>
             <a:r>
+              <a:rPr lang="en-US" altLang="ko-KR" sz="5400" dirty="0">
+                <a:latin typeface="G마켓 산스 TTF Medium" panose="02000000000000000000" pitchFamily="2" charset="-127"/>
+                <a:ea typeface="G마켓 산스 TTF Medium" panose="02000000000000000000" pitchFamily="2" charset="-127"/>
+              </a:rPr>
+              <a:t>0</a:t>
+            </a:r>
+            <a:r>
               <a:rPr lang="en-US" altLang="ko-KR" sz="5400" dirty="0" smtClean="0">
                 <a:latin typeface="G마켓 산스 TTF Medium" panose="02000000000000000000" pitchFamily="2" charset="-127"/>
                 <a:ea typeface="G마켓 산스 TTF Medium" panose="02000000000000000000" pitchFamily="2" charset="-127"/>
               </a:rPr>
-              <a:t>n.</a:t>
+              <a:t>. Load Map</a:t>
             </a:r>
             <a:endParaRPr lang="ko-KR" altLang="en-US" dirty="0">
               <a:latin typeface="G마켓 산스 TTF Bold" panose="02000000000000000000" pitchFamily="2" charset="-127"/>
@@ -5850,233 +5854,7 @@
     </p:spTree>
     <p:extLst>
       <p:ext uri="{BB962C8B-B14F-4D97-AF65-F5344CB8AC3E}">
-        <p14:creationId xmlns:p14="http://schemas.microsoft.com/office/powerpoint/2010/main" val="1633320726"/>
-      </p:ext>
-    </p:extLst>
-  </p:cSld>
-  <p:clrMapOvr>
-    <a:masterClrMapping/>
-  </p:clrMapOvr>
-  <p:timing>
-    <p:tnLst>
-      <p:par>
-        <p:cTn id="1" dur="indefinite" restart="never" nodeType="tmRoot"/>
-      </p:par>
-    </p:tnLst>
-  </p:timing>
-</p:sld>
-</file>
-
-<file path=ppt/slides/slide21.xml><?xml version="1.0" encoding="utf-8"?>
-<p:sld xmlns:a="http://schemas.openxmlformats.org/drawingml/2006/main" xmlns:r="http://schemas.openxmlformats.org/officeDocument/2006/relationships" xmlns:p="http://schemas.openxmlformats.org/presentationml/2006/main">
-  <p:cSld>
-    <p:spTree>
-      <p:nvGrpSpPr>
-        <p:cNvPr id="1" name=""/>
-        <p:cNvGrpSpPr/>
-        <p:nvPr/>
-      </p:nvGrpSpPr>
-      <p:grpSpPr>
-        <a:xfrm>
-          <a:off x="0" y="0"/>
-          <a:ext cx="0" cy="0"/>
-          <a:chOff x="0" y="0"/>
-          <a:chExt cx="0" cy="0"/>
-        </a:xfrm>
-      </p:grpSpPr>
-      <p:sp>
-        <p:nvSpPr>
-          <p:cNvPr id="2" name="제목 1"/>
-          <p:cNvSpPr>
-            <a:spLocks noGrp="1"/>
-          </p:cNvSpPr>
-          <p:nvPr>
-            <p:ph type="ctrTitle"/>
-          </p:nvPr>
-        </p:nvSpPr>
-        <p:spPr>
-          <a:xfrm>
-            <a:off x="626076" y="362466"/>
-            <a:ext cx="11565924" cy="543696"/>
-          </a:xfrm>
-        </p:spPr>
-        <p:txBody>
-          <a:bodyPr>
-            <a:noAutofit/>
-          </a:bodyPr>
-          <a:lstStyle/>
-          <a:p>
-            <a:pPr algn="l"/>
-            <a:r>
-              <a:rPr lang="ko-KR" altLang="en-US" sz="3200" dirty="0" smtClean="0">
-                <a:latin typeface="G마켓 산스 TTF Medium" panose="02000000000000000000" pitchFamily="2" charset="-127"/>
-                <a:ea typeface="G마켓 산스 TTF Medium" panose="02000000000000000000" pitchFamily="2" charset="-127"/>
-              </a:rPr>
-              <a:t>외부링크</a:t>
-            </a:r>
-            <a:endParaRPr lang="ko-KR" altLang="en-US" sz="3200" dirty="0">
-              <a:latin typeface="G마켓 산스 TTF Medium" panose="02000000000000000000" pitchFamily="2" charset="-127"/>
-              <a:ea typeface="G마켓 산스 TTF Medium" panose="02000000000000000000" pitchFamily="2" charset="-127"/>
-            </a:endParaRPr>
-          </a:p>
-        </p:txBody>
-      </p:sp>
-      <p:sp>
-        <p:nvSpPr>
-          <p:cNvPr id="4" name="직사각형 3"/>
-          <p:cNvSpPr/>
-          <p:nvPr/>
-        </p:nvSpPr>
-        <p:spPr>
-          <a:xfrm>
-            <a:off x="543697" y="362466"/>
-            <a:ext cx="74141" cy="428366"/>
-          </a:xfrm>
-          <a:prstGeom prst="rect">
-            <a:avLst/>
-          </a:prstGeom>
-          <a:solidFill>
-            <a:srgbClr val="EA9C00"/>
-          </a:solidFill>
-          <a:ln>
-            <a:noFill/>
-          </a:ln>
-        </p:spPr>
-        <p:style>
-          <a:lnRef idx="2">
-            <a:schemeClr val="accent1">
-              <a:shade val="50000"/>
-            </a:schemeClr>
-          </a:lnRef>
-          <a:fillRef idx="1">
-            <a:schemeClr val="accent1"/>
-          </a:fillRef>
-          <a:effectRef idx="0">
-            <a:schemeClr val="accent1"/>
-          </a:effectRef>
-          <a:fontRef idx="minor">
-            <a:schemeClr val="lt1"/>
-          </a:fontRef>
-        </p:style>
-        <p:txBody>
-          <a:bodyPr rtlCol="0" anchor="ctr"/>
-          <a:lstStyle/>
-          <a:p>
-            <a:pPr algn="ctr"/>
-            <a:endParaRPr lang="ko-KR" altLang="en-US">
-              <a:solidFill>
-                <a:schemeClr val="accent4">
-                  <a:lumMod val="75000"/>
-                </a:schemeClr>
-              </a:solidFill>
-            </a:endParaRPr>
-          </a:p>
-        </p:txBody>
-      </p:sp>
-      <p:cxnSp>
-        <p:nvCxnSpPr>
-          <p:cNvPr id="9" name="직선 연결선 8"/>
-          <p:cNvCxnSpPr/>
-          <p:nvPr/>
-        </p:nvCxnSpPr>
-        <p:spPr>
-          <a:xfrm>
-            <a:off x="626076" y="906162"/>
-            <a:ext cx="11565924" cy="0"/>
-          </a:xfrm>
-          <a:prstGeom prst="line">
-            <a:avLst/>
-          </a:prstGeom>
-        </p:spPr>
-        <p:style>
-          <a:lnRef idx="1">
-            <a:schemeClr val="accent4"/>
-          </a:lnRef>
-          <a:fillRef idx="0">
-            <a:schemeClr val="accent4"/>
-          </a:fillRef>
-          <a:effectRef idx="0">
-            <a:schemeClr val="accent4"/>
-          </a:effectRef>
-          <a:fontRef idx="minor">
-            <a:schemeClr val="tx1"/>
-          </a:fontRef>
-        </p:style>
-      </p:cxnSp>
-      <p:sp>
-        <p:nvSpPr>
-          <p:cNvPr id="3" name="직사각형 2"/>
-          <p:cNvSpPr/>
-          <p:nvPr/>
-        </p:nvSpPr>
-        <p:spPr>
-          <a:xfrm>
-            <a:off x="626076" y="1149862"/>
-            <a:ext cx="5677809" cy="1754326"/>
-          </a:xfrm>
-          <a:prstGeom prst="rect">
-            <a:avLst/>
-          </a:prstGeom>
-        </p:spPr>
-        <p:txBody>
-          <a:bodyPr wrap="square">
-            <a:spAutoFit/>
-          </a:bodyPr>
-          <a:lstStyle/>
-          <a:p>
-            <a:r>
-              <a:rPr lang="en-US" altLang="ko-KR" dirty="0" smtClean="0">
-                <a:hlinkClick r:id="rId2"/>
-              </a:rPr>
-              <a:t>https://www.g2g.com/</a:t>
-            </a:r>
-            <a:endParaRPr lang="en-US" altLang="ko-KR" dirty="0" smtClean="0"/>
-          </a:p>
-          <a:p>
-            <a:r>
-              <a:rPr lang="ko-KR" altLang="en-US" dirty="0" smtClean="0">
-                <a:hlinkClick r:id="rId3"/>
-              </a:rPr>
-              <a:t>https://pathofexile.fandom.com/wiki/League</a:t>
-            </a:r>
-            <a:endParaRPr lang="en-US" altLang="ko-KR" dirty="0" smtClean="0"/>
-          </a:p>
-          <a:p>
-            <a:r>
-              <a:rPr lang="en-US" altLang="ko-KR" dirty="0" smtClean="0">
-                <a:hlinkClick r:id="rId4"/>
-              </a:rPr>
-              <a:t>https://selenium-python.readthedocs.io/</a:t>
-            </a:r>
-            <a:endParaRPr lang="en-US" altLang="ko-KR" dirty="0" smtClean="0"/>
-          </a:p>
-          <a:p>
-            <a:r>
-              <a:rPr lang="en-US" altLang="ko-KR" dirty="0" smtClean="0">
-                <a:hlinkClick r:id="rId5"/>
-              </a:rPr>
-              <a:t>https://pyinstaller.readthedocs.io/en/stable/</a:t>
-            </a:r>
-            <a:endParaRPr lang="en-US" altLang="ko-KR" dirty="0" smtClean="0"/>
-          </a:p>
-          <a:p>
-            <a:r>
-              <a:rPr lang="en-US" altLang="ko-KR" dirty="0" smtClean="0">
-                <a:hlinkClick r:id="rId6"/>
-              </a:rPr>
-              <a:t>http://www.nncron.ru/</a:t>
-            </a:r>
-            <a:endParaRPr lang="en-US" altLang="ko-KR" dirty="0" smtClean="0"/>
-          </a:p>
-          <a:p>
-            <a:endParaRPr lang="en-US" altLang="ko-KR" dirty="0" smtClean="0"/>
-          </a:p>
-        </p:txBody>
-      </p:sp>
-    </p:spTree>
-    <p:extLst>
-      <p:ext uri="{BB962C8B-B14F-4D97-AF65-F5344CB8AC3E}">
-        <p14:creationId xmlns:p14="http://schemas.microsoft.com/office/powerpoint/2010/main" val="3564110523"/>
+        <p14:creationId xmlns:p14="http://schemas.microsoft.com/office/powerpoint/2010/main" val="214286235"/>
       </p:ext>
     </p:extLst>
   </p:cSld>
@@ -6112,23 +5890,30 @@
       </p:grpSpPr>
       <p:sp>
         <p:nvSpPr>
-          <p:cNvPr id="9" name="직사각형 8"/>
+          <p:cNvPr id="21" name="직사각형 20"/>
           <p:cNvSpPr/>
           <p:nvPr/>
         </p:nvSpPr>
         <p:spPr>
           <a:xfrm>
-            <a:off x="0" y="1845275"/>
-            <a:ext cx="12191999" cy="2026508"/>
+            <a:off x="4332386" y="1367053"/>
+            <a:ext cx="1862480" cy="4495865"/>
           </a:xfrm>
           <a:prstGeom prst="rect">
             <a:avLst/>
           </a:prstGeom>
           <a:solidFill>
-            <a:schemeClr val="accent4"/>
+            <a:schemeClr val="accent4">
+              <a:lumMod val="40000"/>
+              <a:lumOff val="60000"/>
+            </a:schemeClr>
           </a:solidFill>
           <a:ln>
-            <a:noFill/>
+            <a:solidFill>
+              <a:schemeClr val="accent4">
+                <a:lumMod val="50000"/>
+              </a:schemeClr>
+            </a:solidFill>
           </a:ln>
         </p:spPr>
         <p:style>
@@ -6148,11 +5933,116 @@
           </a:fontRef>
         </p:style>
         <p:txBody>
-          <a:bodyPr rtlCol="0" anchor="ctr"/>
+          <a:bodyPr rtlCol="0" anchor="t"/>
           <a:lstStyle/>
           <a:p>
             <a:pPr algn="ctr"/>
-            <a:endParaRPr lang="ko-KR" altLang="en-US"/>
+            <a:r>
+              <a:rPr lang="en-US" altLang="ko-KR" sz="2000" dirty="0" smtClean="0">
+                <a:solidFill>
+                  <a:schemeClr val="tx1"/>
+                </a:solidFill>
+                <a:latin typeface="G마켓 산스 TTF Medium" panose="02000000000000000000" pitchFamily="2" charset="-127"/>
+                <a:ea typeface="G마켓 산스 TTF Medium" panose="02000000000000000000" pitchFamily="2" charset="-127"/>
+              </a:rPr>
+              <a:t>Data </a:t>
+            </a:r>
+            <a:r>
+              <a:rPr lang="ko-KR" altLang="en-US" sz="2000" dirty="0" smtClean="0">
+                <a:solidFill>
+                  <a:schemeClr val="tx1"/>
+                </a:solidFill>
+                <a:latin typeface="G마켓 산스 TTF Medium" panose="02000000000000000000" pitchFamily="2" charset="-127"/>
+                <a:ea typeface="G마켓 산스 TTF Medium" panose="02000000000000000000" pitchFamily="2" charset="-127"/>
+              </a:rPr>
+              <a:t>수집</a:t>
+            </a:r>
+            <a:endParaRPr lang="en-US" altLang="ko-KR" sz="2000" dirty="0" smtClean="0">
+              <a:solidFill>
+                <a:schemeClr val="tx1"/>
+              </a:solidFill>
+              <a:latin typeface="G마켓 산스 TTF Medium" panose="02000000000000000000" pitchFamily="2" charset="-127"/>
+              <a:ea typeface="G마켓 산스 TTF Medium" panose="02000000000000000000" pitchFamily="2" charset="-127"/>
+            </a:endParaRPr>
+          </a:p>
+        </p:txBody>
+      </p:sp>
+      <p:sp>
+        <p:nvSpPr>
+          <p:cNvPr id="20" name="직사각형 19"/>
+          <p:cNvSpPr/>
+          <p:nvPr/>
+        </p:nvSpPr>
+        <p:spPr>
+          <a:xfrm>
+            <a:off x="1451556" y="1367053"/>
+            <a:ext cx="1736243" cy="4495865"/>
+          </a:xfrm>
+          <a:prstGeom prst="rect">
+            <a:avLst/>
+          </a:prstGeom>
+          <a:solidFill>
+            <a:schemeClr val="accent4">
+              <a:lumMod val="40000"/>
+              <a:lumOff val="60000"/>
+            </a:schemeClr>
+          </a:solidFill>
+          <a:ln>
+            <a:solidFill>
+              <a:schemeClr val="accent4">
+                <a:lumMod val="50000"/>
+              </a:schemeClr>
+            </a:solidFill>
+          </a:ln>
+        </p:spPr>
+        <p:style>
+          <a:lnRef idx="2">
+            <a:schemeClr val="accent1">
+              <a:shade val="50000"/>
+            </a:schemeClr>
+          </a:lnRef>
+          <a:fillRef idx="1">
+            <a:schemeClr val="accent1"/>
+          </a:fillRef>
+          <a:effectRef idx="0">
+            <a:schemeClr val="accent1"/>
+          </a:effectRef>
+          <a:fontRef idx="minor">
+            <a:schemeClr val="lt1"/>
+          </a:fontRef>
+        </p:style>
+        <p:txBody>
+          <a:bodyPr rtlCol="0" anchor="t"/>
+          <a:lstStyle/>
+          <a:p>
+            <a:pPr algn="ctr"/>
+            <a:r>
+              <a:rPr lang="en-US" altLang="ko-KR" sz="2000" dirty="0" smtClean="0">
+                <a:solidFill>
+                  <a:schemeClr val="tx1"/>
+                </a:solidFill>
+                <a:latin typeface="G마켓 산스 TTF Medium" panose="02000000000000000000" pitchFamily="2" charset="-127"/>
+                <a:ea typeface="G마켓 산스 TTF Medium" panose="02000000000000000000" pitchFamily="2" charset="-127"/>
+              </a:rPr>
+              <a:t>Data </a:t>
+            </a:r>
+            <a:r>
+              <a:rPr lang="ko-KR" altLang="en-US" sz="2000" dirty="0" smtClean="0">
+                <a:solidFill>
+                  <a:schemeClr val="tx1"/>
+                </a:solidFill>
+                <a:latin typeface="G마켓 산스 TTF Medium" panose="02000000000000000000" pitchFamily="2" charset="-127"/>
+                <a:ea typeface="G마켓 산스 TTF Medium" panose="02000000000000000000" pitchFamily="2" charset="-127"/>
+              </a:rPr>
+              <a:t>선정</a:t>
+            </a:r>
+            <a:endParaRPr lang="en-US" altLang="ko-KR" sz="2000" dirty="0" smtClean="0">
+              <a:solidFill>
+                <a:schemeClr val="tx1"/>
+              </a:solidFill>
+              <a:latin typeface="G마켓 산스 TTF Medium" panose="02000000000000000000" pitchFamily="2" charset="-127"/>
+              <a:ea typeface="G마켓 산스 TTF Medium" panose="02000000000000000000" pitchFamily="2" charset="-127"/>
+            </a:endParaRPr>
           </a:p>
         </p:txBody>
       </p:sp>
@@ -6168,32 +6058,1324 @@
         </p:nvSpPr>
         <p:spPr>
           <a:xfrm>
-            <a:off x="986118" y="2008094"/>
-            <a:ext cx="9144000" cy="1420906"/>
-          </a:xfrm>
-        </p:spPr>
-        <p:txBody>
-          <a:bodyPr/>
+            <a:off x="626076" y="362466"/>
+            <a:ext cx="11565924" cy="543696"/>
+          </a:xfrm>
+        </p:spPr>
+        <p:txBody>
+          <a:bodyPr>
+            <a:noAutofit/>
+          </a:bodyPr>
           <a:lstStyle/>
           <a:p>
             <a:pPr algn="l"/>
             <a:r>
-              <a:rPr lang="en-US" altLang="ko-KR" sz="5400" dirty="0">
+              <a:rPr lang="en-US" altLang="ko-KR" sz="3200" dirty="0" smtClean="0">
                 <a:latin typeface="G마켓 산스 TTF Medium" panose="02000000000000000000" pitchFamily="2" charset="-127"/>
                 <a:ea typeface="G마켓 산스 TTF Medium" panose="02000000000000000000" pitchFamily="2" charset="-127"/>
               </a:rPr>
-              <a:t>0</a:t>
-            </a:r>
-            <a:r>
-              <a:rPr lang="en-US" altLang="ko-KR" sz="5400" dirty="0" smtClean="0">
+              <a:t>Load map</a:t>
+            </a:r>
+            <a:endParaRPr lang="ko-KR" altLang="en-US" sz="3200" dirty="0">
+              <a:latin typeface="G마켓 산스 TTF Medium" panose="02000000000000000000" pitchFamily="2" charset="-127"/>
+              <a:ea typeface="G마켓 산스 TTF Medium" panose="02000000000000000000" pitchFamily="2" charset="-127"/>
+            </a:endParaRPr>
+          </a:p>
+        </p:txBody>
+      </p:sp>
+      <p:sp>
+        <p:nvSpPr>
+          <p:cNvPr id="4" name="직사각형 3"/>
+          <p:cNvSpPr/>
+          <p:nvPr/>
+        </p:nvSpPr>
+        <p:spPr>
+          <a:xfrm>
+            <a:off x="543697" y="362466"/>
+            <a:ext cx="74141" cy="428366"/>
+          </a:xfrm>
+          <a:prstGeom prst="rect">
+            <a:avLst/>
+          </a:prstGeom>
+          <a:solidFill>
+            <a:srgbClr val="EA9C00"/>
+          </a:solidFill>
+          <a:ln>
+            <a:noFill/>
+          </a:ln>
+        </p:spPr>
+        <p:style>
+          <a:lnRef idx="2">
+            <a:schemeClr val="accent1">
+              <a:shade val="50000"/>
+            </a:schemeClr>
+          </a:lnRef>
+          <a:fillRef idx="1">
+            <a:schemeClr val="accent1"/>
+          </a:fillRef>
+          <a:effectRef idx="0">
+            <a:schemeClr val="accent1"/>
+          </a:effectRef>
+          <a:fontRef idx="minor">
+            <a:schemeClr val="lt1"/>
+          </a:fontRef>
+        </p:style>
+        <p:txBody>
+          <a:bodyPr rtlCol="0" anchor="ctr"/>
+          <a:lstStyle/>
+          <a:p>
+            <a:pPr algn="ctr"/>
+            <a:endParaRPr lang="ko-KR" altLang="en-US">
+              <a:solidFill>
+                <a:schemeClr val="accent4">
+                  <a:lumMod val="75000"/>
+                </a:schemeClr>
+              </a:solidFill>
+            </a:endParaRPr>
+          </a:p>
+        </p:txBody>
+      </p:sp>
+      <p:cxnSp>
+        <p:nvCxnSpPr>
+          <p:cNvPr id="9" name="직선 연결선 8"/>
+          <p:cNvCxnSpPr/>
+          <p:nvPr/>
+        </p:nvCxnSpPr>
+        <p:spPr>
+          <a:xfrm>
+            <a:off x="626076" y="906162"/>
+            <a:ext cx="11565924" cy="0"/>
+          </a:xfrm>
+          <a:prstGeom prst="line">
+            <a:avLst/>
+          </a:prstGeom>
+        </p:spPr>
+        <p:style>
+          <a:lnRef idx="1">
+            <a:schemeClr val="accent4"/>
+          </a:lnRef>
+          <a:fillRef idx="0">
+            <a:schemeClr val="accent4"/>
+          </a:fillRef>
+          <a:effectRef idx="0">
+            <a:schemeClr val="accent4"/>
+          </a:effectRef>
+          <a:fontRef idx="minor">
+            <a:schemeClr val="tx1"/>
+          </a:fontRef>
+        </p:style>
+      </p:cxnSp>
+      <p:sp>
+        <p:nvSpPr>
+          <p:cNvPr id="3" name="직사각형 2"/>
+          <p:cNvSpPr/>
+          <p:nvPr/>
+        </p:nvSpPr>
+        <p:spPr>
+          <a:xfrm>
+            <a:off x="1641273" y="2311682"/>
+            <a:ext cx="1356821" cy="825966"/>
+          </a:xfrm>
+          <a:prstGeom prst="rect">
+            <a:avLst/>
+          </a:prstGeom>
+          <a:solidFill>
+            <a:schemeClr val="bg1"/>
+          </a:solidFill>
+          <a:ln>
+            <a:solidFill>
+              <a:srgbClr val="EA9C00"/>
+            </a:solidFill>
+          </a:ln>
+        </p:spPr>
+        <p:style>
+          <a:lnRef idx="2">
+            <a:schemeClr val="accent1">
+              <a:shade val="50000"/>
+            </a:schemeClr>
+          </a:lnRef>
+          <a:fillRef idx="1">
+            <a:schemeClr val="accent1"/>
+          </a:fillRef>
+          <a:effectRef idx="0">
+            <a:schemeClr val="accent1"/>
+          </a:effectRef>
+          <a:fontRef idx="minor">
+            <a:schemeClr val="lt1"/>
+          </a:fontRef>
+        </p:style>
+        <p:txBody>
+          <a:bodyPr rtlCol="0" anchor="ctr"/>
+          <a:lstStyle/>
+          <a:p>
+            <a:pPr algn="ctr"/>
+            <a:r>
+              <a:rPr lang="ko-KR" altLang="en-US" dirty="0" err="1" smtClean="0">
+                <a:solidFill>
+                  <a:schemeClr val="tx1"/>
+                </a:solidFill>
+                <a:latin typeface="G마켓 산스 TTF Light" panose="02000000000000000000" pitchFamily="2" charset="-127"/>
+                <a:ea typeface="G마켓 산스 TTF Light" panose="02000000000000000000" pitchFamily="2" charset="-127"/>
+              </a:rPr>
+              <a:t>현거래</a:t>
+            </a:r>
+            <a:endParaRPr lang="en-US" altLang="ko-KR" dirty="0">
+              <a:solidFill>
+                <a:schemeClr val="tx1"/>
+              </a:solidFill>
+              <a:latin typeface="G마켓 산스 TTF Light" panose="02000000000000000000" pitchFamily="2" charset="-127"/>
+              <a:ea typeface="G마켓 산스 TTF Light" panose="02000000000000000000" pitchFamily="2" charset="-127"/>
+            </a:endParaRPr>
+          </a:p>
+          <a:p>
+            <a:pPr algn="ctr"/>
+            <a:r>
+              <a:rPr lang="ko-KR" altLang="en-US" dirty="0" smtClean="0">
+                <a:solidFill>
+                  <a:schemeClr val="tx1"/>
+                </a:solidFill>
+                <a:latin typeface="G마켓 산스 TTF Light" panose="02000000000000000000" pitchFamily="2" charset="-127"/>
+                <a:ea typeface="G마켓 산스 TTF Light" panose="02000000000000000000" pitchFamily="2" charset="-127"/>
+              </a:rPr>
+              <a:t>사이트 선정</a:t>
+            </a:r>
+            <a:endParaRPr lang="ko-KR" altLang="en-US" dirty="0">
+              <a:solidFill>
+                <a:schemeClr val="tx1"/>
+              </a:solidFill>
+              <a:latin typeface="G마켓 산스 TTF Light" panose="02000000000000000000" pitchFamily="2" charset="-127"/>
+              <a:ea typeface="G마켓 산스 TTF Light" panose="02000000000000000000" pitchFamily="2" charset="-127"/>
+            </a:endParaRPr>
+          </a:p>
+        </p:txBody>
+      </p:sp>
+      <p:sp>
+        <p:nvSpPr>
+          <p:cNvPr id="7" name="직사각형 6"/>
+          <p:cNvSpPr/>
+          <p:nvPr/>
+        </p:nvSpPr>
+        <p:spPr>
+          <a:xfrm>
+            <a:off x="1641272" y="3737917"/>
+            <a:ext cx="1356821" cy="549271"/>
+          </a:xfrm>
+          <a:prstGeom prst="rect">
+            <a:avLst/>
+          </a:prstGeom>
+          <a:solidFill>
+            <a:schemeClr val="bg1"/>
+          </a:solidFill>
+          <a:ln>
+            <a:solidFill>
+              <a:srgbClr val="EA9C00"/>
+            </a:solidFill>
+          </a:ln>
+        </p:spPr>
+        <p:style>
+          <a:lnRef idx="2">
+            <a:schemeClr val="accent1">
+              <a:shade val="50000"/>
+            </a:schemeClr>
+          </a:lnRef>
+          <a:fillRef idx="1">
+            <a:schemeClr val="accent1"/>
+          </a:fillRef>
+          <a:effectRef idx="0">
+            <a:schemeClr val="accent1"/>
+          </a:effectRef>
+          <a:fontRef idx="minor">
+            <a:schemeClr val="lt1"/>
+          </a:fontRef>
+        </p:style>
+        <p:txBody>
+          <a:bodyPr rtlCol="0" anchor="ctr"/>
+          <a:lstStyle/>
+          <a:p>
+            <a:pPr algn="ctr"/>
+            <a:r>
+              <a:rPr lang="ko-KR" altLang="en-US" dirty="0" smtClean="0">
+                <a:solidFill>
+                  <a:schemeClr val="tx1"/>
+                </a:solidFill>
+                <a:latin typeface="G마켓 산스 TTF Light" panose="02000000000000000000" pitchFamily="2" charset="-127"/>
+                <a:ea typeface="G마켓 산스 TTF Light" panose="02000000000000000000" pitchFamily="2" charset="-127"/>
+              </a:rPr>
+              <a:t>종목 탐색</a:t>
+            </a:r>
+            <a:endParaRPr lang="ko-KR" altLang="en-US" dirty="0">
+              <a:solidFill>
+                <a:schemeClr val="tx1"/>
+              </a:solidFill>
+              <a:latin typeface="G마켓 산스 TTF Light" panose="02000000000000000000" pitchFamily="2" charset="-127"/>
+              <a:ea typeface="G마켓 산스 TTF Light" panose="02000000000000000000" pitchFamily="2" charset="-127"/>
+            </a:endParaRPr>
+          </a:p>
+        </p:txBody>
+      </p:sp>
+      <p:sp>
+        <p:nvSpPr>
+          <p:cNvPr id="8" name="직사각형 7"/>
+          <p:cNvSpPr/>
+          <p:nvPr/>
+        </p:nvSpPr>
+        <p:spPr>
+          <a:xfrm>
+            <a:off x="1641268" y="4887457"/>
+            <a:ext cx="1356821" cy="769636"/>
+          </a:xfrm>
+          <a:prstGeom prst="rect">
+            <a:avLst/>
+          </a:prstGeom>
+          <a:solidFill>
+            <a:schemeClr val="bg1"/>
+          </a:solidFill>
+          <a:ln>
+            <a:solidFill>
+              <a:srgbClr val="EA9C00"/>
+            </a:solidFill>
+          </a:ln>
+        </p:spPr>
+        <p:style>
+          <a:lnRef idx="2">
+            <a:schemeClr val="accent1">
+              <a:shade val="50000"/>
+            </a:schemeClr>
+          </a:lnRef>
+          <a:fillRef idx="1">
+            <a:schemeClr val="accent1"/>
+          </a:fillRef>
+          <a:effectRef idx="0">
+            <a:schemeClr val="accent1"/>
+          </a:effectRef>
+          <a:fontRef idx="minor">
+            <a:schemeClr val="lt1"/>
+          </a:fontRef>
+        </p:style>
+        <p:txBody>
+          <a:bodyPr rtlCol="0" anchor="ctr"/>
+          <a:lstStyle/>
+          <a:p>
+            <a:pPr algn="ctr"/>
+            <a:r>
+              <a:rPr lang="ko-KR" altLang="en-US" dirty="0" err="1" smtClean="0">
+                <a:solidFill>
+                  <a:schemeClr val="tx1"/>
+                </a:solidFill>
+                <a:latin typeface="G마켓 산스 TTF Light" panose="02000000000000000000" pitchFamily="2" charset="-127"/>
+                <a:ea typeface="G마켓 산스 TTF Light" panose="02000000000000000000" pitchFamily="2" charset="-127"/>
+              </a:rPr>
+              <a:t>크롤링</a:t>
+            </a:r>
+            <a:endParaRPr lang="en-US" altLang="ko-KR" dirty="0" smtClean="0">
+              <a:solidFill>
+                <a:schemeClr val="tx1"/>
+              </a:solidFill>
+              <a:latin typeface="G마켓 산스 TTF Light" panose="02000000000000000000" pitchFamily="2" charset="-127"/>
+              <a:ea typeface="G마켓 산스 TTF Light" panose="02000000000000000000" pitchFamily="2" charset="-127"/>
+            </a:endParaRPr>
+          </a:p>
+          <a:p>
+            <a:pPr algn="ctr"/>
+            <a:r>
+              <a:rPr lang="ko-KR" altLang="en-US" dirty="0" smtClean="0">
+                <a:solidFill>
+                  <a:schemeClr val="tx1"/>
+                </a:solidFill>
+                <a:latin typeface="G마켓 산스 TTF Light" panose="02000000000000000000" pitchFamily="2" charset="-127"/>
+                <a:ea typeface="G마켓 산스 TTF Light" panose="02000000000000000000" pitchFamily="2" charset="-127"/>
+              </a:rPr>
+              <a:t>도구 선택</a:t>
+            </a:r>
+            <a:endParaRPr lang="ko-KR" altLang="en-US" dirty="0">
+              <a:solidFill>
+                <a:schemeClr val="tx1"/>
+              </a:solidFill>
+              <a:latin typeface="G마켓 산스 TTF Light" panose="02000000000000000000" pitchFamily="2" charset="-127"/>
+              <a:ea typeface="G마켓 산스 TTF Light" panose="02000000000000000000" pitchFamily="2" charset="-127"/>
+            </a:endParaRPr>
+          </a:p>
+        </p:txBody>
+      </p:sp>
+      <p:sp>
+        <p:nvSpPr>
+          <p:cNvPr id="5" name="아래쪽 화살표 4"/>
+          <p:cNvSpPr/>
+          <p:nvPr/>
+        </p:nvSpPr>
+        <p:spPr>
+          <a:xfrm>
+            <a:off x="2162797" y="3241471"/>
+            <a:ext cx="313765" cy="377847"/>
+          </a:xfrm>
+          <a:prstGeom prst="downArrow">
+            <a:avLst/>
+          </a:prstGeom>
+        </p:spPr>
+        <p:style>
+          <a:lnRef idx="2">
+            <a:schemeClr val="accent1">
+              <a:shade val="50000"/>
+            </a:schemeClr>
+          </a:lnRef>
+          <a:fillRef idx="1">
+            <a:schemeClr val="accent1"/>
+          </a:fillRef>
+          <a:effectRef idx="0">
+            <a:schemeClr val="accent1"/>
+          </a:effectRef>
+          <a:fontRef idx="minor">
+            <a:schemeClr val="lt1"/>
+          </a:fontRef>
+        </p:style>
+        <p:txBody>
+          <a:bodyPr rtlCol="0" anchor="ctr"/>
+          <a:lstStyle/>
+          <a:p>
+            <a:pPr algn="ctr"/>
+            <a:endParaRPr lang="ko-KR" altLang="en-US"/>
+          </a:p>
+        </p:txBody>
+      </p:sp>
+      <p:sp>
+        <p:nvSpPr>
+          <p:cNvPr id="10" name="아래쪽 화살표 9"/>
+          <p:cNvSpPr/>
+          <p:nvPr/>
+        </p:nvSpPr>
+        <p:spPr>
+          <a:xfrm>
+            <a:off x="2162797" y="4400185"/>
+            <a:ext cx="313765" cy="377847"/>
+          </a:xfrm>
+          <a:prstGeom prst="downArrow">
+            <a:avLst/>
+          </a:prstGeom>
+        </p:spPr>
+        <p:style>
+          <a:lnRef idx="2">
+            <a:schemeClr val="accent1">
+              <a:shade val="50000"/>
+            </a:schemeClr>
+          </a:lnRef>
+          <a:fillRef idx="1">
+            <a:schemeClr val="accent1"/>
+          </a:fillRef>
+          <a:effectRef idx="0">
+            <a:schemeClr val="accent1"/>
+          </a:effectRef>
+          <a:fontRef idx="minor">
+            <a:schemeClr val="lt1"/>
+          </a:fontRef>
+        </p:style>
+        <p:txBody>
+          <a:bodyPr rtlCol="0" anchor="ctr"/>
+          <a:lstStyle/>
+          <a:p>
+            <a:pPr algn="ctr"/>
+            <a:endParaRPr lang="ko-KR" altLang="en-US"/>
+          </a:p>
+        </p:txBody>
+      </p:sp>
+      <p:sp>
+        <p:nvSpPr>
+          <p:cNvPr id="11" name="오른쪽 화살표 10"/>
+          <p:cNvSpPr/>
+          <p:nvPr/>
+        </p:nvSpPr>
+        <p:spPr>
+          <a:xfrm>
+            <a:off x="3302893" y="3534821"/>
+            <a:ext cx="950259" cy="547453"/>
+          </a:xfrm>
+          <a:prstGeom prst="rightArrow">
+            <a:avLst/>
+          </a:prstGeom>
+          <a:solidFill>
+            <a:srgbClr val="EA9C00"/>
+          </a:solidFill>
+          <a:ln>
+            <a:solidFill>
+              <a:schemeClr val="accent4">
+                <a:lumMod val="50000"/>
+              </a:schemeClr>
+            </a:solidFill>
+          </a:ln>
+        </p:spPr>
+        <p:style>
+          <a:lnRef idx="2">
+            <a:schemeClr val="accent1">
+              <a:shade val="50000"/>
+            </a:schemeClr>
+          </a:lnRef>
+          <a:fillRef idx="1">
+            <a:schemeClr val="accent1"/>
+          </a:fillRef>
+          <a:effectRef idx="0">
+            <a:schemeClr val="accent1"/>
+          </a:effectRef>
+          <a:fontRef idx="minor">
+            <a:schemeClr val="lt1"/>
+          </a:fontRef>
+        </p:style>
+        <p:txBody>
+          <a:bodyPr rtlCol="0" anchor="ctr"/>
+          <a:lstStyle/>
+          <a:p>
+            <a:pPr algn="ctr"/>
+            <a:endParaRPr lang="ko-KR" altLang="en-US"/>
+          </a:p>
+        </p:txBody>
+      </p:sp>
+      <p:sp>
+        <p:nvSpPr>
+          <p:cNvPr id="13" name="직사각형 12"/>
+          <p:cNvSpPr/>
+          <p:nvPr/>
+        </p:nvSpPr>
+        <p:spPr>
+          <a:xfrm>
+            <a:off x="4412339" y="2311681"/>
+            <a:ext cx="1685365" cy="825965"/>
+          </a:xfrm>
+          <a:prstGeom prst="rect">
+            <a:avLst/>
+          </a:prstGeom>
+          <a:solidFill>
+            <a:schemeClr val="bg1"/>
+          </a:solidFill>
+          <a:ln>
+            <a:solidFill>
+              <a:srgbClr val="EA9C00"/>
+            </a:solidFill>
+          </a:ln>
+        </p:spPr>
+        <p:style>
+          <a:lnRef idx="2">
+            <a:schemeClr val="accent1">
+              <a:shade val="50000"/>
+            </a:schemeClr>
+          </a:lnRef>
+          <a:fillRef idx="1">
+            <a:schemeClr val="accent1"/>
+          </a:fillRef>
+          <a:effectRef idx="0">
+            <a:schemeClr val="accent1"/>
+          </a:effectRef>
+          <a:fontRef idx="minor">
+            <a:schemeClr val="lt1"/>
+          </a:fontRef>
+        </p:style>
+        <p:txBody>
+          <a:bodyPr rtlCol="0" anchor="ctr"/>
+          <a:lstStyle/>
+          <a:p>
+            <a:pPr algn="ctr"/>
+            <a:r>
+              <a:rPr lang="en-US" altLang="ko-KR" dirty="0" err="1" smtClean="0">
+                <a:solidFill>
+                  <a:schemeClr val="tx1"/>
+                </a:solidFill>
+                <a:latin typeface="G마켓 산스 TTF Light" panose="02000000000000000000" pitchFamily="2" charset="-127"/>
+                <a:ea typeface="G마켓 산스 TTF Light" panose="02000000000000000000" pitchFamily="2" charset="-127"/>
+              </a:rPr>
+              <a:t>DataFrame</a:t>
+            </a:r>
+            <a:endParaRPr lang="en-US" altLang="ko-KR" dirty="0" smtClean="0">
+              <a:solidFill>
+                <a:schemeClr val="tx1"/>
+              </a:solidFill>
+              <a:latin typeface="G마켓 산스 TTF Light" panose="02000000000000000000" pitchFamily="2" charset="-127"/>
+              <a:ea typeface="G마켓 산스 TTF Light" panose="02000000000000000000" pitchFamily="2" charset="-127"/>
+            </a:endParaRPr>
+          </a:p>
+          <a:p>
+            <a:pPr algn="ctr"/>
+            <a:r>
+              <a:rPr lang="en-US" altLang="ko-KR" dirty="0" smtClean="0">
+                <a:solidFill>
+                  <a:schemeClr val="tx1"/>
+                </a:solidFill>
+                <a:latin typeface="G마켓 산스 TTF Light" panose="02000000000000000000" pitchFamily="2" charset="-127"/>
+                <a:ea typeface="G마켓 산스 TTF Light" panose="02000000000000000000" pitchFamily="2" charset="-127"/>
+              </a:rPr>
+              <a:t>Column </a:t>
+            </a:r>
+            <a:r>
+              <a:rPr lang="ko-KR" altLang="en-US" dirty="0" smtClean="0">
+                <a:solidFill>
+                  <a:schemeClr val="tx1"/>
+                </a:solidFill>
+                <a:latin typeface="G마켓 산스 TTF Light" panose="02000000000000000000" pitchFamily="2" charset="-127"/>
+                <a:ea typeface="G마켓 산스 TTF Light" panose="02000000000000000000" pitchFamily="2" charset="-127"/>
+              </a:rPr>
+              <a:t>지정</a:t>
+            </a:r>
+            <a:endParaRPr lang="ko-KR" altLang="en-US" dirty="0">
+              <a:solidFill>
+                <a:schemeClr val="tx1"/>
+              </a:solidFill>
+              <a:latin typeface="G마켓 산스 TTF Light" panose="02000000000000000000" pitchFamily="2" charset="-127"/>
+              <a:ea typeface="G마켓 산스 TTF Light" panose="02000000000000000000" pitchFamily="2" charset="-127"/>
+            </a:endParaRPr>
+          </a:p>
+        </p:txBody>
+      </p:sp>
+      <p:sp>
+        <p:nvSpPr>
+          <p:cNvPr id="16" name="아래쪽 화살표 15"/>
+          <p:cNvSpPr/>
+          <p:nvPr/>
+        </p:nvSpPr>
+        <p:spPr>
+          <a:xfrm>
+            <a:off x="5098140" y="3241470"/>
+            <a:ext cx="313765" cy="377847"/>
+          </a:xfrm>
+          <a:prstGeom prst="downArrow">
+            <a:avLst/>
+          </a:prstGeom>
+        </p:spPr>
+        <p:style>
+          <a:lnRef idx="2">
+            <a:schemeClr val="accent1">
+              <a:shade val="50000"/>
+            </a:schemeClr>
+          </a:lnRef>
+          <a:fillRef idx="1">
+            <a:schemeClr val="accent1"/>
+          </a:fillRef>
+          <a:effectRef idx="0">
+            <a:schemeClr val="accent1"/>
+          </a:effectRef>
+          <a:fontRef idx="minor">
+            <a:schemeClr val="lt1"/>
+          </a:fontRef>
+        </p:style>
+        <p:txBody>
+          <a:bodyPr rtlCol="0" anchor="ctr"/>
+          <a:lstStyle/>
+          <a:p>
+            <a:pPr algn="ctr"/>
+            <a:endParaRPr lang="ko-KR" altLang="en-US"/>
+          </a:p>
+        </p:txBody>
+      </p:sp>
+      <p:sp>
+        <p:nvSpPr>
+          <p:cNvPr id="19" name="오른쪽 화살표 18"/>
+          <p:cNvSpPr/>
+          <p:nvPr/>
+        </p:nvSpPr>
+        <p:spPr>
+          <a:xfrm>
+            <a:off x="6309960" y="3534821"/>
+            <a:ext cx="950259" cy="547453"/>
+          </a:xfrm>
+          <a:prstGeom prst="rightArrow">
+            <a:avLst/>
+          </a:prstGeom>
+          <a:solidFill>
+            <a:srgbClr val="EA9C00"/>
+          </a:solidFill>
+          <a:ln>
+            <a:solidFill>
+              <a:schemeClr val="accent4">
+                <a:lumMod val="50000"/>
+              </a:schemeClr>
+            </a:solidFill>
+          </a:ln>
+        </p:spPr>
+        <p:style>
+          <a:lnRef idx="2">
+            <a:schemeClr val="accent1">
+              <a:shade val="50000"/>
+            </a:schemeClr>
+          </a:lnRef>
+          <a:fillRef idx="1">
+            <a:schemeClr val="accent1"/>
+          </a:fillRef>
+          <a:effectRef idx="0">
+            <a:schemeClr val="accent1"/>
+          </a:effectRef>
+          <a:fontRef idx="minor">
+            <a:schemeClr val="lt1"/>
+          </a:fontRef>
+        </p:style>
+        <p:txBody>
+          <a:bodyPr rtlCol="0" anchor="ctr"/>
+          <a:lstStyle/>
+          <a:p>
+            <a:pPr algn="ctr"/>
+            <a:endParaRPr lang="ko-KR" altLang="en-US"/>
+          </a:p>
+        </p:txBody>
+      </p:sp>
+      <p:sp>
+        <p:nvSpPr>
+          <p:cNvPr id="23" name="직사각형 22"/>
+          <p:cNvSpPr/>
+          <p:nvPr/>
+        </p:nvSpPr>
+        <p:spPr>
+          <a:xfrm>
+            <a:off x="4412339" y="3716964"/>
+            <a:ext cx="1685365" cy="1847273"/>
+          </a:xfrm>
+          <a:prstGeom prst="rect">
+            <a:avLst/>
+          </a:prstGeom>
+          <a:solidFill>
+            <a:schemeClr val="bg1"/>
+          </a:solidFill>
+          <a:ln>
+            <a:solidFill>
+              <a:srgbClr val="EA9C00"/>
+            </a:solidFill>
+          </a:ln>
+        </p:spPr>
+        <p:style>
+          <a:lnRef idx="2">
+            <a:schemeClr val="accent1">
+              <a:shade val="50000"/>
+            </a:schemeClr>
+          </a:lnRef>
+          <a:fillRef idx="1">
+            <a:schemeClr val="accent1"/>
+          </a:fillRef>
+          <a:effectRef idx="0">
+            <a:schemeClr val="accent1"/>
+          </a:effectRef>
+          <a:fontRef idx="minor">
+            <a:schemeClr val="lt1"/>
+          </a:fontRef>
+        </p:style>
+        <p:txBody>
+          <a:bodyPr rtlCol="0" anchor="t"/>
+          <a:lstStyle/>
+          <a:p>
+            <a:pPr algn="ctr"/>
+            <a:r>
+              <a:rPr lang="ko-KR" altLang="en-US" dirty="0" smtClean="0">
+                <a:solidFill>
+                  <a:schemeClr val="tx1"/>
+                </a:solidFill>
+                <a:latin typeface="G마켓 산스 TTF Light" panose="02000000000000000000" pitchFamily="2" charset="-127"/>
+                <a:ea typeface="G마켓 산스 TTF Light" panose="02000000000000000000" pitchFamily="2" charset="-127"/>
+              </a:rPr>
+              <a:t>데이터 수집</a:t>
+            </a:r>
+            <a:endParaRPr lang="ko-KR" altLang="en-US" dirty="0">
+              <a:solidFill>
+                <a:schemeClr val="tx1"/>
+              </a:solidFill>
+              <a:latin typeface="G마켓 산스 TTF Light" panose="02000000000000000000" pitchFamily="2" charset="-127"/>
+              <a:ea typeface="G마켓 산스 TTF Light" panose="02000000000000000000" pitchFamily="2" charset="-127"/>
+            </a:endParaRPr>
+          </a:p>
+        </p:txBody>
+      </p:sp>
+      <p:sp>
+        <p:nvSpPr>
+          <p:cNvPr id="12" name="직사각형 11"/>
+          <p:cNvSpPr/>
+          <p:nvPr/>
+        </p:nvSpPr>
+        <p:spPr>
+          <a:xfrm>
+            <a:off x="4519288" y="4076097"/>
+            <a:ext cx="1488141" cy="1343858"/>
+          </a:xfrm>
+          <a:prstGeom prst="rect">
+            <a:avLst/>
+          </a:prstGeom>
+          <a:noFill/>
+          <a:ln>
+            <a:solidFill>
+              <a:schemeClr val="accent4">
+                <a:lumMod val="50000"/>
+              </a:schemeClr>
+            </a:solidFill>
+          </a:ln>
+        </p:spPr>
+        <p:style>
+          <a:lnRef idx="2">
+            <a:schemeClr val="accent1">
+              <a:shade val="50000"/>
+            </a:schemeClr>
+          </a:lnRef>
+          <a:fillRef idx="1">
+            <a:schemeClr val="accent1"/>
+          </a:fillRef>
+          <a:effectRef idx="0">
+            <a:schemeClr val="accent1"/>
+          </a:effectRef>
+          <a:fontRef idx="minor">
+            <a:schemeClr val="lt1"/>
+          </a:fontRef>
+        </p:style>
+        <p:txBody>
+          <a:bodyPr rtlCol="0" anchor="ctr"/>
+          <a:lstStyle/>
+          <a:p>
+            <a:pPr algn="ctr"/>
+            <a:r>
+              <a:rPr lang="en-US" altLang="ko-KR" dirty="0" smtClean="0">
+                <a:solidFill>
+                  <a:schemeClr val="tx1"/>
+                </a:solidFill>
+              </a:rPr>
+              <a:t>PostgreSQL</a:t>
+            </a:r>
+          </a:p>
+          <a:p>
+            <a:pPr algn="ctr"/>
+            <a:endParaRPr lang="en-US" altLang="ko-KR" sz="500" dirty="0" smtClean="0">
+              <a:solidFill>
+                <a:schemeClr val="tx1"/>
+              </a:solidFill>
+            </a:endParaRPr>
+          </a:p>
+          <a:p>
+            <a:pPr algn="ctr"/>
+            <a:r>
+              <a:rPr lang="en-US" altLang="ko-KR" dirty="0" smtClean="0">
+                <a:solidFill>
+                  <a:schemeClr val="tx1"/>
+                </a:solidFill>
+              </a:rPr>
+              <a:t>&amp;</a:t>
+            </a:r>
+          </a:p>
+          <a:p>
+            <a:pPr algn="ctr"/>
+            <a:endParaRPr lang="en-US" altLang="ko-KR" sz="500" dirty="0" smtClean="0">
+              <a:solidFill>
+                <a:schemeClr val="tx1"/>
+              </a:solidFill>
+            </a:endParaRPr>
+          </a:p>
+          <a:p>
+            <a:pPr algn="ctr"/>
+            <a:r>
+              <a:rPr lang="en-US" altLang="ko-KR" dirty="0" err="1" smtClean="0">
+                <a:solidFill>
+                  <a:schemeClr val="tx1"/>
+                </a:solidFill>
+              </a:rPr>
+              <a:t>BigQuery</a:t>
+            </a:r>
+            <a:endParaRPr lang="en-US" altLang="ko-KR" dirty="0" smtClean="0">
+              <a:solidFill>
+                <a:schemeClr val="tx1"/>
+              </a:solidFill>
+            </a:endParaRPr>
+          </a:p>
+          <a:p>
+            <a:pPr algn="ctr"/>
+            <a:r>
+              <a:rPr lang="en-US" altLang="ko-KR" dirty="0" smtClean="0">
+                <a:solidFill>
+                  <a:schemeClr val="tx1"/>
+                </a:solidFill>
+              </a:rPr>
+              <a:t>(GBQ)</a:t>
+            </a:r>
+            <a:endParaRPr lang="ko-KR" altLang="en-US" dirty="0">
+              <a:solidFill>
+                <a:schemeClr val="tx1"/>
+              </a:solidFill>
+            </a:endParaRPr>
+          </a:p>
+        </p:txBody>
+      </p:sp>
+      <p:sp>
+        <p:nvSpPr>
+          <p:cNvPr id="27" name="직사각형 26"/>
+          <p:cNvSpPr/>
+          <p:nvPr/>
+        </p:nvSpPr>
+        <p:spPr>
+          <a:xfrm>
+            <a:off x="7375313" y="1371470"/>
+            <a:ext cx="1862480" cy="4495865"/>
+          </a:xfrm>
+          <a:prstGeom prst="rect">
+            <a:avLst/>
+          </a:prstGeom>
+          <a:solidFill>
+            <a:schemeClr val="accent4">
+              <a:lumMod val="40000"/>
+              <a:lumOff val="60000"/>
+            </a:schemeClr>
+          </a:solidFill>
+          <a:ln>
+            <a:solidFill>
+              <a:schemeClr val="accent4">
+                <a:lumMod val="50000"/>
+              </a:schemeClr>
+            </a:solidFill>
+          </a:ln>
+        </p:spPr>
+        <p:style>
+          <a:lnRef idx="2">
+            <a:schemeClr val="accent1">
+              <a:shade val="50000"/>
+            </a:schemeClr>
+          </a:lnRef>
+          <a:fillRef idx="1">
+            <a:schemeClr val="accent1"/>
+          </a:fillRef>
+          <a:effectRef idx="0">
+            <a:schemeClr val="accent1"/>
+          </a:effectRef>
+          <a:fontRef idx="minor">
+            <a:schemeClr val="lt1"/>
+          </a:fontRef>
+        </p:style>
+        <p:txBody>
+          <a:bodyPr rtlCol="0" anchor="t"/>
+          <a:lstStyle/>
+          <a:p>
+            <a:pPr algn="ctr"/>
+            <a:r>
+              <a:rPr lang="ko-KR" altLang="en-US" sz="2000" dirty="0" smtClean="0">
+                <a:solidFill>
+                  <a:schemeClr val="tx1"/>
+                </a:solidFill>
                 <a:latin typeface="G마켓 산스 TTF Medium" panose="02000000000000000000" pitchFamily="2" charset="-127"/>
                 <a:ea typeface="G마켓 산스 TTF Medium" panose="02000000000000000000" pitchFamily="2" charset="-127"/>
               </a:rPr>
-              <a:t>. Load Map</a:t>
+              <a:t>자동화</a:t>
+            </a:r>
+            <a:endParaRPr lang="en-US" altLang="ko-KR" sz="2000" dirty="0" smtClean="0">
+              <a:solidFill>
+                <a:schemeClr val="tx1"/>
+              </a:solidFill>
+              <a:latin typeface="G마켓 산스 TTF Medium" panose="02000000000000000000" pitchFamily="2" charset="-127"/>
+              <a:ea typeface="G마켓 산스 TTF Medium" panose="02000000000000000000" pitchFamily="2" charset="-127"/>
+            </a:endParaRPr>
+          </a:p>
+        </p:txBody>
+      </p:sp>
+      <p:sp>
+        <p:nvSpPr>
+          <p:cNvPr id="28" name="직사각형 27"/>
+          <p:cNvSpPr/>
+          <p:nvPr/>
+        </p:nvSpPr>
+        <p:spPr>
+          <a:xfrm>
+            <a:off x="7455266" y="2316098"/>
+            <a:ext cx="1685365" cy="825965"/>
+          </a:xfrm>
+          <a:prstGeom prst="rect">
+            <a:avLst/>
+          </a:prstGeom>
+          <a:solidFill>
+            <a:schemeClr val="bg1"/>
+          </a:solidFill>
+          <a:ln>
+            <a:solidFill>
+              <a:srgbClr val="EA9C00"/>
+            </a:solidFill>
+          </a:ln>
+        </p:spPr>
+        <p:style>
+          <a:lnRef idx="2">
+            <a:schemeClr val="accent1">
+              <a:shade val="50000"/>
+            </a:schemeClr>
+          </a:lnRef>
+          <a:fillRef idx="1">
+            <a:schemeClr val="accent1"/>
+          </a:fillRef>
+          <a:effectRef idx="0">
+            <a:schemeClr val="accent1"/>
+          </a:effectRef>
+          <a:fontRef idx="minor">
+            <a:schemeClr val="lt1"/>
+          </a:fontRef>
+        </p:style>
+        <p:txBody>
+          <a:bodyPr rtlCol="0" anchor="ctr"/>
+          <a:lstStyle/>
+          <a:p>
+            <a:pPr algn="ctr"/>
+            <a:r>
+              <a:rPr lang="ko-KR" altLang="en-US" dirty="0" smtClean="0">
+                <a:solidFill>
+                  <a:schemeClr val="tx1"/>
+                </a:solidFill>
+                <a:latin typeface="G마켓 산스 TTF Light" panose="02000000000000000000" pitchFamily="2" charset="-127"/>
+                <a:ea typeface="G마켓 산스 TTF Light" panose="02000000000000000000" pitchFamily="2" charset="-127"/>
+              </a:rPr>
+              <a:t>실행파일 생성</a:t>
+            </a:r>
+            <a:endParaRPr lang="en-US" altLang="ko-KR" dirty="0" smtClean="0">
+              <a:solidFill>
+                <a:schemeClr val="tx1"/>
+              </a:solidFill>
+              <a:latin typeface="G마켓 산스 TTF Light" panose="02000000000000000000" pitchFamily="2" charset="-127"/>
+              <a:ea typeface="G마켓 산스 TTF Light" panose="02000000000000000000" pitchFamily="2" charset="-127"/>
+            </a:endParaRPr>
+          </a:p>
+          <a:p>
+            <a:pPr algn="ctr"/>
+            <a:r>
+              <a:rPr lang="en-US" altLang="ko-KR" dirty="0" smtClean="0">
+                <a:solidFill>
+                  <a:schemeClr val="tx1"/>
+                </a:solidFill>
+                <a:latin typeface="G마켓 산스 TTF Light" panose="02000000000000000000" pitchFamily="2" charset="-127"/>
+                <a:ea typeface="G마켓 산스 TTF Light" panose="02000000000000000000" pitchFamily="2" charset="-127"/>
+              </a:rPr>
+              <a:t>(</a:t>
+            </a:r>
+            <a:r>
+              <a:rPr lang="en-US" altLang="ko-KR" dirty="0" err="1" smtClean="0">
+                <a:solidFill>
+                  <a:schemeClr val="tx1"/>
+                </a:solidFill>
+                <a:latin typeface="G마켓 산스 TTF Light" panose="02000000000000000000" pitchFamily="2" charset="-127"/>
+                <a:ea typeface="G마켓 산스 TTF Light" panose="02000000000000000000" pitchFamily="2" charset="-127"/>
+              </a:rPr>
+              <a:t>PyInstaller</a:t>
+            </a:r>
+            <a:r>
+              <a:rPr lang="en-US" altLang="ko-KR" dirty="0" smtClean="0">
+                <a:solidFill>
+                  <a:schemeClr val="tx1"/>
+                </a:solidFill>
+                <a:latin typeface="G마켓 산스 TTF Light" panose="02000000000000000000" pitchFamily="2" charset="-127"/>
+                <a:ea typeface="G마켓 산스 TTF Light" panose="02000000000000000000" pitchFamily="2" charset="-127"/>
+              </a:rPr>
+              <a:t>)</a:t>
             </a:r>
             <a:endParaRPr lang="ko-KR" altLang="en-US" dirty="0">
-              <a:latin typeface="G마켓 산스 TTF Bold" panose="02000000000000000000" pitchFamily="2" charset="-127"/>
-              <a:ea typeface="G마켓 산스 TTF Bold" panose="02000000000000000000" pitchFamily="2" charset="-127"/>
+              <a:solidFill>
+                <a:schemeClr val="tx1"/>
+              </a:solidFill>
+              <a:latin typeface="G마켓 산스 TTF Light" panose="02000000000000000000" pitchFamily="2" charset="-127"/>
+              <a:ea typeface="G마켓 산스 TTF Light" panose="02000000000000000000" pitchFamily="2" charset="-127"/>
+            </a:endParaRPr>
+          </a:p>
+        </p:txBody>
+      </p:sp>
+      <p:sp>
+        <p:nvSpPr>
+          <p:cNvPr id="29" name="아래쪽 화살표 28"/>
+          <p:cNvSpPr/>
+          <p:nvPr/>
+        </p:nvSpPr>
+        <p:spPr>
+          <a:xfrm>
+            <a:off x="8141067" y="3245887"/>
+            <a:ext cx="313765" cy="377847"/>
+          </a:xfrm>
+          <a:prstGeom prst="downArrow">
+            <a:avLst/>
+          </a:prstGeom>
+        </p:spPr>
+        <p:style>
+          <a:lnRef idx="2">
+            <a:schemeClr val="accent1">
+              <a:shade val="50000"/>
+            </a:schemeClr>
+          </a:lnRef>
+          <a:fillRef idx="1">
+            <a:schemeClr val="accent1"/>
+          </a:fillRef>
+          <a:effectRef idx="0">
+            <a:schemeClr val="accent1"/>
+          </a:effectRef>
+          <a:fontRef idx="minor">
+            <a:schemeClr val="lt1"/>
+          </a:fontRef>
+        </p:style>
+        <p:txBody>
+          <a:bodyPr rtlCol="0" anchor="ctr"/>
+          <a:lstStyle/>
+          <a:p>
+            <a:pPr algn="ctr"/>
+            <a:endParaRPr lang="ko-KR" altLang="en-US"/>
+          </a:p>
+        </p:txBody>
+      </p:sp>
+      <p:sp>
+        <p:nvSpPr>
+          <p:cNvPr id="30" name="직사각형 29"/>
+          <p:cNvSpPr/>
+          <p:nvPr/>
+        </p:nvSpPr>
+        <p:spPr>
+          <a:xfrm>
+            <a:off x="7455268" y="3727558"/>
+            <a:ext cx="1685365" cy="549271"/>
+          </a:xfrm>
+          <a:prstGeom prst="rect">
+            <a:avLst/>
+          </a:prstGeom>
+          <a:solidFill>
+            <a:schemeClr val="bg1"/>
+          </a:solidFill>
+          <a:ln>
+            <a:solidFill>
+              <a:srgbClr val="EA9C00"/>
+            </a:solidFill>
+          </a:ln>
+        </p:spPr>
+        <p:style>
+          <a:lnRef idx="2">
+            <a:schemeClr val="accent1">
+              <a:shade val="50000"/>
+            </a:schemeClr>
+          </a:lnRef>
+          <a:fillRef idx="1">
+            <a:schemeClr val="accent1"/>
+          </a:fillRef>
+          <a:effectRef idx="0">
+            <a:schemeClr val="accent1"/>
+          </a:effectRef>
+          <a:fontRef idx="minor">
+            <a:schemeClr val="lt1"/>
+          </a:fontRef>
+        </p:style>
+        <p:txBody>
+          <a:bodyPr rtlCol="0" anchor="ctr"/>
+          <a:lstStyle/>
+          <a:p>
+            <a:pPr algn="ctr"/>
+            <a:r>
+              <a:rPr lang="ko-KR" altLang="en-US" dirty="0" err="1" smtClean="0">
+                <a:solidFill>
+                  <a:schemeClr val="tx1"/>
+                </a:solidFill>
+                <a:latin typeface="G마켓 산스 TTF Light" panose="02000000000000000000" pitchFamily="2" charset="-127"/>
+                <a:ea typeface="G마켓 산스 TTF Light" panose="02000000000000000000" pitchFamily="2" charset="-127"/>
+              </a:rPr>
+              <a:t>스캐줄러</a:t>
+            </a:r>
+            <a:endParaRPr lang="en-US" altLang="ko-KR" dirty="0">
+              <a:solidFill>
+                <a:schemeClr val="tx1"/>
+              </a:solidFill>
+              <a:latin typeface="G마켓 산스 TTF Light" panose="02000000000000000000" pitchFamily="2" charset="-127"/>
+              <a:ea typeface="G마켓 산스 TTF Light" panose="02000000000000000000" pitchFamily="2" charset="-127"/>
+            </a:endParaRPr>
+          </a:p>
+          <a:p>
+            <a:pPr algn="ctr"/>
+            <a:r>
+              <a:rPr lang="en-US" altLang="ko-KR" dirty="0" smtClean="0">
+                <a:solidFill>
+                  <a:schemeClr val="tx1"/>
+                </a:solidFill>
+                <a:latin typeface="G마켓 산스 TTF Light" panose="02000000000000000000" pitchFamily="2" charset="-127"/>
+                <a:ea typeface="G마켓 산스 TTF Light" panose="02000000000000000000" pitchFamily="2" charset="-127"/>
+              </a:rPr>
+              <a:t>(</a:t>
+            </a:r>
+            <a:r>
+              <a:rPr lang="en-US" altLang="ko-KR" dirty="0" err="1" smtClean="0">
+                <a:solidFill>
+                  <a:schemeClr val="tx1"/>
+                </a:solidFill>
+                <a:latin typeface="G마켓 산스 TTF Light" panose="02000000000000000000" pitchFamily="2" charset="-127"/>
+                <a:ea typeface="G마켓 산스 TTF Light" panose="02000000000000000000" pitchFamily="2" charset="-127"/>
+              </a:rPr>
+              <a:t>nnCron</a:t>
+            </a:r>
+            <a:r>
+              <a:rPr lang="en-US" altLang="ko-KR" dirty="0" smtClean="0">
+                <a:solidFill>
+                  <a:schemeClr val="tx1"/>
+                </a:solidFill>
+                <a:latin typeface="G마켓 산스 TTF Light" panose="02000000000000000000" pitchFamily="2" charset="-127"/>
+                <a:ea typeface="G마켓 산스 TTF Light" panose="02000000000000000000" pitchFamily="2" charset="-127"/>
+              </a:rPr>
+              <a:t>)</a:t>
+            </a:r>
+            <a:endParaRPr lang="ko-KR" altLang="en-US" dirty="0">
+              <a:solidFill>
+                <a:schemeClr val="tx1"/>
+              </a:solidFill>
+              <a:latin typeface="G마켓 산스 TTF Light" panose="02000000000000000000" pitchFamily="2" charset="-127"/>
+              <a:ea typeface="G마켓 산스 TTF Light" panose="02000000000000000000" pitchFamily="2" charset="-127"/>
+            </a:endParaRPr>
+          </a:p>
+        </p:txBody>
+      </p:sp>
+      <p:sp>
+        <p:nvSpPr>
+          <p:cNvPr id="31" name="아래쪽 화살표 30"/>
+          <p:cNvSpPr/>
+          <p:nvPr/>
+        </p:nvSpPr>
+        <p:spPr>
+          <a:xfrm>
+            <a:off x="8141065" y="4380653"/>
+            <a:ext cx="313765" cy="377847"/>
+          </a:xfrm>
+          <a:prstGeom prst="downArrow">
+            <a:avLst/>
+          </a:prstGeom>
+        </p:spPr>
+        <p:style>
+          <a:lnRef idx="2">
+            <a:schemeClr val="accent1">
+              <a:shade val="50000"/>
+            </a:schemeClr>
+          </a:lnRef>
+          <a:fillRef idx="1">
+            <a:schemeClr val="accent1"/>
+          </a:fillRef>
+          <a:effectRef idx="0">
+            <a:schemeClr val="accent1"/>
+          </a:effectRef>
+          <a:fontRef idx="minor">
+            <a:schemeClr val="lt1"/>
+          </a:fontRef>
+        </p:style>
+        <p:txBody>
+          <a:bodyPr rtlCol="0" anchor="ctr"/>
+          <a:lstStyle/>
+          <a:p>
+            <a:pPr algn="ctr"/>
+            <a:endParaRPr lang="ko-KR" altLang="en-US"/>
+          </a:p>
+        </p:txBody>
+      </p:sp>
+      <p:sp>
+        <p:nvSpPr>
+          <p:cNvPr id="32" name="직사각형 31"/>
+          <p:cNvSpPr/>
+          <p:nvPr/>
+        </p:nvSpPr>
+        <p:spPr>
+          <a:xfrm>
+            <a:off x="7455266" y="4862324"/>
+            <a:ext cx="1685365" cy="799186"/>
+          </a:xfrm>
+          <a:prstGeom prst="rect">
+            <a:avLst/>
+          </a:prstGeom>
+          <a:solidFill>
+            <a:schemeClr val="bg1"/>
+          </a:solidFill>
+          <a:ln>
+            <a:solidFill>
+              <a:srgbClr val="EA9C00"/>
+            </a:solidFill>
+          </a:ln>
+        </p:spPr>
+        <p:style>
+          <a:lnRef idx="2">
+            <a:schemeClr val="accent1">
+              <a:shade val="50000"/>
+            </a:schemeClr>
+          </a:lnRef>
+          <a:fillRef idx="1">
+            <a:schemeClr val="accent1"/>
+          </a:fillRef>
+          <a:effectRef idx="0">
+            <a:schemeClr val="accent1"/>
+          </a:effectRef>
+          <a:fontRef idx="minor">
+            <a:schemeClr val="lt1"/>
+          </a:fontRef>
+        </p:style>
+        <p:txBody>
+          <a:bodyPr rtlCol="0" anchor="ctr"/>
+          <a:lstStyle/>
+          <a:p>
+            <a:pPr algn="ctr"/>
+            <a:r>
+              <a:rPr lang="en-US" altLang="ko-KR" dirty="0" smtClean="0">
+                <a:solidFill>
+                  <a:schemeClr val="tx1"/>
+                </a:solidFill>
+                <a:latin typeface="G마켓 산스 TTF Light" panose="02000000000000000000" pitchFamily="2" charset="-127"/>
+                <a:ea typeface="G마켓 산스 TTF Light" panose="02000000000000000000" pitchFamily="2" charset="-127"/>
+              </a:rPr>
+              <a:t>1</a:t>
+            </a:r>
+            <a:r>
+              <a:rPr lang="ko-KR" altLang="en-US" dirty="0" smtClean="0">
+                <a:solidFill>
+                  <a:schemeClr val="tx1"/>
+                </a:solidFill>
+                <a:latin typeface="G마켓 산스 TTF Light" panose="02000000000000000000" pitchFamily="2" charset="-127"/>
+                <a:ea typeface="G마켓 산스 TTF Light" panose="02000000000000000000" pitchFamily="2" charset="-127"/>
+              </a:rPr>
+              <a:t>일 </a:t>
+            </a:r>
+            <a:r>
+              <a:rPr lang="en-US" altLang="ko-KR" dirty="0" smtClean="0">
+                <a:solidFill>
+                  <a:schemeClr val="tx1"/>
+                </a:solidFill>
+                <a:latin typeface="G마켓 산스 TTF Light" panose="02000000000000000000" pitchFamily="2" charset="-127"/>
+                <a:ea typeface="G마켓 산스 TTF Light" panose="02000000000000000000" pitchFamily="2" charset="-127"/>
+              </a:rPr>
+              <a:t>n</a:t>
+            </a:r>
+            <a:r>
+              <a:rPr lang="ko-KR" altLang="en-US" dirty="0" smtClean="0">
+                <a:solidFill>
+                  <a:schemeClr val="tx1"/>
+                </a:solidFill>
+                <a:latin typeface="G마켓 산스 TTF Light" panose="02000000000000000000" pitchFamily="2" charset="-127"/>
+                <a:ea typeface="G마켓 산스 TTF Light" panose="02000000000000000000" pitchFamily="2" charset="-127"/>
+              </a:rPr>
+              <a:t>회</a:t>
+            </a:r>
+            <a:endParaRPr lang="en-US" altLang="ko-KR" dirty="0" smtClean="0">
+              <a:solidFill>
+                <a:schemeClr val="tx1"/>
+              </a:solidFill>
+              <a:latin typeface="G마켓 산스 TTF Light" panose="02000000000000000000" pitchFamily="2" charset="-127"/>
+              <a:ea typeface="G마켓 산스 TTF Light" panose="02000000000000000000" pitchFamily="2" charset="-127"/>
+            </a:endParaRPr>
+          </a:p>
+          <a:p>
+            <a:pPr algn="ctr"/>
+            <a:r>
+              <a:rPr lang="en-US" altLang="ko-KR" dirty="0" err="1" smtClean="0">
+                <a:solidFill>
+                  <a:schemeClr val="tx1"/>
+                </a:solidFill>
+                <a:latin typeface="G마켓 산스 TTF Light" panose="02000000000000000000" pitchFamily="2" charset="-127"/>
+                <a:ea typeface="G마켓 산스 TTF Light" panose="02000000000000000000" pitchFamily="2" charset="-127"/>
+              </a:rPr>
+              <a:t>hhUTC</a:t>
+            </a:r>
+            <a:r>
+              <a:rPr lang="en-US" altLang="ko-KR" dirty="0" smtClean="0">
+                <a:solidFill>
+                  <a:schemeClr val="tx1"/>
+                </a:solidFill>
+                <a:latin typeface="G마켓 산스 TTF Light" panose="02000000000000000000" pitchFamily="2" charset="-127"/>
+                <a:ea typeface="G마켓 산스 TTF Light" panose="02000000000000000000" pitchFamily="2" charset="-127"/>
+              </a:rPr>
+              <a:t> </a:t>
+            </a:r>
+            <a:r>
+              <a:rPr lang="ko-KR" altLang="en-US" dirty="0" smtClean="0">
+                <a:solidFill>
+                  <a:schemeClr val="tx1"/>
+                </a:solidFill>
+                <a:latin typeface="G마켓 산스 TTF Light" panose="02000000000000000000" pitchFamily="2" charset="-127"/>
+                <a:ea typeface="G마켓 산스 TTF Light" panose="02000000000000000000" pitchFamily="2" charset="-127"/>
+              </a:rPr>
+              <a:t>설정</a:t>
+            </a:r>
+            <a:endParaRPr lang="ko-KR" altLang="en-US" dirty="0">
+              <a:solidFill>
+                <a:schemeClr val="tx1"/>
+              </a:solidFill>
+              <a:latin typeface="G마켓 산스 TTF Light" panose="02000000000000000000" pitchFamily="2" charset="-127"/>
+              <a:ea typeface="G마켓 산스 TTF Light" panose="02000000000000000000" pitchFamily="2" charset="-127"/>
             </a:endParaRPr>
           </a:p>
         </p:txBody>
@@ -6201,7 +7383,7 @@
     </p:spTree>
     <p:extLst>
       <p:ext uri="{BB962C8B-B14F-4D97-AF65-F5344CB8AC3E}">
-        <p14:creationId xmlns:p14="http://schemas.microsoft.com/office/powerpoint/2010/main" val="214286235"/>
+        <p14:creationId xmlns:p14="http://schemas.microsoft.com/office/powerpoint/2010/main" val="2718395534"/>
       </p:ext>
     </p:extLst>
   </p:cSld>
@@ -6237,30 +7419,23 @@
       </p:grpSpPr>
       <p:sp>
         <p:nvSpPr>
-          <p:cNvPr id="21" name="직사각형 20"/>
+          <p:cNvPr id="9" name="직사각형 8"/>
           <p:cNvSpPr/>
           <p:nvPr/>
         </p:nvSpPr>
         <p:spPr>
           <a:xfrm>
-            <a:off x="4332386" y="1367053"/>
-            <a:ext cx="1862480" cy="4495865"/>
+            <a:off x="0" y="1845275"/>
+            <a:ext cx="12191999" cy="2026508"/>
           </a:xfrm>
           <a:prstGeom prst="rect">
             <a:avLst/>
           </a:prstGeom>
           <a:solidFill>
-            <a:schemeClr val="accent4">
-              <a:lumMod val="40000"/>
-              <a:lumOff val="60000"/>
-            </a:schemeClr>
+            <a:schemeClr val="accent4"/>
           </a:solidFill>
           <a:ln>
-            <a:solidFill>
-              <a:schemeClr val="accent4">
-                <a:lumMod val="50000"/>
-              </a:schemeClr>
-            </a:solidFill>
+            <a:noFill/>
           </a:ln>
         </p:spPr>
         <p:style>
@@ -6280,116 +7455,11 @@
           </a:fontRef>
         </p:style>
         <p:txBody>
-          <a:bodyPr rtlCol="0" anchor="t"/>
+          <a:bodyPr rtlCol="0" anchor="ctr"/>
           <a:lstStyle/>
           <a:p>
             <a:pPr algn="ctr"/>
-            <a:r>
-              <a:rPr lang="en-US" altLang="ko-KR" sz="2000" dirty="0" smtClean="0">
-                <a:solidFill>
-                  <a:schemeClr val="tx1"/>
-                </a:solidFill>
-                <a:latin typeface="G마켓 산스 TTF Medium" panose="02000000000000000000" pitchFamily="2" charset="-127"/>
-                <a:ea typeface="G마켓 산스 TTF Medium" panose="02000000000000000000" pitchFamily="2" charset="-127"/>
-              </a:rPr>
-              <a:t>Data </a:t>
-            </a:r>
-            <a:r>
-              <a:rPr lang="ko-KR" altLang="en-US" sz="2000" dirty="0" smtClean="0">
-                <a:solidFill>
-                  <a:schemeClr val="tx1"/>
-                </a:solidFill>
-                <a:latin typeface="G마켓 산스 TTF Medium" panose="02000000000000000000" pitchFamily="2" charset="-127"/>
-                <a:ea typeface="G마켓 산스 TTF Medium" panose="02000000000000000000" pitchFamily="2" charset="-127"/>
-              </a:rPr>
-              <a:t>수집</a:t>
-            </a:r>
-            <a:endParaRPr lang="en-US" altLang="ko-KR" sz="2000" dirty="0" smtClean="0">
-              <a:solidFill>
-                <a:schemeClr val="tx1"/>
-              </a:solidFill>
-              <a:latin typeface="G마켓 산스 TTF Medium" panose="02000000000000000000" pitchFamily="2" charset="-127"/>
-              <a:ea typeface="G마켓 산스 TTF Medium" panose="02000000000000000000" pitchFamily="2" charset="-127"/>
-            </a:endParaRPr>
-          </a:p>
-        </p:txBody>
-      </p:sp>
-      <p:sp>
-        <p:nvSpPr>
-          <p:cNvPr id="20" name="직사각형 19"/>
-          <p:cNvSpPr/>
-          <p:nvPr/>
-        </p:nvSpPr>
-        <p:spPr>
-          <a:xfrm>
-            <a:off x="1451556" y="1367053"/>
-            <a:ext cx="1736243" cy="4495865"/>
-          </a:xfrm>
-          <a:prstGeom prst="rect">
-            <a:avLst/>
-          </a:prstGeom>
-          <a:solidFill>
-            <a:schemeClr val="accent4">
-              <a:lumMod val="40000"/>
-              <a:lumOff val="60000"/>
-            </a:schemeClr>
-          </a:solidFill>
-          <a:ln>
-            <a:solidFill>
-              <a:schemeClr val="accent4">
-                <a:lumMod val="50000"/>
-              </a:schemeClr>
-            </a:solidFill>
-          </a:ln>
-        </p:spPr>
-        <p:style>
-          <a:lnRef idx="2">
-            <a:schemeClr val="accent1">
-              <a:shade val="50000"/>
-            </a:schemeClr>
-          </a:lnRef>
-          <a:fillRef idx="1">
-            <a:schemeClr val="accent1"/>
-          </a:fillRef>
-          <a:effectRef idx="0">
-            <a:schemeClr val="accent1"/>
-          </a:effectRef>
-          <a:fontRef idx="minor">
-            <a:schemeClr val="lt1"/>
-          </a:fontRef>
-        </p:style>
-        <p:txBody>
-          <a:bodyPr rtlCol="0" anchor="t"/>
-          <a:lstStyle/>
-          <a:p>
-            <a:pPr algn="ctr"/>
-            <a:r>
-              <a:rPr lang="en-US" altLang="ko-KR" sz="2000" dirty="0" smtClean="0">
-                <a:solidFill>
-                  <a:schemeClr val="tx1"/>
-                </a:solidFill>
-                <a:latin typeface="G마켓 산스 TTF Medium" panose="02000000000000000000" pitchFamily="2" charset="-127"/>
-                <a:ea typeface="G마켓 산스 TTF Medium" panose="02000000000000000000" pitchFamily="2" charset="-127"/>
-              </a:rPr>
-              <a:t>Data </a:t>
-            </a:r>
-            <a:r>
-              <a:rPr lang="ko-KR" altLang="en-US" sz="2000" dirty="0" smtClean="0">
-                <a:solidFill>
-                  <a:schemeClr val="tx1"/>
-                </a:solidFill>
-                <a:latin typeface="G마켓 산스 TTF Medium" panose="02000000000000000000" pitchFamily="2" charset="-127"/>
-                <a:ea typeface="G마켓 산스 TTF Medium" panose="02000000000000000000" pitchFamily="2" charset="-127"/>
-              </a:rPr>
-              <a:t>선정</a:t>
-            </a:r>
-            <a:endParaRPr lang="en-US" altLang="ko-KR" sz="2000" dirty="0" smtClean="0">
-              <a:solidFill>
-                <a:schemeClr val="tx1"/>
-              </a:solidFill>
-              <a:latin typeface="G마켓 산스 TTF Medium" panose="02000000000000000000" pitchFamily="2" charset="-127"/>
-              <a:ea typeface="G마켓 산스 TTF Medium" panose="02000000000000000000" pitchFamily="2" charset="-127"/>
-            </a:endParaRPr>
+            <a:endParaRPr lang="ko-KR" altLang="en-US"/>
           </a:p>
         </p:txBody>
       </p:sp>
@@ -6405,1324 +7475,32 @@
         </p:nvSpPr>
         <p:spPr>
           <a:xfrm>
-            <a:off x="626076" y="362466"/>
-            <a:ext cx="11565924" cy="543696"/>
-          </a:xfrm>
-        </p:spPr>
-        <p:txBody>
-          <a:bodyPr>
-            <a:noAutofit/>
-          </a:bodyPr>
+            <a:off x="986118" y="2008094"/>
+            <a:ext cx="9144000" cy="1420906"/>
+          </a:xfrm>
+        </p:spPr>
+        <p:txBody>
+          <a:bodyPr/>
           <a:lstStyle/>
           <a:p>
             <a:pPr algn="l"/>
             <a:r>
-              <a:rPr lang="en-US" altLang="ko-KR" sz="3200" dirty="0" smtClean="0">
+              <a:rPr lang="en-US" altLang="ko-KR" sz="5400" dirty="0" smtClean="0">
                 <a:latin typeface="G마켓 산스 TTF Medium" panose="02000000000000000000" pitchFamily="2" charset="-127"/>
                 <a:ea typeface="G마켓 산스 TTF Medium" panose="02000000000000000000" pitchFamily="2" charset="-127"/>
               </a:rPr>
-              <a:t>Load map</a:t>
-            </a:r>
-            <a:endParaRPr lang="ko-KR" altLang="en-US" sz="3200" dirty="0">
-              <a:latin typeface="G마켓 산스 TTF Medium" panose="02000000000000000000" pitchFamily="2" charset="-127"/>
-              <a:ea typeface="G마켓 산스 TTF Medium" panose="02000000000000000000" pitchFamily="2" charset="-127"/>
-            </a:endParaRPr>
-          </a:p>
-        </p:txBody>
-      </p:sp>
-      <p:sp>
-        <p:nvSpPr>
-          <p:cNvPr id="4" name="직사각형 3"/>
-          <p:cNvSpPr/>
-          <p:nvPr/>
-        </p:nvSpPr>
-        <p:spPr>
-          <a:xfrm>
-            <a:off x="543697" y="362466"/>
-            <a:ext cx="74141" cy="428366"/>
-          </a:xfrm>
-          <a:prstGeom prst="rect">
-            <a:avLst/>
-          </a:prstGeom>
-          <a:solidFill>
-            <a:srgbClr val="EA9C00"/>
-          </a:solidFill>
-          <a:ln>
-            <a:noFill/>
-          </a:ln>
-        </p:spPr>
-        <p:style>
-          <a:lnRef idx="2">
-            <a:schemeClr val="accent1">
-              <a:shade val="50000"/>
-            </a:schemeClr>
-          </a:lnRef>
-          <a:fillRef idx="1">
-            <a:schemeClr val="accent1"/>
-          </a:fillRef>
-          <a:effectRef idx="0">
-            <a:schemeClr val="accent1"/>
-          </a:effectRef>
-          <a:fontRef idx="minor">
-            <a:schemeClr val="lt1"/>
-          </a:fontRef>
-        </p:style>
-        <p:txBody>
-          <a:bodyPr rtlCol="0" anchor="ctr"/>
-          <a:lstStyle/>
-          <a:p>
-            <a:pPr algn="ctr"/>
-            <a:endParaRPr lang="ko-KR" altLang="en-US">
-              <a:solidFill>
-                <a:schemeClr val="accent4">
-                  <a:lumMod val="75000"/>
-                </a:schemeClr>
-              </a:solidFill>
-            </a:endParaRPr>
-          </a:p>
-        </p:txBody>
-      </p:sp>
-      <p:cxnSp>
-        <p:nvCxnSpPr>
-          <p:cNvPr id="9" name="직선 연결선 8"/>
-          <p:cNvCxnSpPr/>
-          <p:nvPr/>
-        </p:nvCxnSpPr>
-        <p:spPr>
-          <a:xfrm>
-            <a:off x="626076" y="906162"/>
-            <a:ext cx="11565924" cy="0"/>
-          </a:xfrm>
-          <a:prstGeom prst="line">
-            <a:avLst/>
-          </a:prstGeom>
-        </p:spPr>
-        <p:style>
-          <a:lnRef idx="1">
-            <a:schemeClr val="accent4"/>
-          </a:lnRef>
-          <a:fillRef idx="0">
-            <a:schemeClr val="accent4"/>
-          </a:fillRef>
-          <a:effectRef idx="0">
-            <a:schemeClr val="accent4"/>
-          </a:effectRef>
-          <a:fontRef idx="minor">
-            <a:schemeClr val="tx1"/>
-          </a:fontRef>
-        </p:style>
-      </p:cxnSp>
-      <p:sp>
-        <p:nvSpPr>
-          <p:cNvPr id="3" name="직사각형 2"/>
-          <p:cNvSpPr/>
-          <p:nvPr/>
-        </p:nvSpPr>
-        <p:spPr>
-          <a:xfrm>
-            <a:off x="1641273" y="2311682"/>
-            <a:ext cx="1356821" cy="825966"/>
-          </a:xfrm>
-          <a:prstGeom prst="rect">
-            <a:avLst/>
-          </a:prstGeom>
-          <a:solidFill>
-            <a:schemeClr val="bg1"/>
-          </a:solidFill>
-          <a:ln>
-            <a:solidFill>
-              <a:srgbClr val="EA9C00"/>
-            </a:solidFill>
-          </a:ln>
-        </p:spPr>
-        <p:style>
-          <a:lnRef idx="2">
-            <a:schemeClr val="accent1">
-              <a:shade val="50000"/>
-            </a:schemeClr>
-          </a:lnRef>
-          <a:fillRef idx="1">
-            <a:schemeClr val="accent1"/>
-          </a:fillRef>
-          <a:effectRef idx="0">
-            <a:schemeClr val="accent1"/>
-          </a:effectRef>
-          <a:fontRef idx="minor">
-            <a:schemeClr val="lt1"/>
-          </a:fontRef>
-        </p:style>
-        <p:txBody>
-          <a:bodyPr rtlCol="0" anchor="ctr"/>
-          <a:lstStyle/>
-          <a:p>
-            <a:pPr algn="ctr"/>
-            <a:r>
-              <a:rPr lang="ko-KR" altLang="en-US" dirty="0" err="1" smtClean="0">
-                <a:solidFill>
-                  <a:schemeClr val="tx1"/>
-                </a:solidFill>
-                <a:latin typeface="G마켓 산스 TTF Light" panose="02000000000000000000" pitchFamily="2" charset="-127"/>
-                <a:ea typeface="G마켓 산스 TTF Light" panose="02000000000000000000" pitchFamily="2" charset="-127"/>
-              </a:rPr>
-              <a:t>현거래</a:t>
-            </a:r>
-            <a:endParaRPr lang="en-US" altLang="ko-KR" dirty="0">
-              <a:solidFill>
-                <a:schemeClr val="tx1"/>
-              </a:solidFill>
-              <a:latin typeface="G마켓 산스 TTF Light" panose="02000000000000000000" pitchFamily="2" charset="-127"/>
-              <a:ea typeface="G마켓 산스 TTF Light" panose="02000000000000000000" pitchFamily="2" charset="-127"/>
-            </a:endParaRPr>
-          </a:p>
-          <a:p>
-            <a:pPr algn="ctr"/>
-            <a:r>
-              <a:rPr lang="ko-KR" altLang="en-US" dirty="0" smtClean="0">
-                <a:solidFill>
-                  <a:schemeClr val="tx1"/>
-                </a:solidFill>
-                <a:latin typeface="G마켓 산스 TTF Light" panose="02000000000000000000" pitchFamily="2" charset="-127"/>
-                <a:ea typeface="G마켓 산스 TTF Light" panose="02000000000000000000" pitchFamily="2" charset="-127"/>
-              </a:rPr>
-              <a:t>사이트 선정</a:t>
-            </a:r>
-            <a:endParaRPr lang="ko-KR" altLang="en-US" dirty="0">
-              <a:solidFill>
-                <a:schemeClr val="tx1"/>
-              </a:solidFill>
-              <a:latin typeface="G마켓 산스 TTF Light" panose="02000000000000000000" pitchFamily="2" charset="-127"/>
-              <a:ea typeface="G마켓 산스 TTF Light" panose="02000000000000000000" pitchFamily="2" charset="-127"/>
-            </a:endParaRPr>
-          </a:p>
-        </p:txBody>
-      </p:sp>
-      <p:sp>
-        <p:nvSpPr>
-          <p:cNvPr id="7" name="직사각형 6"/>
-          <p:cNvSpPr/>
-          <p:nvPr/>
-        </p:nvSpPr>
-        <p:spPr>
-          <a:xfrm>
-            <a:off x="1641272" y="3737917"/>
-            <a:ext cx="1356821" cy="549271"/>
-          </a:xfrm>
-          <a:prstGeom prst="rect">
-            <a:avLst/>
-          </a:prstGeom>
-          <a:solidFill>
-            <a:schemeClr val="bg1"/>
-          </a:solidFill>
-          <a:ln>
-            <a:solidFill>
-              <a:srgbClr val="EA9C00"/>
-            </a:solidFill>
-          </a:ln>
-        </p:spPr>
-        <p:style>
-          <a:lnRef idx="2">
-            <a:schemeClr val="accent1">
-              <a:shade val="50000"/>
-            </a:schemeClr>
-          </a:lnRef>
-          <a:fillRef idx="1">
-            <a:schemeClr val="accent1"/>
-          </a:fillRef>
-          <a:effectRef idx="0">
-            <a:schemeClr val="accent1"/>
-          </a:effectRef>
-          <a:fontRef idx="minor">
-            <a:schemeClr val="lt1"/>
-          </a:fontRef>
-        </p:style>
-        <p:txBody>
-          <a:bodyPr rtlCol="0" anchor="ctr"/>
-          <a:lstStyle/>
-          <a:p>
-            <a:pPr algn="ctr"/>
-            <a:r>
-              <a:rPr lang="ko-KR" altLang="en-US" dirty="0" smtClean="0">
-                <a:solidFill>
-                  <a:schemeClr val="tx1"/>
-                </a:solidFill>
-                <a:latin typeface="G마켓 산스 TTF Light" panose="02000000000000000000" pitchFamily="2" charset="-127"/>
-                <a:ea typeface="G마켓 산스 TTF Light" panose="02000000000000000000" pitchFamily="2" charset="-127"/>
-              </a:rPr>
-              <a:t>종목 탐색</a:t>
-            </a:r>
-            <a:endParaRPr lang="ko-KR" altLang="en-US" dirty="0">
-              <a:solidFill>
-                <a:schemeClr val="tx1"/>
-              </a:solidFill>
-              <a:latin typeface="G마켓 산스 TTF Light" panose="02000000000000000000" pitchFamily="2" charset="-127"/>
-              <a:ea typeface="G마켓 산스 TTF Light" panose="02000000000000000000" pitchFamily="2" charset="-127"/>
-            </a:endParaRPr>
-          </a:p>
-        </p:txBody>
-      </p:sp>
-      <p:sp>
-        <p:nvSpPr>
-          <p:cNvPr id="8" name="직사각형 7"/>
-          <p:cNvSpPr/>
-          <p:nvPr/>
-        </p:nvSpPr>
-        <p:spPr>
-          <a:xfrm>
-            <a:off x="1641268" y="4887457"/>
-            <a:ext cx="1356821" cy="769636"/>
-          </a:xfrm>
-          <a:prstGeom prst="rect">
-            <a:avLst/>
-          </a:prstGeom>
-          <a:solidFill>
-            <a:schemeClr val="bg1"/>
-          </a:solidFill>
-          <a:ln>
-            <a:solidFill>
-              <a:srgbClr val="EA9C00"/>
-            </a:solidFill>
-          </a:ln>
-        </p:spPr>
-        <p:style>
-          <a:lnRef idx="2">
-            <a:schemeClr val="accent1">
-              <a:shade val="50000"/>
-            </a:schemeClr>
-          </a:lnRef>
-          <a:fillRef idx="1">
-            <a:schemeClr val="accent1"/>
-          </a:fillRef>
-          <a:effectRef idx="0">
-            <a:schemeClr val="accent1"/>
-          </a:effectRef>
-          <a:fontRef idx="minor">
-            <a:schemeClr val="lt1"/>
-          </a:fontRef>
-        </p:style>
-        <p:txBody>
-          <a:bodyPr rtlCol="0" anchor="ctr"/>
-          <a:lstStyle/>
-          <a:p>
-            <a:pPr algn="ctr"/>
-            <a:r>
-              <a:rPr lang="ko-KR" altLang="en-US" dirty="0" err="1" smtClean="0">
-                <a:solidFill>
-                  <a:schemeClr val="tx1"/>
-                </a:solidFill>
-                <a:latin typeface="G마켓 산스 TTF Light" panose="02000000000000000000" pitchFamily="2" charset="-127"/>
-                <a:ea typeface="G마켓 산스 TTF Light" panose="02000000000000000000" pitchFamily="2" charset="-127"/>
-              </a:rPr>
-              <a:t>크롤링</a:t>
-            </a:r>
-            <a:endParaRPr lang="en-US" altLang="ko-KR" dirty="0" smtClean="0">
-              <a:solidFill>
-                <a:schemeClr val="tx1"/>
-              </a:solidFill>
-              <a:latin typeface="G마켓 산스 TTF Light" panose="02000000000000000000" pitchFamily="2" charset="-127"/>
-              <a:ea typeface="G마켓 산스 TTF Light" panose="02000000000000000000" pitchFamily="2" charset="-127"/>
-            </a:endParaRPr>
-          </a:p>
-          <a:p>
-            <a:pPr algn="ctr"/>
-            <a:r>
-              <a:rPr lang="ko-KR" altLang="en-US" dirty="0" smtClean="0">
-                <a:solidFill>
-                  <a:schemeClr val="tx1"/>
-                </a:solidFill>
-                <a:latin typeface="G마켓 산스 TTF Light" panose="02000000000000000000" pitchFamily="2" charset="-127"/>
-                <a:ea typeface="G마켓 산스 TTF Light" panose="02000000000000000000" pitchFamily="2" charset="-127"/>
-              </a:rPr>
-              <a:t>도구 선택</a:t>
-            </a:r>
-            <a:endParaRPr lang="ko-KR" altLang="en-US" dirty="0">
-              <a:solidFill>
-                <a:schemeClr val="tx1"/>
-              </a:solidFill>
-              <a:latin typeface="G마켓 산스 TTF Light" panose="02000000000000000000" pitchFamily="2" charset="-127"/>
-              <a:ea typeface="G마켓 산스 TTF Light" panose="02000000000000000000" pitchFamily="2" charset="-127"/>
-            </a:endParaRPr>
-          </a:p>
-        </p:txBody>
-      </p:sp>
-      <p:sp>
-        <p:nvSpPr>
-          <p:cNvPr id="5" name="아래쪽 화살표 4"/>
-          <p:cNvSpPr/>
-          <p:nvPr/>
-        </p:nvSpPr>
-        <p:spPr>
-          <a:xfrm>
-            <a:off x="2162797" y="3241471"/>
-            <a:ext cx="313765" cy="377847"/>
-          </a:xfrm>
-          <a:prstGeom prst="downArrow">
-            <a:avLst/>
-          </a:prstGeom>
-        </p:spPr>
-        <p:style>
-          <a:lnRef idx="2">
-            <a:schemeClr val="accent1">
-              <a:shade val="50000"/>
-            </a:schemeClr>
-          </a:lnRef>
-          <a:fillRef idx="1">
-            <a:schemeClr val="accent1"/>
-          </a:fillRef>
-          <a:effectRef idx="0">
-            <a:schemeClr val="accent1"/>
-          </a:effectRef>
-          <a:fontRef idx="minor">
-            <a:schemeClr val="lt1"/>
-          </a:fontRef>
-        </p:style>
-        <p:txBody>
-          <a:bodyPr rtlCol="0" anchor="ctr"/>
-          <a:lstStyle/>
-          <a:p>
-            <a:pPr algn="ctr"/>
-            <a:endParaRPr lang="ko-KR" altLang="en-US"/>
-          </a:p>
-        </p:txBody>
-      </p:sp>
-      <p:sp>
-        <p:nvSpPr>
-          <p:cNvPr id="10" name="아래쪽 화살표 9"/>
-          <p:cNvSpPr/>
-          <p:nvPr/>
-        </p:nvSpPr>
-        <p:spPr>
-          <a:xfrm>
-            <a:off x="2162797" y="4400185"/>
-            <a:ext cx="313765" cy="377847"/>
-          </a:xfrm>
-          <a:prstGeom prst="downArrow">
-            <a:avLst/>
-          </a:prstGeom>
-        </p:spPr>
-        <p:style>
-          <a:lnRef idx="2">
-            <a:schemeClr val="accent1">
-              <a:shade val="50000"/>
-            </a:schemeClr>
-          </a:lnRef>
-          <a:fillRef idx="1">
-            <a:schemeClr val="accent1"/>
-          </a:fillRef>
-          <a:effectRef idx="0">
-            <a:schemeClr val="accent1"/>
-          </a:effectRef>
-          <a:fontRef idx="minor">
-            <a:schemeClr val="lt1"/>
-          </a:fontRef>
-        </p:style>
-        <p:txBody>
-          <a:bodyPr rtlCol="0" anchor="ctr"/>
-          <a:lstStyle/>
-          <a:p>
-            <a:pPr algn="ctr"/>
-            <a:endParaRPr lang="ko-KR" altLang="en-US"/>
-          </a:p>
-        </p:txBody>
-      </p:sp>
-      <p:sp>
-        <p:nvSpPr>
-          <p:cNvPr id="11" name="오른쪽 화살표 10"/>
-          <p:cNvSpPr/>
-          <p:nvPr/>
-        </p:nvSpPr>
-        <p:spPr>
-          <a:xfrm>
-            <a:off x="3302893" y="3534821"/>
-            <a:ext cx="950259" cy="547453"/>
-          </a:xfrm>
-          <a:prstGeom prst="rightArrow">
-            <a:avLst/>
-          </a:prstGeom>
-          <a:solidFill>
-            <a:srgbClr val="EA9C00"/>
-          </a:solidFill>
-          <a:ln>
-            <a:solidFill>
-              <a:schemeClr val="accent4">
-                <a:lumMod val="50000"/>
-              </a:schemeClr>
-            </a:solidFill>
-          </a:ln>
-        </p:spPr>
-        <p:style>
-          <a:lnRef idx="2">
-            <a:schemeClr val="accent1">
-              <a:shade val="50000"/>
-            </a:schemeClr>
-          </a:lnRef>
-          <a:fillRef idx="1">
-            <a:schemeClr val="accent1"/>
-          </a:fillRef>
-          <a:effectRef idx="0">
-            <a:schemeClr val="accent1"/>
-          </a:effectRef>
-          <a:fontRef idx="minor">
-            <a:schemeClr val="lt1"/>
-          </a:fontRef>
-        </p:style>
-        <p:txBody>
-          <a:bodyPr rtlCol="0" anchor="ctr"/>
-          <a:lstStyle/>
-          <a:p>
-            <a:pPr algn="ctr"/>
-            <a:endParaRPr lang="ko-KR" altLang="en-US"/>
-          </a:p>
-        </p:txBody>
-      </p:sp>
-      <p:sp>
-        <p:nvSpPr>
-          <p:cNvPr id="13" name="직사각형 12"/>
-          <p:cNvSpPr/>
-          <p:nvPr/>
-        </p:nvSpPr>
-        <p:spPr>
-          <a:xfrm>
-            <a:off x="4412339" y="2311681"/>
-            <a:ext cx="1685365" cy="825965"/>
-          </a:xfrm>
-          <a:prstGeom prst="rect">
-            <a:avLst/>
-          </a:prstGeom>
-          <a:solidFill>
-            <a:schemeClr val="bg1"/>
-          </a:solidFill>
-          <a:ln>
-            <a:solidFill>
-              <a:srgbClr val="EA9C00"/>
-            </a:solidFill>
-          </a:ln>
-        </p:spPr>
-        <p:style>
-          <a:lnRef idx="2">
-            <a:schemeClr val="accent1">
-              <a:shade val="50000"/>
-            </a:schemeClr>
-          </a:lnRef>
-          <a:fillRef idx="1">
-            <a:schemeClr val="accent1"/>
-          </a:fillRef>
-          <a:effectRef idx="0">
-            <a:schemeClr val="accent1"/>
-          </a:effectRef>
-          <a:fontRef idx="minor">
-            <a:schemeClr val="lt1"/>
-          </a:fontRef>
-        </p:style>
-        <p:txBody>
-          <a:bodyPr rtlCol="0" anchor="ctr"/>
-          <a:lstStyle/>
-          <a:p>
-            <a:pPr algn="ctr"/>
-            <a:r>
-              <a:rPr lang="en-US" altLang="ko-KR" dirty="0" err="1" smtClean="0">
-                <a:solidFill>
-                  <a:schemeClr val="tx1"/>
-                </a:solidFill>
-                <a:latin typeface="G마켓 산스 TTF Light" panose="02000000000000000000" pitchFamily="2" charset="-127"/>
-                <a:ea typeface="G마켓 산스 TTF Light" panose="02000000000000000000" pitchFamily="2" charset="-127"/>
-              </a:rPr>
-              <a:t>DataFrame</a:t>
-            </a:r>
-            <a:endParaRPr lang="en-US" altLang="ko-KR" dirty="0" smtClean="0">
-              <a:solidFill>
-                <a:schemeClr val="tx1"/>
-              </a:solidFill>
-              <a:latin typeface="G마켓 산스 TTF Light" panose="02000000000000000000" pitchFamily="2" charset="-127"/>
-              <a:ea typeface="G마켓 산스 TTF Light" panose="02000000000000000000" pitchFamily="2" charset="-127"/>
-            </a:endParaRPr>
-          </a:p>
-          <a:p>
-            <a:pPr algn="ctr"/>
-            <a:r>
-              <a:rPr lang="en-US" altLang="ko-KR" dirty="0" smtClean="0">
-                <a:solidFill>
-                  <a:schemeClr val="tx1"/>
-                </a:solidFill>
-                <a:latin typeface="G마켓 산스 TTF Light" panose="02000000000000000000" pitchFamily="2" charset="-127"/>
-                <a:ea typeface="G마켓 산스 TTF Light" panose="02000000000000000000" pitchFamily="2" charset="-127"/>
-              </a:rPr>
-              <a:t>Column </a:t>
-            </a:r>
-            <a:r>
-              <a:rPr lang="ko-KR" altLang="en-US" dirty="0" smtClean="0">
-                <a:solidFill>
-                  <a:schemeClr val="tx1"/>
-                </a:solidFill>
-                <a:latin typeface="G마켓 산스 TTF Light" panose="02000000000000000000" pitchFamily="2" charset="-127"/>
-                <a:ea typeface="G마켓 산스 TTF Light" panose="02000000000000000000" pitchFamily="2" charset="-127"/>
-              </a:rPr>
-              <a:t>지정</a:t>
-            </a:r>
-            <a:endParaRPr lang="ko-KR" altLang="en-US" dirty="0">
-              <a:solidFill>
-                <a:schemeClr val="tx1"/>
-              </a:solidFill>
-              <a:latin typeface="G마켓 산스 TTF Light" panose="02000000000000000000" pitchFamily="2" charset="-127"/>
-              <a:ea typeface="G마켓 산스 TTF Light" panose="02000000000000000000" pitchFamily="2" charset="-127"/>
-            </a:endParaRPr>
-          </a:p>
-        </p:txBody>
-      </p:sp>
-      <p:sp>
-        <p:nvSpPr>
-          <p:cNvPr id="16" name="아래쪽 화살표 15"/>
-          <p:cNvSpPr/>
-          <p:nvPr/>
-        </p:nvSpPr>
-        <p:spPr>
-          <a:xfrm>
-            <a:off x="5098140" y="3241470"/>
-            <a:ext cx="313765" cy="377847"/>
-          </a:xfrm>
-          <a:prstGeom prst="downArrow">
-            <a:avLst/>
-          </a:prstGeom>
-        </p:spPr>
-        <p:style>
-          <a:lnRef idx="2">
-            <a:schemeClr val="accent1">
-              <a:shade val="50000"/>
-            </a:schemeClr>
-          </a:lnRef>
-          <a:fillRef idx="1">
-            <a:schemeClr val="accent1"/>
-          </a:fillRef>
-          <a:effectRef idx="0">
-            <a:schemeClr val="accent1"/>
-          </a:effectRef>
-          <a:fontRef idx="minor">
-            <a:schemeClr val="lt1"/>
-          </a:fontRef>
-        </p:style>
-        <p:txBody>
-          <a:bodyPr rtlCol="0" anchor="ctr"/>
-          <a:lstStyle/>
-          <a:p>
-            <a:pPr algn="ctr"/>
-            <a:endParaRPr lang="ko-KR" altLang="en-US"/>
-          </a:p>
-        </p:txBody>
-      </p:sp>
-      <p:sp>
-        <p:nvSpPr>
-          <p:cNvPr id="19" name="오른쪽 화살표 18"/>
-          <p:cNvSpPr/>
-          <p:nvPr/>
-        </p:nvSpPr>
-        <p:spPr>
-          <a:xfrm>
-            <a:off x="6309960" y="3534821"/>
-            <a:ext cx="950259" cy="547453"/>
-          </a:xfrm>
-          <a:prstGeom prst="rightArrow">
-            <a:avLst/>
-          </a:prstGeom>
-          <a:solidFill>
-            <a:srgbClr val="EA9C00"/>
-          </a:solidFill>
-          <a:ln>
-            <a:solidFill>
-              <a:schemeClr val="accent4">
-                <a:lumMod val="50000"/>
-              </a:schemeClr>
-            </a:solidFill>
-          </a:ln>
-        </p:spPr>
-        <p:style>
-          <a:lnRef idx="2">
-            <a:schemeClr val="accent1">
-              <a:shade val="50000"/>
-            </a:schemeClr>
-          </a:lnRef>
-          <a:fillRef idx="1">
-            <a:schemeClr val="accent1"/>
-          </a:fillRef>
-          <a:effectRef idx="0">
-            <a:schemeClr val="accent1"/>
-          </a:effectRef>
-          <a:fontRef idx="minor">
-            <a:schemeClr val="lt1"/>
-          </a:fontRef>
-        </p:style>
-        <p:txBody>
-          <a:bodyPr rtlCol="0" anchor="ctr"/>
-          <a:lstStyle/>
-          <a:p>
-            <a:pPr algn="ctr"/>
-            <a:endParaRPr lang="ko-KR" altLang="en-US"/>
-          </a:p>
-        </p:txBody>
-      </p:sp>
-      <p:sp>
-        <p:nvSpPr>
-          <p:cNvPr id="23" name="직사각형 22"/>
-          <p:cNvSpPr/>
-          <p:nvPr/>
-        </p:nvSpPr>
-        <p:spPr>
-          <a:xfrm>
-            <a:off x="4412339" y="3716964"/>
-            <a:ext cx="1685365" cy="1847273"/>
-          </a:xfrm>
-          <a:prstGeom prst="rect">
-            <a:avLst/>
-          </a:prstGeom>
-          <a:solidFill>
-            <a:schemeClr val="bg1"/>
-          </a:solidFill>
-          <a:ln>
-            <a:solidFill>
-              <a:srgbClr val="EA9C00"/>
-            </a:solidFill>
-          </a:ln>
-        </p:spPr>
-        <p:style>
-          <a:lnRef idx="2">
-            <a:schemeClr val="accent1">
-              <a:shade val="50000"/>
-            </a:schemeClr>
-          </a:lnRef>
-          <a:fillRef idx="1">
-            <a:schemeClr val="accent1"/>
-          </a:fillRef>
-          <a:effectRef idx="0">
-            <a:schemeClr val="accent1"/>
-          </a:effectRef>
-          <a:fontRef idx="minor">
-            <a:schemeClr val="lt1"/>
-          </a:fontRef>
-        </p:style>
-        <p:txBody>
-          <a:bodyPr rtlCol="0" anchor="t"/>
-          <a:lstStyle/>
-          <a:p>
-            <a:pPr algn="ctr"/>
-            <a:r>
-              <a:rPr lang="ko-KR" altLang="en-US" dirty="0" smtClean="0">
-                <a:solidFill>
-                  <a:schemeClr val="tx1"/>
-                </a:solidFill>
-                <a:latin typeface="G마켓 산스 TTF Light" panose="02000000000000000000" pitchFamily="2" charset="-127"/>
-                <a:ea typeface="G마켓 산스 TTF Light" panose="02000000000000000000" pitchFamily="2" charset="-127"/>
-              </a:rPr>
-              <a:t>데이터 수집</a:t>
-            </a:r>
-            <a:endParaRPr lang="ko-KR" altLang="en-US" dirty="0">
-              <a:solidFill>
-                <a:schemeClr val="tx1"/>
-              </a:solidFill>
-              <a:latin typeface="G마켓 산스 TTF Light" panose="02000000000000000000" pitchFamily="2" charset="-127"/>
-              <a:ea typeface="G마켓 산스 TTF Light" panose="02000000000000000000" pitchFamily="2" charset="-127"/>
-            </a:endParaRPr>
-          </a:p>
-        </p:txBody>
-      </p:sp>
-      <p:sp>
-        <p:nvSpPr>
-          <p:cNvPr id="12" name="직사각형 11"/>
-          <p:cNvSpPr/>
-          <p:nvPr/>
-        </p:nvSpPr>
-        <p:spPr>
-          <a:xfrm>
-            <a:off x="4519288" y="4076097"/>
-            <a:ext cx="1488141" cy="1343858"/>
-          </a:xfrm>
-          <a:prstGeom prst="rect">
-            <a:avLst/>
-          </a:prstGeom>
-          <a:noFill/>
-          <a:ln>
-            <a:solidFill>
-              <a:schemeClr val="accent4">
-                <a:lumMod val="50000"/>
-              </a:schemeClr>
-            </a:solidFill>
-          </a:ln>
-        </p:spPr>
-        <p:style>
-          <a:lnRef idx="2">
-            <a:schemeClr val="accent1">
-              <a:shade val="50000"/>
-            </a:schemeClr>
-          </a:lnRef>
-          <a:fillRef idx="1">
-            <a:schemeClr val="accent1"/>
-          </a:fillRef>
-          <a:effectRef idx="0">
-            <a:schemeClr val="accent1"/>
-          </a:effectRef>
-          <a:fontRef idx="minor">
-            <a:schemeClr val="lt1"/>
-          </a:fontRef>
-        </p:style>
-        <p:txBody>
-          <a:bodyPr rtlCol="0" anchor="ctr"/>
-          <a:lstStyle/>
-          <a:p>
-            <a:pPr algn="ctr"/>
-            <a:r>
-              <a:rPr lang="en-US" altLang="ko-KR" dirty="0" smtClean="0">
-                <a:solidFill>
-                  <a:schemeClr val="tx1"/>
-                </a:solidFill>
-              </a:rPr>
-              <a:t>PostgreSQL</a:t>
-            </a:r>
-          </a:p>
-          <a:p>
-            <a:pPr algn="ctr"/>
-            <a:endParaRPr lang="en-US" altLang="ko-KR" sz="500" dirty="0" smtClean="0">
-              <a:solidFill>
-                <a:schemeClr val="tx1"/>
-              </a:solidFill>
-            </a:endParaRPr>
-          </a:p>
-          <a:p>
-            <a:pPr algn="ctr"/>
-            <a:r>
-              <a:rPr lang="en-US" altLang="ko-KR" dirty="0" smtClean="0">
-                <a:solidFill>
-                  <a:schemeClr val="tx1"/>
-                </a:solidFill>
-              </a:rPr>
-              <a:t>&amp;</a:t>
-            </a:r>
-          </a:p>
-          <a:p>
-            <a:pPr algn="ctr"/>
-            <a:endParaRPr lang="en-US" altLang="ko-KR" sz="500" dirty="0" smtClean="0">
-              <a:solidFill>
-                <a:schemeClr val="tx1"/>
-              </a:solidFill>
-            </a:endParaRPr>
-          </a:p>
-          <a:p>
-            <a:pPr algn="ctr"/>
-            <a:r>
-              <a:rPr lang="en-US" altLang="ko-KR" dirty="0" err="1" smtClean="0">
-                <a:solidFill>
-                  <a:schemeClr val="tx1"/>
-                </a:solidFill>
-              </a:rPr>
-              <a:t>BigQuery</a:t>
-            </a:r>
-            <a:endParaRPr lang="en-US" altLang="ko-KR" dirty="0" smtClean="0">
-              <a:solidFill>
-                <a:schemeClr val="tx1"/>
-              </a:solidFill>
-            </a:endParaRPr>
-          </a:p>
-          <a:p>
-            <a:pPr algn="ctr"/>
-            <a:r>
-              <a:rPr lang="en-US" altLang="ko-KR" dirty="0" smtClean="0">
-                <a:solidFill>
-                  <a:schemeClr val="tx1"/>
-                </a:solidFill>
-              </a:rPr>
-              <a:t>(GBQ)</a:t>
-            </a:r>
-            <a:endParaRPr lang="ko-KR" altLang="en-US" dirty="0">
-              <a:solidFill>
-                <a:schemeClr val="tx1"/>
-              </a:solidFill>
-            </a:endParaRPr>
-          </a:p>
-        </p:txBody>
-      </p:sp>
-      <p:sp>
-        <p:nvSpPr>
-          <p:cNvPr id="27" name="직사각형 26"/>
-          <p:cNvSpPr/>
-          <p:nvPr/>
-        </p:nvSpPr>
-        <p:spPr>
-          <a:xfrm>
-            <a:off x="7375313" y="1371470"/>
-            <a:ext cx="1862480" cy="4495865"/>
-          </a:xfrm>
-          <a:prstGeom prst="rect">
-            <a:avLst/>
-          </a:prstGeom>
-          <a:solidFill>
-            <a:schemeClr val="accent4">
-              <a:lumMod val="40000"/>
-              <a:lumOff val="60000"/>
-            </a:schemeClr>
-          </a:solidFill>
-          <a:ln>
-            <a:solidFill>
-              <a:schemeClr val="accent4">
-                <a:lumMod val="50000"/>
-              </a:schemeClr>
-            </a:solidFill>
-          </a:ln>
-        </p:spPr>
-        <p:style>
-          <a:lnRef idx="2">
-            <a:schemeClr val="accent1">
-              <a:shade val="50000"/>
-            </a:schemeClr>
-          </a:lnRef>
-          <a:fillRef idx="1">
-            <a:schemeClr val="accent1"/>
-          </a:fillRef>
-          <a:effectRef idx="0">
-            <a:schemeClr val="accent1"/>
-          </a:effectRef>
-          <a:fontRef idx="minor">
-            <a:schemeClr val="lt1"/>
-          </a:fontRef>
-        </p:style>
-        <p:txBody>
-          <a:bodyPr rtlCol="0" anchor="t"/>
-          <a:lstStyle/>
-          <a:p>
-            <a:pPr algn="ctr"/>
-            <a:r>
-              <a:rPr lang="ko-KR" altLang="en-US" sz="2000" dirty="0" smtClean="0">
-                <a:solidFill>
-                  <a:schemeClr val="tx1"/>
-                </a:solidFill>
+              <a:t>1. Crawling data </a:t>
+            </a:r>
+            <a:r>
+              <a:rPr lang="ko-KR" altLang="en-US" sz="5400" dirty="0" smtClean="0">
                 <a:latin typeface="G마켓 산스 TTF Medium" panose="02000000000000000000" pitchFamily="2" charset="-127"/>
                 <a:ea typeface="G마켓 산스 TTF Medium" panose="02000000000000000000" pitchFamily="2" charset="-127"/>
               </a:rPr>
-              <a:t>자동화</a:t>
-            </a:r>
-            <a:endParaRPr lang="en-US" altLang="ko-KR" sz="2000" dirty="0" smtClean="0">
-              <a:solidFill>
-                <a:schemeClr val="tx1"/>
-              </a:solidFill>
-              <a:latin typeface="G마켓 산스 TTF Medium" panose="02000000000000000000" pitchFamily="2" charset="-127"/>
-              <a:ea typeface="G마켓 산스 TTF Medium" panose="02000000000000000000" pitchFamily="2" charset="-127"/>
-            </a:endParaRPr>
-          </a:p>
-        </p:txBody>
-      </p:sp>
-      <p:sp>
-        <p:nvSpPr>
-          <p:cNvPr id="28" name="직사각형 27"/>
-          <p:cNvSpPr/>
-          <p:nvPr/>
-        </p:nvSpPr>
-        <p:spPr>
-          <a:xfrm>
-            <a:off x="7455266" y="2316098"/>
-            <a:ext cx="1685365" cy="825965"/>
-          </a:xfrm>
-          <a:prstGeom prst="rect">
-            <a:avLst/>
-          </a:prstGeom>
-          <a:solidFill>
-            <a:schemeClr val="bg1"/>
-          </a:solidFill>
-          <a:ln>
-            <a:solidFill>
-              <a:srgbClr val="EA9C00"/>
-            </a:solidFill>
-          </a:ln>
-        </p:spPr>
-        <p:style>
-          <a:lnRef idx="2">
-            <a:schemeClr val="accent1">
-              <a:shade val="50000"/>
-            </a:schemeClr>
-          </a:lnRef>
-          <a:fillRef idx="1">
-            <a:schemeClr val="accent1"/>
-          </a:fillRef>
-          <a:effectRef idx="0">
-            <a:schemeClr val="accent1"/>
-          </a:effectRef>
-          <a:fontRef idx="minor">
-            <a:schemeClr val="lt1"/>
-          </a:fontRef>
-        </p:style>
-        <p:txBody>
-          <a:bodyPr rtlCol="0" anchor="ctr"/>
-          <a:lstStyle/>
-          <a:p>
-            <a:pPr algn="ctr"/>
-            <a:r>
-              <a:rPr lang="ko-KR" altLang="en-US" dirty="0" smtClean="0">
-                <a:solidFill>
-                  <a:schemeClr val="tx1"/>
-                </a:solidFill>
-                <a:latin typeface="G마켓 산스 TTF Light" panose="02000000000000000000" pitchFamily="2" charset="-127"/>
-                <a:ea typeface="G마켓 산스 TTF Light" panose="02000000000000000000" pitchFamily="2" charset="-127"/>
-              </a:rPr>
-              <a:t>실행파일 생성</a:t>
-            </a:r>
-            <a:endParaRPr lang="en-US" altLang="ko-KR" dirty="0" smtClean="0">
-              <a:solidFill>
-                <a:schemeClr val="tx1"/>
-              </a:solidFill>
-              <a:latin typeface="G마켓 산스 TTF Light" panose="02000000000000000000" pitchFamily="2" charset="-127"/>
-              <a:ea typeface="G마켓 산스 TTF Light" panose="02000000000000000000" pitchFamily="2" charset="-127"/>
-            </a:endParaRPr>
-          </a:p>
-          <a:p>
-            <a:pPr algn="ctr"/>
-            <a:r>
-              <a:rPr lang="en-US" altLang="ko-KR" dirty="0" smtClean="0">
-                <a:solidFill>
-                  <a:schemeClr val="tx1"/>
-                </a:solidFill>
-                <a:latin typeface="G마켓 산스 TTF Light" panose="02000000000000000000" pitchFamily="2" charset="-127"/>
-                <a:ea typeface="G마켓 산스 TTF Light" panose="02000000000000000000" pitchFamily="2" charset="-127"/>
-              </a:rPr>
-              <a:t>(</a:t>
-            </a:r>
-            <a:r>
-              <a:rPr lang="en-US" altLang="ko-KR" dirty="0" err="1" smtClean="0">
-                <a:solidFill>
-                  <a:schemeClr val="tx1"/>
-                </a:solidFill>
-                <a:latin typeface="G마켓 산스 TTF Light" panose="02000000000000000000" pitchFamily="2" charset="-127"/>
-                <a:ea typeface="G마켓 산스 TTF Light" panose="02000000000000000000" pitchFamily="2" charset="-127"/>
-              </a:rPr>
-              <a:t>PyInstaller</a:t>
-            </a:r>
-            <a:r>
-              <a:rPr lang="en-US" altLang="ko-KR" dirty="0" smtClean="0">
-                <a:solidFill>
-                  <a:schemeClr val="tx1"/>
-                </a:solidFill>
-                <a:latin typeface="G마켓 산스 TTF Light" panose="02000000000000000000" pitchFamily="2" charset="-127"/>
-                <a:ea typeface="G마켓 산스 TTF Light" panose="02000000000000000000" pitchFamily="2" charset="-127"/>
-              </a:rPr>
-              <a:t>)</a:t>
+              <a:t>접근</a:t>
             </a:r>
             <a:endParaRPr lang="ko-KR" altLang="en-US" dirty="0">
-              <a:solidFill>
-                <a:schemeClr val="tx1"/>
-              </a:solidFill>
-              <a:latin typeface="G마켓 산스 TTF Light" panose="02000000000000000000" pitchFamily="2" charset="-127"/>
-              <a:ea typeface="G마켓 산스 TTF Light" panose="02000000000000000000" pitchFamily="2" charset="-127"/>
-            </a:endParaRPr>
-          </a:p>
-        </p:txBody>
-      </p:sp>
-      <p:sp>
-        <p:nvSpPr>
-          <p:cNvPr id="29" name="아래쪽 화살표 28"/>
-          <p:cNvSpPr/>
-          <p:nvPr/>
-        </p:nvSpPr>
-        <p:spPr>
-          <a:xfrm>
-            <a:off x="8141067" y="3245887"/>
-            <a:ext cx="313765" cy="377847"/>
-          </a:xfrm>
-          <a:prstGeom prst="downArrow">
-            <a:avLst/>
-          </a:prstGeom>
-        </p:spPr>
-        <p:style>
-          <a:lnRef idx="2">
-            <a:schemeClr val="accent1">
-              <a:shade val="50000"/>
-            </a:schemeClr>
-          </a:lnRef>
-          <a:fillRef idx="1">
-            <a:schemeClr val="accent1"/>
-          </a:fillRef>
-          <a:effectRef idx="0">
-            <a:schemeClr val="accent1"/>
-          </a:effectRef>
-          <a:fontRef idx="minor">
-            <a:schemeClr val="lt1"/>
-          </a:fontRef>
-        </p:style>
-        <p:txBody>
-          <a:bodyPr rtlCol="0" anchor="ctr"/>
-          <a:lstStyle/>
-          <a:p>
-            <a:pPr algn="ctr"/>
-            <a:endParaRPr lang="ko-KR" altLang="en-US"/>
-          </a:p>
-        </p:txBody>
-      </p:sp>
-      <p:sp>
-        <p:nvSpPr>
-          <p:cNvPr id="30" name="직사각형 29"/>
-          <p:cNvSpPr/>
-          <p:nvPr/>
-        </p:nvSpPr>
-        <p:spPr>
-          <a:xfrm>
-            <a:off x="7455268" y="3727558"/>
-            <a:ext cx="1685365" cy="549271"/>
-          </a:xfrm>
-          <a:prstGeom prst="rect">
-            <a:avLst/>
-          </a:prstGeom>
-          <a:solidFill>
-            <a:schemeClr val="bg1"/>
-          </a:solidFill>
-          <a:ln>
-            <a:solidFill>
-              <a:srgbClr val="EA9C00"/>
-            </a:solidFill>
-          </a:ln>
-        </p:spPr>
-        <p:style>
-          <a:lnRef idx="2">
-            <a:schemeClr val="accent1">
-              <a:shade val="50000"/>
-            </a:schemeClr>
-          </a:lnRef>
-          <a:fillRef idx="1">
-            <a:schemeClr val="accent1"/>
-          </a:fillRef>
-          <a:effectRef idx="0">
-            <a:schemeClr val="accent1"/>
-          </a:effectRef>
-          <a:fontRef idx="minor">
-            <a:schemeClr val="lt1"/>
-          </a:fontRef>
-        </p:style>
-        <p:txBody>
-          <a:bodyPr rtlCol="0" anchor="ctr"/>
-          <a:lstStyle/>
-          <a:p>
-            <a:pPr algn="ctr"/>
-            <a:r>
-              <a:rPr lang="ko-KR" altLang="en-US" dirty="0" err="1" smtClean="0">
-                <a:solidFill>
-                  <a:schemeClr val="tx1"/>
-                </a:solidFill>
-                <a:latin typeface="G마켓 산스 TTF Light" panose="02000000000000000000" pitchFamily="2" charset="-127"/>
-                <a:ea typeface="G마켓 산스 TTF Light" panose="02000000000000000000" pitchFamily="2" charset="-127"/>
-              </a:rPr>
-              <a:t>스캐줄러</a:t>
-            </a:r>
-            <a:endParaRPr lang="en-US" altLang="ko-KR" dirty="0">
-              <a:solidFill>
-                <a:schemeClr val="tx1"/>
-              </a:solidFill>
-              <a:latin typeface="G마켓 산스 TTF Light" panose="02000000000000000000" pitchFamily="2" charset="-127"/>
-              <a:ea typeface="G마켓 산스 TTF Light" panose="02000000000000000000" pitchFamily="2" charset="-127"/>
-            </a:endParaRPr>
-          </a:p>
-          <a:p>
-            <a:pPr algn="ctr"/>
-            <a:r>
-              <a:rPr lang="en-US" altLang="ko-KR" dirty="0" smtClean="0">
-                <a:solidFill>
-                  <a:schemeClr val="tx1"/>
-                </a:solidFill>
-                <a:latin typeface="G마켓 산스 TTF Light" panose="02000000000000000000" pitchFamily="2" charset="-127"/>
-                <a:ea typeface="G마켓 산스 TTF Light" panose="02000000000000000000" pitchFamily="2" charset="-127"/>
-              </a:rPr>
-              <a:t>(</a:t>
-            </a:r>
-            <a:r>
-              <a:rPr lang="en-US" altLang="ko-KR" dirty="0" err="1" smtClean="0">
-                <a:solidFill>
-                  <a:schemeClr val="tx1"/>
-                </a:solidFill>
-                <a:latin typeface="G마켓 산스 TTF Light" panose="02000000000000000000" pitchFamily="2" charset="-127"/>
-                <a:ea typeface="G마켓 산스 TTF Light" panose="02000000000000000000" pitchFamily="2" charset="-127"/>
-              </a:rPr>
-              <a:t>nnCron</a:t>
-            </a:r>
-            <a:r>
-              <a:rPr lang="en-US" altLang="ko-KR" dirty="0" smtClean="0">
-                <a:solidFill>
-                  <a:schemeClr val="tx1"/>
-                </a:solidFill>
-                <a:latin typeface="G마켓 산스 TTF Light" panose="02000000000000000000" pitchFamily="2" charset="-127"/>
-                <a:ea typeface="G마켓 산스 TTF Light" panose="02000000000000000000" pitchFamily="2" charset="-127"/>
-              </a:rPr>
-              <a:t>)</a:t>
-            </a:r>
-            <a:endParaRPr lang="ko-KR" altLang="en-US" dirty="0">
-              <a:solidFill>
-                <a:schemeClr val="tx1"/>
-              </a:solidFill>
-              <a:latin typeface="G마켓 산스 TTF Light" panose="02000000000000000000" pitchFamily="2" charset="-127"/>
-              <a:ea typeface="G마켓 산스 TTF Light" panose="02000000000000000000" pitchFamily="2" charset="-127"/>
-            </a:endParaRPr>
-          </a:p>
-        </p:txBody>
-      </p:sp>
-      <p:sp>
-        <p:nvSpPr>
-          <p:cNvPr id="31" name="아래쪽 화살표 30"/>
-          <p:cNvSpPr/>
-          <p:nvPr/>
-        </p:nvSpPr>
-        <p:spPr>
-          <a:xfrm>
-            <a:off x="8141065" y="4380653"/>
-            <a:ext cx="313765" cy="377847"/>
-          </a:xfrm>
-          <a:prstGeom prst="downArrow">
-            <a:avLst/>
-          </a:prstGeom>
-        </p:spPr>
-        <p:style>
-          <a:lnRef idx="2">
-            <a:schemeClr val="accent1">
-              <a:shade val="50000"/>
-            </a:schemeClr>
-          </a:lnRef>
-          <a:fillRef idx="1">
-            <a:schemeClr val="accent1"/>
-          </a:fillRef>
-          <a:effectRef idx="0">
-            <a:schemeClr val="accent1"/>
-          </a:effectRef>
-          <a:fontRef idx="minor">
-            <a:schemeClr val="lt1"/>
-          </a:fontRef>
-        </p:style>
-        <p:txBody>
-          <a:bodyPr rtlCol="0" anchor="ctr"/>
-          <a:lstStyle/>
-          <a:p>
-            <a:pPr algn="ctr"/>
-            <a:endParaRPr lang="ko-KR" altLang="en-US"/>
-          </a:p>
-        </p:txBody>
-      </p:sp>
-      <p:sp>
-        <p:nvSpPr>
-          <p:cNvPr id="32" name="직사각형 31"/>
-          <p:cNvSpPr/>
-          <p:nvPr/>
-        </p:nvSpPr>
-        <p:spPr>
-          <a:xfrm>
-            <a:off x="7455266" y="4862324"/>
-            <a:ext cx="1685365" cy="799186"/>
-          </a:xfrm>
-          <a:prstGeom prst="rect">
-            <a:avLst/>
-          </a:prstGeom>
-          <a:solidFill>
-            <a:schemeClr val="bg1"/>
-          </a:solidFill>
-          <a:ln>
-            <a:solidFill>
-              <a:srgbClr val="EA9C00"/>
-            </a:solidFill>
-          </a:ln>
-        </p:spPr>
-        <p:style>
-          <a:lnRef idx="2">
-            <a:schemeClr val="accent1">
-              <a:shade val="50000"/>
-            </a:schemeClr>
-          </a:lnRef>
-          <a:fillRef idx="1">
-            <a:schemeClr val="accent1"/>
-          </a:fillRef>
-          <a:effectRef idx="0">
-            <a:schemeClr val="accent1"/>
-          </a:effectRef>
-          <a:fontRef idx="minor">
-            <a:schemeClr val="lt1"/>
-          </a:fontRef>
-        </p:style>
-        <p:txBody>
-          <a:bodyPr rtlCol="0" anchor="ctr"/>
-          <a:lstStyle/>
-          <a:p>
-            <a:pPr algn="ctr"/>
-            <a:r>
-              <a:rPr lang="en-US" altLang="ko-KR" dirty="0" smtClean="0">
-                <a:solidFill>
-                  <a:schemeClr val="tx1"/>
-                </a:solidFill>
-                <a:latin typeface="G마켓 산스 TTF Light" panose="02000000000000000000" pitchFamily="2" charset="-127"/>
-                <a:ea typeface="G마켓 산스 TTF Light" panose="02000000000000000000" pitchFamily="2" charset="-127"/>
-              </a:rPr>
-              <a:t>1</a:t>
-            </a:r>
-            <a:r>
-              <a:rPr lang="ko-KR" altLang="en-US" dirty="0" smtClean="0">
-                <a:solidFill>
-                  <a:schemeClr val="tx1"/>
-                </a:solidFill>
-                <a:latin typeface="G마켓 산스 TTF Light" panose="02000000000000000000" pitchFamily="2" charset="-127"/>
-                <a:ea typeface="G마켓 산스 TTF Light" panose="02000000000000000000" pitchFamily="2" charset="-127"/>
-              </a:rPr>
-              <a:t>일 </a:t>
-            </a:r>
-            <a:r>
-              <a:rPr lang="en-US" altLang="ko-KR" dirty="0" smtClean="0">
-                <a:solidFill>
-                  <a:schemeClr val="tx1"/>
-                </a:solidFill>
-                <a:latin typeface="G마켓 산스 TTF Light" panose="02000000000000000000" pitchFamily="2" charset="-127"/>
-                <a:ea typeface="G마켓 산스 TTF Light" panose="02000000000000000000" pitchFamily="2" charset="-127"/>
-              </a:rPr>
-              <a:t>n</a:t>
-            </a:r>
-            <a:r>
-              <a:rPr lang="ko-KR" altLang="en-US" dirty="0" smtClean="0">
-                <a:solidFill>
-                  <a:schemeClr val="tx1"/>
-                </a:solidFill>
-                <a:latin typeface="G마켓 산스 TTF Light" panose="02000000000000000000" pitchFamily="2" charset="-127"/>
-                <a:ea typeface="G마켓 산스 TTF Light" panose="02000000000000000000" pitchFamily="2" charset="-127"/>
-              </a:rPr>
-              <a:t>회</a:t>
-            </a:r>
-            <a:endParaRPr lang="en-US" altLang="ko-KR" dirty="0" smtClean="0">
-              <a:solidFill>
-                <a:schemeClr val="tx1"/>
-              </a:solidFill>
-              <a:latin typeface="G마켓 산스 TTF Light" panose="02000000000000000000" pitchFamily="2" charset="-127"/>
-              <a:ea typeface="G마켓 산스 TTF Light" panose="02000000000000000000" pitchFamily="2" charset="-127"/>
-            </a:endParaRPr>
-          </a:p>
-          <a:p>
-            <a:pPr algn="ctr"/>
-            <a:r>
-              <a:rPr lang="en-US" altLang="ko-KR" dirty="0" err="1" smtClean="0">
-                <a:solidFill>
-                  <a:schemeClr val="tx1"/>
-                </a:solidFill>
-                <a:latin typeface="G마켓 산스 TTF Light" panose="02000000000000000000" pitchFamily="2" charset="-127"/>
-                <a:ea typeface="G마켓 산스 TTF Light" panose="02000000000000000000" pitchFamily="2" charset="-127"/>
-              </a:rPr>
-              <a:t>hhUTC</a:t>
-            </a:r>
-            <a:r>
-              <a:rPr lang="en-US" altLang="ko-KR" dirty="0" smtClean="0">
-                <a:solidFill>
-                  <a:schemeClr val="tx1"/>
-                </a:solidFill>
-                <a:latin typeface="G마켓 산스 TTF Light" panose="02000000000000000000" pitchFamily="2" charset="-127"/>
-                <a:ea typeface="G마켓 산스 TTF Light" panose="02000000000000000000" pitchFamily="2" charset="-127"/>
-              </a:rPr>
-              <a:t> </a:t>
-            </a:r>
-            <a:r>
-              <a:rPr lang="ko-KR" altLang="en-US" dirty="0" smtClean="0">
-                <a:solidFill>
-                  <a:schemeClr val="tx1"/>
-                </a:solidFill>
-                <a:latin typeface="G마켓 산스 TTF Light" panose="02000000000000000000" pitchFamily="2" charset="-127"/>
-                <a:ea typeface="G마켓 산스 TTF Light" panose="02000000000000000000" pitchFamily="2" charset="-127"/>
-              </a:rPr>
-              <a:t>설정</a:t>
-            </a:r>
-            <a:endParaRPr lang="ko-KR" altLang="en-US" dirty="0">
-              <a:solidFill>
-                <a:schemeClr val="tx1"/>
-              </a:solidFill>
-              <a:latin typeface="G마켓 산스 TTF Light" panose="02000000000000000000" pitchFamily="2" charset="-127"/>
-              <a:ea typeface="G마켓 산스 TTF Light" panose="02000000000000000000" pitchFamily="2" charset="-127"/>
+              <a:latin typeface="G마켓 산스 TTF Bold" panose="02000000000000000000" pitchFamily="2" charset="-127"/>
+              <a:ea typeface="G마켓 산스 TTF Bold" panose="02000000000000000000" pitchFamily="2" charset="-127"/>
             </a:endParaRPr>
           </a:p>
         </p:txBody>
@@ -7730,7 +7508,7 @@
     </p:spTree>
     <p:extLst>
       <p:ext uri="{BB962C8B-B14F-4D97-AF65-F5344CB8AC3E}">
-        <p14:creationId xmlns:p14="http://schemas.microsoft.com/office/powerpoint/2010/main" val="2718395534"/>
+        <p14:creationId xmlns:p14="http://schemas.microsoft.com/office/powerpoint/2010/main" val="1961193902"/>
       </p:ext>
     </p:extLst>
   </p:cSld>
@@ -7766,20 +7544,57 @@
       </p:grpSpPr>
       <p:sp>
         <p:nvSpPr>
-          <p:cNvPr id="9" name="직사각형 8"/>
+          <p:cNvPr id="2" name="제목 1"/>
+          <p:cNvSpPr>
+            <a:spLocks noGrp="1"/>
+          </p:cNvSpPr>
+          <p:nvPr>
+            <p:ph type="ctrTitle"/>
+          </p:nvPr>
+        </p:nvSpPr>
+        <p:spPr>
+          <a:xfrm>
+            <a:off x="626076" y="362466"/>
+            <a:ext cx="11565924" cy="543696"/>
+          </a:xfrm>
+        </p:spPr>
+        <p:txBody>
+          <a:bodyPr>
+            <a:noAutofit/>
+          </a:bodyPr>
+          <a:lstStyle/>
+          <a:p>
+            <a:pPr algn="l"/>
+            <a:r>
+              <a:rPr lang="en-US" altLang="ko-KR" sz="3200" dirty="0" smtClean="0">
+                <a:latin typeface="G마켓 산스 TTF Medium" panose="02000000000000000000" pitchFamily="2" charset="-127"/>
+                <a:ea typeface="G마켓 산스 TTF Medium" panose="02000000000000000000" pitchFamily="2" charset="-127"/>
+              </a:rPr>
+              <a:t>G2G</a:t>
+            </a:r>
+            <a:endParaRPr lang="ko-KR" altLang="en-US" sz="3200" dirty="0">
+              <a:latin typeface="G마켓 산스 TTF Medium" panose="02000000000000000000" pitchFamily="2" charset="-127"/>
+              <a:ea typeface="G마켓 산스 TTF Medium" panose="02000000000000000000" pitchFamily="2" charset="-127"/>
+            </a:endParaRPr>
+          </a:p>
+        </p:txBody>
+      </p:sp>
+      <p:sp>
+        <p:nvSpPr>
+          <p:cNvPr id="4" name="직사각형 3"/>
           <p:cNvSpPr/>
           <p:nvPr/>
         </p:nvSpPr>
         <p:spPr>
           <a:xfrm>
-            <a:off x="0" y="1845275"/>
-            <a:ext cx="12191999" cy="2026508"/>
+            <a:off x="543697" y="362466"/>
+            <a:ext cx="74141" cy="428366"/>
           </a:xfrm>
           <a:prstGeom prst="rect">
             <a:avLst/>
           </a:prstGeom>
           <a:solidFill>
-            <a:schemeClr val="accent4"/>
+            <a:srgbClr val="EA9C00"/>
           </a:solidFill>
           <a:ln>
             <a:noFill/>
@@ -7806,56 +7621,76 @@
           <a:lstStyle/>
           <a:p>
             <a:pPr algn="ctr"/>
-            <a:endParaRPr lang="ko-KR" altLang="en-US"/>
-          </a:p>
-        </p:txBody>
-      </p:sp>
-      <p:sp>
-        <p:nvSpPr>
-          <p:cNvPr id="2" name="제목 1"/>
-          <p:cNvSpPr>
-            <a:spLocks noGrp="1"/>
-          </p:cNvSpPr>
-          <p:nvPr>
-            <p:ph type="ctrTitle"/>
-          </p:nvPr>
-        </p:nvSpPr>
-        <p:spPr>
-          <a:xfrm>
-            <a:off x="986118" y="2008094"/>
-            <a:ext cx="9144000" cy="1420906"/>
-          </a:xfrm>
-        </p:spPr>
-        <p:txBody>
-          <a:bodyPr/>
-          <a:lstStyle/>
-          <a:p>
-            <a:pPr algn="l"/>
-            <a:r>
-              <a:rPr lang="en-US" altLang="ko-KR" sz="5400" dirty="0" smtClean="0">
-                <a:latin typeface="G마켓 산스 TTF Medium" panose="02000000000000000000" pitchFamily="2" charset="-127"/>
-                <a:ea typeface="G마켓 산스 TTF Medium" panose="02000000000000000000" pitchFamily="2" charset="-127"/>
-              </a:rPr>
-              <a:t>1. Crawling data </a:t>
-            </a:r>
-            <a:r>
-              <a:rPr lang="ko-KR" altLang="en-US" sz="5400" dirty="0" smtClean="0">
-                <a:latin typeface="G마켓 산스 TTF Medium" panose="02000000000000000000" pitchFamily="2" charset="-127"/>
-                <a:ea typeface="G마켓 산스 TTF Medium" panose="02000000000000000000" pitchFamily="2" charset="-127"/>
-              </a:rPr>
-              <a:t>접근</a:t>
-            </a:r>
-            <a:endParaRPr lang="ko-KR" altLang="en-US" dirty="0">
-              <a:latin typeface="G마켓 산스 TTF Bold" panose="02000000000000000000" pitchFamily="2" charset="-127"/>
-              <a:ea typeface="G마켓 산스 TTF Bold" panose="02000000000000000000" pitchFamily="2" charset="-127"/>
+            <a:endParaRPr lang="ko-KR" altLang="en-US">
+              <a:solidFill>
+                <a:schemeClr val="accent4">
+                  <a:lumMod val="75000"/>
+                </a:schemeClr>
+              </a:solidFill>
             </a:endParaRPr>
           </a:p>
         </p:txBody>
       </p:sp>
+      <p:cxnSp>
+        <p:nvCxnSpPr>
+          <p:cNvPr id="9" name="직선 연결선 8"/>
+          <p:cNvCxnSpPr/>
+          <p:nvPr/>
+        </p:nvCxnSpPr>
+        <p:spPr>
+          <a:xfrm>
+            <a:off x="626076" y="906162"/>
+            <a:ext cx="11565924" cy="0"/>
+          </a:xfrm>
+          <a:prstGeom prst="line">
+            <a:avLst/>
+          </a:prstGeom>
+        </p:spPr>
+        <p:style>
+          <a:lnRef idx="1">
+            <a:schemeClr val="accent4"/>
+          </a:lnRef>
+          <a:fillRef idx="0">
+            <a:schemeClr val="accent4"/>
+          </a:fillRef>
+          <a:effectRef idx="0">
+            <a:schemeClr val="accent4"/>
+          </a:effectRef>
+          <a:fontRef idx="minor">
+            <a:schemeClr val="tx1"/>
+          </a:fontRef>
+        </p:style>
+      </p:cxnSp>
+      <p:pic>
+        <p:nvPicPr>
+          <p:cNvPr id="15" name="그림 14">
+            <a:hlinkClick r:id="rId2"/>
+          </p:cNvPr>
+          <p:cNvPicPr>
+            <a:picLocks noChangeAspect="1"/>
+          </p:cNvPicPr>
+          <p:nvPr/>
+        </p:nvPicPr>
+        <p:blipFill>
+          <a:blip r:embed="rId3"/>
+          <a:stretch>
+            <a:fillRect/>
+          </a:stretch>
+        </p:blipFill>
+        <p:spPr>
+          <a:xfrm>
+            <a:off x="609598" y="966539"/>
+            <a:ext cx="7240485" cy="5833797"/>
+          </a:xfrm>
+          <a:prstGeom prst="rect">
+            <a:avLst/>
+          </a:prstGeom>
+        </p:spPr>
+      </p:pic>
     </p:spTree>
     <p:extLst>
       <p:ext uri="{BB962C8B-B14F-4D97-AF65-F5344CB8AC3E}">
-        <p14:creationId xmlns:p14="http://schemas.microsoft.com/office/powerpoint/2010/main" val="1961193902"/>
+        <p14:creationId xmlns:p14="http://schemas.microsoft.com/office/powerpoint/2010/main" val="1324735760"/>
       </p:ext>
     </p:extLst>
   </p:cSld>
@@ -7917,188 +7752,6 @@
                 <a:latin typeface="G마켓 산스 TTF Medium" panose="02000000000000000000" pitchFamily="2" charset="-127"/>
                 <a:ea typeface="G마켓 산스 TTF Medium" panose="02000000000000000000" pitchFamily="2" charset="-127"/>
               </a:rPr>
-              <a:t>G2G</a:t>
-            </a:r>
-            <a:endParaRPr lang="ko-KR" altLang="en-US" sz="3200" dirty="0">
-              <a:latin typeface="G마켓 산스 TTF Medium" panose="02000000000000000000" pitchFamily="2" charset="-127"/>
-              <a:ea typeface="G마켓 산스 TTF Medium" panose="02000000000000000000" pitchFamily="2" charset="-127"/>
-            </a:endParaRPr>
-          </a:p>
-        </p:txBody>
-      </p:sp>
-      <p:sp>
-        <p:nvSpPr>
-          <p:cNvPr id="4" name="직사각형 3"/>
-          <p:cNvSpPr/>
-          <p:nvPr/>
-        </p:nvSpPr>
-        <p:spPr>
-          <a:xfrm>
-            <a:off x="543697" y="362466"/>
-            <a:ext cx="74141" cy="428366"/>
-          </a:xfrm>
-          <a:prstGeom prst="rect">
-            <a:avLst/>
-          </a:prstGeom>
-          <a:solidFill>
-            <a:srgbClr val="EA9C00"/>
-          </a:solidFill>
-          <a:ln>
-            <a:noFill/>
-          </a:ln>
-        </p:spPr>
-        <p:style>
-          <a:lnRef idx="2">
-            <a:schemeClr val="accent1">
-              <a:shade val="50000"/>
-            </a:schemeClr>
-          </a:lnRef>
-          <a:fillRef idx="1">
-            <a:schemeClr val="accent1"/>
-          </a:fillRef>
-          <a:effectRef idx="0">
-            <a:schemeClr val="accent1"/>
-          </a:effectRef>
-          <a:fontRef idx="minor">
-            <a:schemeClr val="lt1"/>
-          </a:fontRef>
-        </p:style>
-        <p:txBody>
-          <a:bodyPr rtlCol="0" anchor="ctr"/>
-          <a:lstStyle/>
-          <a:p>
-            <a:pPr algn="ctr"/>
-            <a:endParaRPr lang="ko-KR" altLang="en-US">
-              <a:solidFill>
-                <a:schemeClr val="accent4">
-                  <a:lumMod val="75000"/>
-                </a:schemeClr>
-              </a:solidFill>
-            </a:endParaRPr>
-          </a:p>
-        </p:txBody>
-      </p:sp>
-      <p:cxnSp>
-        <p:nvCxnSpPr>
-          <p:cNvPr id="9" name="직선 연결선 8"/>
-          <p:cNvCxnSpPr/>
-          <p:nvPr/>
-        </p:nvCxnSpPr>
-        <p:spPr>
-          <a:xfrm>
-            <a:off x="626076" y="906162"/>
-            <a:ext cx="11565924" cy="0"/>
-          </a:xfrm>
-          <a:prstGeom prst="line">
-            <a:avLst/>
-          </a:prstGeom>
-        </p:spPr>
-        <p:style>
-          <a:lnRef idx="1">
-            <a:schemeClr val="accent4"/>
-          </a:lnRef>
-          <a:fillRef idx="0">
-            <a:schemeClr val="accent4"/>
-          </a:fillRef>
-          <a:effectRef idx="0">
-            <a:schemeClr val="accent4"/>
-          </a:effectRef>
-          <a:fontRef idx="minor">
-            <a:schemeClr val="tx1"/>
-          </a:fontRef>
-        </p:style>
-      </p:cxnSp>
-      <p:pic>
-        <p:nvPicPr>
-          <p:cNvPr id="15" name="그림 14">
-            <a:hlinkClick r:id="rId2"/>
-          </p:cNvPr>
-          <p:cNvPicPr>
-            <a:picLocks noChangeAspect="1"/>
-          </p:cNvPicPr>
-          <p:nvPr/>
-        </p:nvPicPr>
-        <p:blipFill>
-          <a:blip r:embed="rId3"/>
-          <a:stretch>
-            <a:fillRect/>
-          </a:stretch>
-        </p:blipFill>
-        <p:spPr>
-          <a:xfrm>
-            <a:off x="609598" y="966539"/>
-            <a:ext cx="7240485" cy="5833797"/>
-          </a:xfrm>
-          <a:prstGeom prst="rect">
-            <a:avLst/>
-          </a:prstGeom>
-        </p:spPr>
-      </p:pic>
-    </p:spTree>
-    <p:extLst>
-      <p:ext uri="{BB962C8B-B14F-4D97-AF65-F5344CB8AC3E}">
-        <p14:creationId xmlns:p14="http://schemas.microsoft.com/office/powerpoint/2010/main" val="1324735760"/>
-      </p:ext>
-    </p:extLst>
-  </p:cSld>
-  <p:clrMapOvr>
-    <a:masterClrMapping/>
-  </p:clrMapOvr>
-  <p:timing>
-    <p:tnLst>
-      <p:par>
-        <p:cTn id="1" dur="indefinite" restart="never" nodeType="tmRoot"/>
-      </p:par>
-    </p:tnLst>
-  </p:timing>
-</p:sld>
-</file>
-
-<file path=ppt/slides/slide7.xml><?xml version="1.0" encoding="utf-8"?>
-<p:sld xmlns:a="http://schemas.openxmlformats.org/drawingml/2006/main" xmlns:r="http://schemas.openxmlformats.org/officeDocument/2006/relationships" xmlns:p="http://schemas.openxmlformats.org/presentationml/2006/main">
-  <p:cSld>
-    <p:spTree>
-      <p:nvGrpSpPr>
-        <p:cNvPr id="1" name=""/>
-        <p:cNvGrpSpPr/>
-        <p:nvPr/>
-      </p:nvGrpSpPr>
-      <p:grpSpPr>
-        <a:xfrm>
-          <a:off x="0" y="0"/>
-          <a:ext cx="0" cy="0"/>
-          <a:chOff x="0" y="0"/>
-          <a:chExt cx="0" cy="0"/>
-        </a:xfrm>
-      </p:grpSpPr>
-      <p:sp>
-        <p:nvSpPr>
-          <p:cNvPr id="2" name="제목 1"/>
-          <p:cNvSpPr>
-            <a:spLocks noGrp="1"/>
-          </p:cNvSpPr>
-          <p:nvPr>
-            <p:ph type="ctrTitle"/>
-          </p:nvPr>
-        </p:nvSpPr>
-        <p:spPr>
-          <a:xfrm>
-            <a:off x="626076" y="362466"/>
-            <a:ext cx="11565924" cy="543696"/>
-          </a:xfrm>
-        </p:spPr>
-        <p:txBody>
-          <a:bodyPr>
-            <a:noAutofit/>
-          </a:bodyPr>
-          <a:lstStyle/>
-          <a:p>
-            <a:pPr algn="l"/>
-            <a:r>
-              <a:rPr lang="en-US" altLang="ko-KR" sz="3200" dirty="0" smtClean="0">
-                <a:latin typeface="G마켓 산스 TTF Medium" panose="02000000000000000000" pitchFamily="2" charset="-127"/>
-                <a:ea typeface="G마켓 산스 TTF Medium" panose="02000000000000000000" pitchFamily="2" charset="-127"/>
-              </a:rPr>
               <a:t>Crawling </a:t>
             </a:r>
             <a:r>
@@ -8265,7 +7918,7 @@
 </p:sld>
 </file>
 
-<file path=ppt/slides/slide8.xml><?xml version="1.0" encoding="utf-8"?>
+<file path=ppt/slides/slide7.xml><?xml version="1.0" encoding="utf-8"?>
 <p:sld xmlns:a="http://schemas.openxmlformats.org/drawingml/2006/main" xmlns:r="http://schemas.openxmlformats.org/officeDocument/2006/relationships" xmlns:p="http://schemas.openxmlformats.org/presentationml/2006/main">
   <p:cSld>
     <p:spTree>
@@ -9141,7 +8794,7 @@
 </p:sld>
 </file>
 
-<file path=ppt/slides/slide9.xml><?xml version="1.0" encoding="utf-8"?>
+<file path=ppt/slides/slide8.xml><?xml version="1.0" encoding="utf-8"?>
 <p:sld xmlns:a="http://schemas.openxmlformats.org/drawingml/2006/main" xmlns:r="http://schemas.openxmlformats.org/officeDocument/2006/relationships" xmlns:p="http://schemas.openxmlformats.org/presentationml/2006/main">
   <p:cSld>
     <p:spTree>
@@ -9312,6 +8965,73 @@
     <p:extLst>
       <p:ext uri="{BB962C8B-B14F-4D97-AF65-F5344CB8AC3E}">
         <p14:creationId xmlns:p14="http://schemas.microsoft.com/office/powerpoint/2010/main" val="467313316"/>
+      </p:ext>
+    </p:extLst>
+  </p:cSld>
+  <p:clrMapOvr>
+    <a:masterClrMapping/>
+  </p:clrMapOvr>
+  <p:timing>
+    <p:tnLst>
+      <p:par>
+        <p:cTn id="1" dur="indefinite" restart="never" nodeType="tmRoot"/>
+      </p:par>
+    </p:tnLst>
+  </p:timing>
+</p:sld>
+</file>
+
+<file path=ppt/slides/slide9.xml><?xml version="1.0" encoding="utf-8"?>
+<p:sld xmlns:a="http://schemas.openxmlformats.org/drawingml/2006/main" xmlns:r="http://schemas.openxmlformats.org/officeDocument/2006/relationships" xmlns:p="http://schemas.openxmlformats.org/presentationml/2006/main">
+  <p:cSld>
+    <p:spTree>
+      <p:nvGrpSpPr>
+        <p:cNvPr id="1" name=""/>
+        <p:cNvGrpSpPr/>
+        <p:nvPr/>
+      </p:nvGrpSpPr>
+      <p:grpSpPr>
+        <a:xfrm>
+          <a:off x="0" y="0"/>
+          <a:ext cx="0" cy="0"/>
+          <a:chOff x="0" y="0"/>
+          <a:chExt cx="0" cy="0"/>
+        </a:xfrm>
+      </p:grpSpPr>
+      <p:pic>
+        <p:nvPicPr>
+          <p:cNvPr id="10" name="그림 9"/>
+          <p:cNvPicPr>
+            <a:picLocks noChangeAspect="1"/>
+          </p:cNvPicPr>
+          <p:nvPr/>
+        </p:nvPicPr>
+        <p:blipFill>
+          <a:blip r:embed="rId2">
+            <a:extLst>
+              <a:ext uri="{28A0092B-C50C-407E-A947-70E740481C1C}">
+                <a14:useLocalDpi xmlns:a14="http://schemas.microsoft.com/office/drawing/2010/main" val="0"/>
+              </a:ext>
+            </a:extLst>
+          </a:blip>
+          <a:stretch>
+            <a:fillRect/>
+          </a:stretch>
+        </p:blipFill>
+        <p:spPr>
+          <a:xfrm>
+            <a:off x="-304800" y="-377638"/>
+            <a:ext cx="12863356" cy="7235638"/>
+          </a:xfrm>
+          <a:prstGeom prst="rect">
+            <a:avLst/>
+          </a:prstGeom>
+        </p:spPr>
+      </p:pic>
+    </p:spTree>
+    <p:extLst>
+      <p:ext uri="{BB962C8B-B14F-4D97-AF65-F5344CB8AC3E}">
+        <p14:creationId xmlns:p14="http://schemas.microsoft.com/office/powerpoint/2010/main" val="3146128846"/>
       </p:ext>
     </p:extLst>
   </p:cSld>

--- a/crawling-g2g/docs/현거래 Data 수집.pptx
+++ b/crawling-g2g/docs/현거래 Data 수집.pptx
@@ -272,7 +272,7 @@
           <a:p>
             <a:fld id="{C9902EFD-4C21-45BA-9789-9A9152B23F31}" type="datetimeFigureOut">
               <a:rPr lang="ko-KR" altLang="en-US" smtClean="0"/>
-              <a:t>2022-02-06</a:t>
+              <a:t>2022-02-16</a:t>
             </a:fld>
             <a:endParaRPr lang="ko-KR" altLang="en-US"/>
           </a:p>
@@ -442,7 +442,7 @@
           <a:p>
             <a:fld id="{C9902EFD-4C21-45BA-9789-9A9152B23F31}" type="datetimeFigureOut">
               <a:rPr lang="ko-KR" altLang="en-US" smtClean="0"/>
-              <a:t>2022-02-06</a:t>
+              <a:t>2022-02-16</a:t>
             </a:fld>
             <a:endParaRPr lang="ko-KR" altLang="en-US"/>
           </a:p>
@@ -622,7 +622,7 @@
           <a:p>
             <a:fld id="{C9902EFD-4C21-45BA-9789-9A9152B23F31}" type="datetimeFigureOut">
               <a:rPr lang="ko-KR" altLang="en-US" smtClean="0"/>
-              <a:t>2022-02-06</a:t>
+              <a:t>2022-02-16</a:t>
             </a:fld>
             <a:endParaRPr lang="ko-KR" altLang="en-US"/>
           </a:p>
@@ -792,7 +792,7 @@
           <a:p>
             <a:fld id="{C9902EFD-4C21-45BA-9789-9A9152B23F31}" type="datetimeFigureOut">
               <a:rPr lang="ko-KR" altLang="en-US" smtClean="0"/>
-              <a:t>2022-02-06</a:t>
+              <a:t>2022-02-16</a:t>
             </a:fld>
             <a:endParaRPr lang="ko-KR" altLang="en-US"/>
           </a:p>
@@ -1038,7 +1038,7 @@
           <a:p>
             <a:fld id="{C9902EFD-4C21-45BA-9789-9A9152B23F31}" type="datetimeFigureOut">
               <a:rPr lang="ko-KR" altLang="en-US" smtClean="0"/>
-              <a:t>2022-02-06</a:t>
+              <a:t>2022-02-16</a:t>
             </a:fld>
             <a:endParaRPr lang="ko-KR" altLang="en-US"/>
           </a:p>
@@ -1270,7 +1270,7 @@
           <a:p>
             <a:fld id="{C9902EFD-4C21-45BA-9789-9A9152B23F31}" type="datetimeFigureOut">
               <a:rPr lang="ko-KR" altLang="en-US" smtClean="0"/>
-              <a:t>2022-02-06</a:t>
+              <a:t>2022-02-16</a:t>
             </a:fld>
             <a:endParaRPr lang="ko-KR" altLang="en-US"/>
           </a:p>
@@ -1637,7 +1637,7 @@
           <a:p>
             <a:fld id="{C9902EFD-4C21-45BA-9789-9A9152B23F31}" type="datetimeFigureOut">
               <a:rPr lang="ko-KR" altLang="en-US" smtClean="0"/>
-              <a:t>2022-02-06</a:t>
+              <a:t>2022-02-16</a:t>
             </a:fld>
             <a:endParaRPr lang="ko-KR" altLang="en-US"/>
           </a:p>
@@ -1755,7 +1755,7 @@
           <a:p>
             <a:fld id="{C9902EFD-4C21-45BA-9789-9A9152B23F31}" type="datetimeFigureOut">
               <a:rPr lang="ko-KR" altLang="en-US" smtClean="0"/>
-              <a:t>2022-02-06</a:t>
+              <a:t>2022-02-16</a:t>
             </a:fld>
             <a:endParaRPr lang="ko-KR" altLang="en-US"/>
           </a:p>
@@ -1850,7 +1850,7 @@
           <a:p>
             <a:fld id="{C9902EFD-4C21-45BA-9789-9A9152B23F31}" type="datetimeFigureOut">
               <a:rPr lang="ko-KR" altLang="en-US" smtClean="0"/>
-              <a:t>2022-02-06</a:t>
+              <a:t>2022-02-16</a:t>
             </a:fld>
             <a:endParaRPr lang="ko-KR" altLang="en-US"/>
           </a:p>
@@ -2127,7 +2127,7 @@
           <a:p>
             <a:fld id="{C9902EFD-4C21-45BA-9789-9A9152B23F31}" type="datetimeFigureOut">
               <a:rPr lang="ko-KR" altLang="en-US" smtClean="0"/>
-              <a:t>2022-02-06</a:t>
+              <a:t>2022-02-16</a:t>
             </a:fld>
             <a:endParaRPr lang="ko-KR" altLang="en-US"/>
           </a:p>
@@ -2380,7 +2380,7 @@
           <a:p>
             <a:fld id="{C9902EFD-4C21-45BA-9789-9A9152B23F31}" type="datetimeFigureOut">
               <a:rPr lang="ko-KR" altLang="en-US" smtClean="0"/>
-              <a:t>2022-02-06</a:t>
+              <a:t>2022-02-16</a:t>
             </a:fld>
             <a:endParaRPr lang="ko-KR" altLang="en-US"/>
           </a:p>
@@ -2593,7 +2593,7 @@
           <a:p>
             <a:fld id="{C9902EFD-4C21-45BA-9789-9A9152B23F31}" type="datetimeFigureOut">
               <a:rPr lang="ko-KR" altLang="en-US" smtClean="0"/>
-              <a:t>2022-02-06</a:t>
+              <a:t>2022-02-16</a:t>
             </a:fld>
             <a:endParaRPr lang="ko-KR" altLang="en-US"/>
           </a:p>
@@ -5896,7 +5896,7 @@
         </p:nvSpPr>
         <p:spPr>
           <a:xfrm>
-            <a:off x="4332386" y="1367053"/>
+            <a:off x="3498668" y="1334528"/>
             <a:ext cx="1862480" cy="4495865"/>
           </a:xfrm>
           <a:prstGeom prst="rect">
@@ -5975,7 +5975,7 @@
         </p:nvSpPr>
         <p:spPr>
           <a:xfrm>
-            <a:off x="1451556" y="1367053"/>
+            <a:off x="617838" y="1334528"/>
             <a:ext cx="1736243" cy="4495865"/>
           </a:xfrm>
           <a:prstGeom prst="rect">
@@ -6173,7 +6173,7 @@
         </p:nvSpPr>
         <p:spPr>
           <a:xfrm>
-            <a:off x="1641273" y="2311682"/>
+            <a:off x="807555" y="2279157"/>
             <a:ext cx="1356821" cy="825966"/>
           </a:xfrm>
           <a:prstGeom prst="rect">
@@ -6257,7 +6257,7 @@
         </p:nvSpPr>
         <p:spPr>
           <a:xfrm>
-            <a:off x="1641272" y="3737917"/>
+            <a:off x="807554" y="3705392"/>
             <a:ext cx="1356821" cy="549271"/>
           </a:xfrm>
           <a:prstGeom prst="rect">
@@ -6321,7 +6321,7 @@
         </p:nvSpPr>
         <p:spPr>
           <a:xfrm>
-            <a:off x="1641268" y="4887457"/>
+            <a:off x="807550" y="4854932"/>
             <a:ext cx="1356821" cy="769636"/>
           </a:xfrm>
           <a:prstGeom prst="rect">
@@ -6405,7 +6405,7 @@
         </p:nvSpPr>
         <p:spPr>
           <a:xfrm>
-            <a:off x="2162797" y="3241471"/>
+            <a:off x="1329079" y="3208946"/>
             <a:ext cx="313765" cy="377847"/>
           </a:xfrm>
           <a:prstGeom prst="downArrow">
@@ -6445,7 +6445,7 @@
         </p:nvSpPr>
         <p:spPr>
           <a:xfrm>
-            <a:off x="2162797" y="4400185"/>
+            <a:off x="1329079" y="4367660"/>
             <a:ext cx="313765" cy="377847"/>
           </a:xfrm>
           <a:prstGeom prst="downArrow">
@@ -6485,7 +6485,7 @@
         </p:nvSpPr>
         <p:spPr>
           <a:xfrm>
-            <a:off x="3302893" y="3534821"/>
+            <a:off x="2469175" y="3502296"/>
             <a:ext cx="950259" cy="547453"/>
           </a:xfrm>
           <a:prstGeom prst="rightArrow">
@@ -6535,7 +6535,7 @@
         </p:nvSpPr>
         <p:spPr>
           <a:xfrm>
-            <a:off x="4412339" y="2311681"/>
+            <a:off x="3578621" y="2279156"/>
             <a:ext cx="1685365" cy="825965"/>
           </a:xfrm>
           <a:prstGeom prst="rect">
@@ -6629,7 +6629,7 @@
         </p:nvSpPr>
         <p:spPr>
           <a:xfrm>
-            <a:off x="5098140" y="3241470"/>
+            <a:off x="4264422" y="3208945"/>
             <a:ext cx="313765" cy="377847"/>
           </a:xfrm>
           <a:prstGeom prst="downArrow">
@@ -6669,7 +6669,7 @@
         </p:nvSpPr>
         <p:spPr>
           <a:xfrm>
-            <a:off x="6309960" y="3534821"/>
+            <a:off x="5476242" y="3502296"/>
             <a:ext cx="950259" cy="547453"/>
           </a:xfrm>
           <a:prstGeom prst="rightArrow">
@@ -6719,7 +6719,7 @@
         </p:nvSpPr>
         <p:spPr>
           <a:xfrm>
-            <a:off x="4412339" y="3716964"/>
+            <a:off x="3578621" y="3684439"/>
             <a:ext cx="1685365" cy="1847273"/>
           </a:xfrm>
           <a:prstGeom prst="rect">
@@ -6783,7 +6783,7 @@
         </p:nvSpPr>
         <p:spPr>
           <a:xfrm>
-            <a:off x="4519288" y="4076097"/>
+            <a:off x="3685570" y="4043572"/>
             <a:ext cx="1488141" cy="1343858"/>
           </a:xfrm>
           <a:prstGeom prst="rect">
@@ -6897,7 +6897,7 @@
         </p:nvSpPr>
         <p:spPr>
           <a:xfrm>
-            <a:off x="7375313" y="1371470"/>
+            <a:off x="6541595" y="1338945"/>
             <a:ext cx="1862480" cy="4495865"/>
           </a:xfrm>
           <a:prstGeom prst="rect">
@@ -6966,7 +6966,7 @@
         </p:nvSpPr>
         <p:spPr>
           <a:xfrm>
-            <a:off x="7455266" y="2316098"/>
+            <a:off x="6621548" y="2283573"/>
             <a:ext cx="1685365" cy="825965"/>
           </a:xfrm>
           <a:prstGeom prst="rect">
@@ -7070,7 +7070,7 @@
         </p:nvSpPr>
         <p:spPr>
           <a:xfrm>
-            <a:off x="8141067" y="3245887"/>
+            <a:off x="7307349" y="3213362"/>
             <a:ext cx="313765" cy="377847"/>
           </a:xfrm>
           <a:prstGeom prst="downArrow">
@@ -7110,7 +7110,7 @@
         </p:nvSpPr>
         <p:spPr>
           <a:xfrm>
-            <a:off x="7455268" y="3727558"/>
+            <a:off x="6621550" y="3695033"/>
             <a:ext cx="1685365" cy="549271"/>
           </a:xfrm>
           <a:prstGeom prst="rect">
@@ -7214,7 +7214,7 @@
         </p:nvSpPr>
         <p:spPr>
           <a:xfrm>
-            <a:off x="8141065" y="4380653"/>
+            <a:off x="7307347" y="4348128"/>
             <a:ext cx="313765" cy="377847"/>
           </a:xfrm>
           <a:prstGeom prst="downArrow">
@@ -7254,7 +7254,7 @@
         </p:nvSpPr>
         <p:spPr>
           <a:xfrm>
-            <a:off x="7455266" y="4862324"/>
+            <a:off x="6621548" y="4829799"/>
             <a:ext cx="1685365" cy="799186"/>
           </a:xfrm>
           <a:prstGeom prst="rect">
@@ -7376,6 +7376,526 @@
               </a:solidFill>
               <a:latin typeface="G마켓 산스 TTF Light" panose="02000000000000000000" pitchFamily="2" charset="-127"/>
               <a:ea typeface="G마켓 산스 TTF Light" panose="02000000000000000000" pitchFamily="2" charset="-127"/>
+            </a:endParaRPr>
+          </a:p>
+        </p:txBody>
+      </p:sp>
+      <p:sp>
+        <p:nvSpPr>
+          <p:cNvPr id="24" name="오른쪽 화살표 23"/>
+          <p:cNvSpPr/>
+          <p:nvPr/>
+        </p:nvSpPr>
+        <p:spPr>
+          <a:xfrm>
+            <a:off x="8597539" y="3502296"/>
+            <a:ext cx="950259" cy="547453"/>
+          </a:xfrm>
+          <a:prstGeom prst="rightArrow">
+            <a:avLst/>
+          </a:prstGeom>
+          <a:solidFill>
+            <a:srgbClr val="EA9C00"/>
+          </a:solidFill>
+          <a:ln>
+            <a:solidFill>
+              <a:schemeClr val="accent4">
+                <a:lumMod val="50000"/>
+              </a:schemeClr>
+            </a:solidFill>
+          </a:ln>
+        </p:spPr>
+        <p:style>
+          <a:lnRef idx="2">
+            <a:schemeClr val="accent1">
+              <a:shade val="50000"/>
+            </a:schemeClr>
+          </a:lnRef>
+          <a:fillRef idx="1">
+            <a:schemeClr val="accent1"/>
+          </a:fillRef>
+          <a:effectRef idx="0">
+            <a:schemeClr val="accent1"/>
+          </a:effectRef>
+          <a:fontRef idx="minor">
+            <a:schemeClr val="lt1"/>
+          </a:fontRef>
+        </p:style>
+        <p:txBody>
+          <a:bodyPr rtlCol="0" anchor="ctr"/>
+          <a:lstStyle/>
+          <a:p>
+            <a:pPr algn="ctr"/>
+            <a:endParaRPr lang="ko-KR" altLang="en-US"/>
+          </a:p>
+        </p:txBody>
+      </p:sp>
+      <p:sp>
+        <p:nvSpPr>
+          <p:cNvPr id="25" name="직사각형 24"/>
+          <p:cNvSpPr/>
+          <p:nvPr/>
+        </p:nvSpPr>
+        <p:spPr>
+          <a:xfrm>
+            <a:off x="9682775" y="1418122"/>
+            <a:ext cx="1862480" cy="4495865"/>
+          </a:xfrm>
+          <a:prstGeom prst="rect">
+            <a:avLst/>
+          </a:prstGeom>
+          <a:solidFill>
+            <a:schemeClr val="accent4">
+              <a:lumMod val="40000"/>
+              <a:lumOff val="60000"/>
+            </a:schemeClr>
+          </a:solidFill>
+          <a:ln>
+            <a:solidFill>
+              <a:schemeClr val="accent4">
+                <a:lumMod val="50000"/>
+              </a:schemeClr>
+            </a:solidFill>
+          </a:ln>
+        </p:spPr>
+        <p:style>
+          <a:lnRef idx="2">
+            <a:schemeClr val="accent1">
+              <a:shade val="50000"/>
+            </a:schemeClr>
+          </a:lnRef>
+          <a:fillRef idx="1">
+            <a:schemeClr val="accent1"/>
+          </a:fillRef>
+          <a:effectRef idx="0">
+            <a:schemeClr val="accent1"/>
+          </a:effectRef>
+          <a:fontRef idx="minor">
+            <a:schemeClr val="lt1"/>
+          </a:fontRef>
+        </p:style>
+        <p:txBody>
+          <a:bodyPr rtlCol="0" anchor="t"/>
+          <a:lstStyle/>
+          <a:p>
+            <a:pPr algn="ctr"/>
+            <a:r>
+              <a:rPr lang="en-US" altLang="ko-KR" sz="2000" dirty="0" smtClean="0">
+                <a:solidFill>
+                  <a:schemeClr val="tx1"/>
+                </a:solidFill>
+                <a:latin typeface="G마켓 산스 TTF Medium" panose="02000000000000000000" pitchFamily="2" charset="-127"/>
+                <a:ea typeface="G마켓 산스 TTF Medium" panose="02000000000000000000" pitchFamily="2" charset="-127"/>
+              </a:rPr>
+              <a:t>Data </a:t>
+            </a:r>
+            <a:r>
+              <a:rPr lang="ko-KR" altLang="en-US" sz="2000" dirty="0" smtClean="0">
+                <a:solidFill>
+                  <a:schemeClr val="tx1"/>
+                </a:solidFill>
+                <a:latin typeface="G마켓 산스 TTF Medium" panose="02000000000000000000" pitchFamily="2" charset="-127"/>
+                <a:ea typeface="G마켓 산스 TTF Medium" panose="02000000000000000000" pitchFamily="2" charset="-127"/>
+              </a:rPr>
+              <a:t>축적 후</a:t>
+            </a:r>
+            <a:endParaRPr lang="en-US" altLang="ko-KR" sz="2000" dirty="0" smtClean="0">
+              <a:solidFill>
+                <a:schemeClr val="tx1"/>
+              </a:solidFill>
+              <a:latin typeface="G마켓 산스 TTF Medium" panose="02000000000000000000" pitchFamily="2" charset="-127"/>
+              <a:ea typeface="G마켓 산스 TTF Medium" panose="02000000000000000000" pitchFamily="2" charset="-127"/>
+            </a:endParaRPr>
+          </a:p>
+        </p:txBody>
+      </p:sp>
+      <p:sp>
+        <p:nvSpPr>
+          <p:cNvPr id="39" name="직사각형 38"/>
+          <p:cNvSpPr/>
+          <p:nvPr/>
+        </p:nvSpPr>
+        <p:spPr>
+          <a:xfrm>
+            <a:off x="9771332" y="1928749"/>
+            <a:ext cx="1685365" cy="2025413"/>
+          </a:xfrm>
+          <a:prstGeom prst="rect">
+            <a:avLst/>
+          </a:prstGeom>
+          <a:solidFill>
+            <a:schemeClr val="bg1"/>
+          </a:solidFill>
+          <a:ln>
+            <a:solidFill>
+              <a:srgbClr val="EA9C00"/>
+            </a:solidFill>
+          </a:ln>
+        </p:spPr>
+        <p:style>
+          <a:lnRef idx="2">
+            <a:schemeClr val="accent1">
+              <a:shade val="50000"/>
+            </a:schemeClr>
+          </a:lnRef>
+          <a:fillRef idx="1">
+            <a:schemeClr val="accent1"/>
+          </a:fillRef>
+          <a:effectRef idx="0">
+            <a:schemeClr val="accent1"/>
+          </a:effectRef>
+          <a:fontRef idx="minor">
+            <a:schemeClr val="lt1"/>
+          </a:fontRef>
+        </p:style>
+        <p:txBody>
+          <a:bodyPr rtlCol="0" anchor="t"/>
+          <a:lstStyle/>
+          <a:p>
+            <a:pPr algn="ctr"/>
+            <a:r>
+              <a:rPr lang="en-US" altLang="ko-KR" dirty="0" smtClean="0">
+                <a:solidFill>
+                  <a:schemeClr val="tx1"/>
+                </a:solidFill>
+                <a:latin typeface="G마켓 산스 TTF Light" panose="02000000000000000000" pitchFamily="2" charset="-127"/>
+                <a:ea typeface="G마켓 산스 TTF Light" panose="02000000000000000000" pitchFamily="2" charset="-127"/>
+              </a:rPr>
+              <a:t>Google data Studio</a:t>
+            </a:r>
+            <a:endParaRPr lang="ko-KR" altLang="en-US" dirty="0">
+              <a:solidFill>
+                <a:schemeClr val="tx1"/>
+              </a:solidFill>
+              <a:latin typeface="G마켓 산스 TTF Light" panose="02000000000000000000" pitchFamily="2" charset="-127"/>
+              <a:ea typeface="G마켓 산스 TTF Light" panose="02000000000000000000" pitchFamily="2" charset="-127"/>
+            </a:endParaRPr>
+          </a:p>
+        </p:txBody>
+      </p:sp>
+      <p:sp>
+        <p:nvSpPr>
+          <p:cNvPr id="40" name="직사각형 39"/>
+          <p:cNvSpPr/>
+          <p:nvPr/>
+        </p:nvSpPr>
+        <p:spPr>
+          <a:xfrm>
+            <a:off x="9869943" y="2537016"/>
+            <a:ext cx="1488141" cy="321514"/>
+          </a:xfrm>
+          <a:prstGeom prst="rect">
+            <a:avLst/>
+          </a:prstGeom>
+          <a:noFill/>
+          <a:ln>
+            <a:solidFill>
+              <a:schemeClr val="accent4">
+                <a:lumMod val="50000"/>
+              </a:schemeClr>
+            </a:solidFill>
+          </a:ln>
+        </p:spPr>
+        <p:style>
+          <a:lnRef idx="2">
+            <a:schemeClr val="accent1">
+              <a:shade val="50000"/>
+            </a:schemeClr>
+          </a:lnRef>
+          <a:fillRef idx="1">
+            <a:schemeClr val="accent1"/>
+          </a:fillRef>
+          <a:effectRef idx="0">
+            <a:schemeClr val="accent1"/>
+          </a:effectRef>
+          <a:fontRef idx="minor">
+            <a:schemeClr val="lt1"/>
+          </a:fontRef>
+        </p:style>
+        <p:txBody>
+          <a:bodyPr rtlCol="0" anchor="ctr"/>
+          <a:lstStyle/>
+          <a:p>
+            <a:pPr algn="ctr"/>
+            <a:r>
+              <a:rPr lang="en-US" altLang="ko-KR" dirty="0" smtClean="0">
+                <a:solidFill>
+                  <a:schemeClr val="tx1"/>
+                </a:solidFill>
+              </a:rPr>
+              <a:t>Dashboard</a:t>
+            </a:r>
+          </a:p>
+        </p:txBody>
+      </p:sp>
+      <p:sp>
+        <p:nvSpPr>
+          <p:cNvPr id="41" name="직사각형 40"/>
+          <p:cNvSpPr/>
+          <p:nvPr/>
+        </p:nvSpPr>
+        <p:spPr>
+          <a:xfrm>
+            <a:off x="9869942" y="3306040"/>
+            <a:ext cx="1488141" cy="573982"/>
+          </a:xfrm>
+          <a:prstGeom prst="rect">
+            <a:avLst/>
+          </a:prstGeom>
+          <a:noFill/>
+          <a:ln>
+            <a:solidFill>
+              <a:schemeClr val="accent4">
+                <a:lumMod val="50000"/>
+              </a:schemeClr>
+            </a:solidFill>
+          </a:ln>
+        </p:spPr>
+        <p:style>
+          <a:lnRef idx="2">
+            <a:schemeClr val="accent1">
+              <a:shade val="50000"/>
+            </a:schemeClr>
+          </a:lnRef>
+          <a:fillRef idx="1">
+            <a:schemeClr val="accent1"/>
+          </a:fillRef>
+          <a:effectRef idx="0">
+            <a:schemeClr val="accent1"/>
+          </a:effectRef>
+          <a:fontRef idx="minor">
+            <a:schemeClr val="lt1"/>
+          </a:fontRef>
+        </p:style>
+        <p:txBody>
+          <a:bodyPr rtlCol="0" anchor="ctr"/>
+          <a:lstStyle/>
+          <a:p>
+            <a:pPr algn="ctr"/>
+            <a:r>
+              <a:rPr lang="ko-KR" altLang="en-US" dirty="0" smtClean="0">
+                <a:solidFill>
+                  <a:schemeClr val="tx1"/>
+                </a:solidFill>
+              </a:rPr>
+              <a:t>가격</a:t>
+            </a:r>
+            <a:r>
+              <a:rPr lang="en-US" altLang="ko-KR" dirty="0" smtClean="0">
+                <a:solidFill>
+                  <a:schemeClr val="tx1"/>
+                </a:solidFill>
+              </a:rPr>
+              <a:t>/</a:t>
+            </a:r>
+            <a:r>
+              <a:rPr lang="ko-KR" altLang="en-US" dirty="0" smtClean="0">
+                <a:solidFill>
+                  <a:schemeClr val="tx1"/>
+                </a:solidFill>
+              </a:rPr>
+              <a:t>거래량</a:t>
+            </a:r>
+            <a:endParaRPr lang="en-US" altLang="ko-KR" dirty="0" smtClean="0">
+              <a:solidFill>
+                <a:schemeClr val="tx1"/>
+              </a:solidFill>
+            </a:endParaRPr>
+          </a:p>
+          <a:p>
+            <a:pPr algn="ctr"/>
+            <a:r>
+              <a:rPr lang="ko-KR" altLang="en-US" dirty="0" smtClean="0">
+                <a:solidFill>
+                  <a:schemeClr val="tx1"/>
+                </a:solidFill>
+              </a:rPr>
+              <a:t>시각화</a:t>
+            </a:r>
+            <a:endParaRPr lang="en-US" altLang="ko-KR" dirty="0" smtClean="0">
+              <a:solidFill>
+                <a:schemeClr val="tx1"/>
+              </a:solidFill>
+            </a:endParaRPr>
+          </a:p>
+        </p:txBody>
+      </p:sp>
+      <p:sp>
+        <p:nvSpPr>
+          <p:cNvPr id="42" name="아래쪽 화살표 41"/>
+          <p:cNvSpPr/>
+          <p:nvPr/>
+        </p:nvSpPr>
+        <p:spPr>
+          <a:xfrm>
+            <a:off x="10457129" y="2892873"/>
+            <a:ext cx="313765" cy="377847"/>
+          </a:xfrm>
+          <a:prstGeom prst="downArrow">
+            <a:avLst/>
+          </a:prstGeom>
+        </p:spPr>
+        <p:style>
+          <a:lnRef idx="2">
+            <a:schemeClr val="accent1">
+              <a:shade val="50000"/>
+            </a:schemeClr>
+          </a:lnRef>
+          <a:fillRef idx="1">
+            <a:schemeClr val="accent1"/>
+          </a:fillRef>
+          <a:effectRef idx="0">
+            <a:schemeClr val="accent1"/>
+          </a:effectRef>
+          <a:fontRef idx="minor">
+            <a:schemeClr val="lt1"/>
+          </a:fontRef>
+        </p:style>
+        <p:txBody>
+          <a:bodyPr rtlCol="0" anchor="ctr"/>
+          <a:lstStyle/>
+          <a:p>
+            <a:pPr algn="ctr"/>
+            <a:endParaRPr lang="ko-KR" altLang="en-US"/>
+          </a:p>
+        </p:txBody>
+      </p:sp>
+      <p:sp>
+        <p:nvSpPr>
+          <p:cNvPr id="43" name="직사각형 42"/>
+          <p:cNvSpPr/>
+          <p:nvPr/>
+        </p:nvSpPr>
+        <p:spPr>
+          <a:xfrm>
+            <a:off x="9771332" y="4235821"/>
+            <a:ext cx="1685365" cy="1388748"/>
+          </a:xfrm>
+          <a:prstGeom prst="rect">
+            <a:avLst/>
+          </a:prstGeom>
+          <a:solidFill>
+            <a:schemeClr val="bg1"/>
+          </a:solidFill>
+          <a:ln>
+            <a:solidFill>
+              <a:srgbClr val="EA9C00"/>
+            </a:solidFill>
+          </a:ln>
+        </p:spPr>
+        <p:style>
+          <a:lnRef idx="2">
+            <a:schemeClr val="accent1">
+              <a:shade val="50000"/>
+            </a:schemeClr>
+          </a:lnRef>
+          <a:fillRef idx="1">
+            <a:schemeClr val="accent1"/>
+          </a:fillRef>
+          <a:effectRef idx="0">
+            <a:schemeClr val="accent1"/>
+          </a:effectRef>
+          <a:fontRef idx="minor">
+            <a:schemeClr val="lt1"/>
+          </a:fontRef>
+        </p:style>
+        <p:txBody>
+          <a:bodyPr rtlCol="0" anchor="t"/>
+          <a:lstStyle/>
+          <a:p>
+            <a:pPr algn="ctr"/>
+            <a:r>
+              <a:rPr lang="en-US" altLang="ko-KR" dirty="0" smtClean="0">
+                <a:solidFill>
+                  <a:schemeClr val="tx1"/>
+                </a:solidFill>
+                <a:latin typeface="G마켓 산스 TTF Light" panose="02000000000000000000" pitchFamily="2" charset="-127"/>
+                <a:ea typeface="G마켓 산스 TTF Light" panose="02000000000000000000" pitchFamily="2" charset="-127"/>
+              </a:rPr>
+              <a:t>Machine Learning</a:t>
+            </a:r>
+            <a:endParaRPr lang="ko-KR" altLang="en-US" dirty="0">
+              <a:solidFill>
+                <a:schemeClr val="tx1"/>
+              </a:solidFill>
+              <a:latin typeface="G마켓 산스 TTF Light" panose="02000000000000000000" pitchFamily="2" charset="-127"/>
+              <a:ea typeface="G마켓 산스 TTF Light" panose="02000000000000000000" pitchFamily="2" charset="-127"/>
+            </a:endParaRPr>
+          </a:p>
+        </p:txBody>
+      </p:sp>
+      <p:sp>
+        <p:nvSpPr>
+          <p:cNvPr id="44" name="직사각형 43"/>
+          <p:cNvSpPr/>
+          <p:nvPr/>
+        </p:nvSpPr>
+        <p:spPr>
+          <a:xfrm>
+            <a:off x="9869940" y="4930195"/>
+            <a:ext cx="1488141" cy="532498"/>
+          </a:xfrm>
+          <a:prstGeom prst="rect">
+            <a:avLst/>
+          </a:prstGeom>
+          <a:noFill/>
+          <a:ln>
+            <a:solidFill>
+              <a:schemeClr val="accent4">
+                <a:lumMod val="50000"/>
+              </a:schemeClr>
+            </a:solidFill>
+          </a:ln>
+        </p:spPr>
+        <p:style>
+          <a:lnRef idx="2">
+            <a:schemeClr val="accent1">
+              <a:shade val="50000"/>
+            </a:schemeClr>
+          </a:lnRef>
+          <a:fillRef idx="1">
+            <a:schemeClr val="accent1"/>
+          </a:fillRef>
+          <a:effectRef idx="0">
+            <a:schemeClr val="accent1"/>
+          </a:effectRef>
+          <a:fontRef idx="minor">
+            <a:schemeClr val="lt1"/>
+          </a:fontRef>
+        </p:style>
+        <p:txBody>
+          <a:bodyPr rtlCol="0" anchor="ctr"/>
+          <a:lstStyle/>
+          <a:p>
+            <a:pPr algn="ctr"/>
+            <a:r>
+              <a:rPr lang="ko-KR" altLang="en-US" dirty="0" smtClean="0">
+                <a:solidFill>
+                  <a:schemeClr val="tx1"/>
+                </a:solidFill>
+              </a:rPr>
+              <a:t>리그 수명</a:t>
+            </a:r>
+            <a:endParaRPr lang="en-US" altLang="ko-KR" dirty="0" smtClean="0">
+              <a:solidFill>
+                <a:schemeClr val="tx1"/>
+              </a:solidFill>
+            </a:endParaRPr>
+          </a:p>
+          <a:p>
+            <a:pPr algn="ctr"/>
+            <a:r>
+              <a:rPr lang="ko-KR" altLang="en-US" dirty="0" smtClean="0">
+                <a:solidFill>
+                  <a:schemeClr val="tx1"/>
+                </a:solidFill>
+              </a:rPr>
+              <a:t>예측</a:t>
+            </a:r>
+            <a:endParaRPr lang="en-US" altLang="ko-KR" dirty="0" smtClean="0">
+              <a:solidFill>
+                <a:schemeClr val="tx1"/>
+              </a:solidFill>
             </a:endParaRPr>
           </a:p>
         </p:txBody>
